--- a/group1_presentation_slides.pptx
+++ b/group1_presentation_slides.pptx
@@ -5,28 +5,25 @@
     <p:sldMasterId id="2147483648" r:id="rId4"/>
   </p:sldMasterIdLst>
   <p:notesMasterIdLst>
-    <p:notesMasterId r:id="rId24"/>
+    <p:notesMasterId r:id="rId21"/>
   </p:notesMasterIdLst>
   <p:sldIdLst>
     <p:sldId id="316" r:id="rId5"/>
     <p:sldId id="404" r:id="rId6"/>
     <p:sldId id="363" r:id="rId7"/>
     <p:sldId id="415" r:id="rId8"/>
-    <p:sldId id="357" r:id="rId9"/>
+    <p:sldId id="422" r:id="rId9"/>
     <p:sldId id="358" r:id="rId10"/>
     <p:sldId id="408" r:id="rId11"/>
     <p:sldId id="412" r:id="rId12"/>
-    <p:sldId id="364" r:id="rId13"/>
-    <p:sldId id="410" r:id="rId14"/>
-    <p:sldId id="421" r:id="rId15"/>
-    <p:sldId id="384" r:id="rId16"/>
-    <p:sldId id="419" r:id="rId17"/>
-    <p:sldId id="367" r:id="rId18"/>
-    <p:sldId id="418" r:id="rId19"/>
-    <p:sldId id="417" r:id="rId20"/>
-    <p:sldId id="353" r:id="rId21"/>
-    <p:sldId id="420" r:id="rId22"/>
-    <p:sldId id="414" r:id="rId23"/>
+    <p:sldId id="410" r:id="rId13"/>
+    <p:sldId id="421" r:id="rId14"/>
+    <p:sldId id="384" r:id="rId15"/>
+    <p:sldId id="419" r:id="rId16"/>
+    <p:sldId id="417" r:id="rId17"/>
+    <p:sldId id="353" r:id="rId18"/>
+    <p:sldId id="423" r:id="rId19"/>
+    <p:sldId id="414" r:id="rId20"/>
   </p:sldIdLst>
   <p:sldSz cx="9144000" cy="6858000" type="screen4x3"/>
   <p:notesSz cx="7043738" cy="9332913"/>
@@ -537,7 +534,99 @@
           <a:bodyPr/>
           <a:lstStyle/>
           <a:p>
-            <a:endParaRPr lang="en-US"/>
+            <a:r>
+              <a:rPr lang="en-US" err="1"/>
+              <a:t>booleans</a:t>
+            </a:r>
+            <a:r>
+              <a:rPr lang="en-US"/>
+              <a:t>:</a:t>
+            </a:r>
+          </a:p>
+          <a:p>
+            <a:r>
+              <a:rPr lang="en-US"/>
+              <a:t>['fleet','frame_damaged','franchise_dealer','has_accidents','isCab','is_cpo','is_new','is_oemcpo','salvage','theft_title']</a:t>
+            </a:r>
+            <a:endParaRPr lang="en-US">
+              <a:cs typeface="Calibri"/>
+            </a:endParaRPr>
+          </a:p>
+          <a:p>
+            <a:r>
+              <a:rPr lang="en-US"/>
+              <a:t> </a:t>
+            </a:r>
+            <a:endParaRPr lang="en-US">
+              <a:cs typeface="Calibri"/>
+            </a:endParaRPr>
+          </a:p>
+          <a:p>
+            <a:r>
+              <a:rPr lang="en-US" err="1"/>
+              <a:t>INtegers</a:t>
+            </a:r>
+            <a:r>
+              <a:rPr lang="en-US"/>
+              <a:t>:</a:t>
+            </a:r>
+            <a:endParaRPr lang="en-US">
+              <a:cs typeface="Calibri"/>
+            </a:endParaRPr>
+          </a:p>
+          <a:p>
+            <a:r>
+              <a:rPr lang="en-US"/>
+              <a:t>['engine_displacement','engine_cylinders','daysonmarket','horsepower','maximum_seating','mileage',</a:t>
+            </a:r>
+            <a:endParaRPr lang="en-US">
+              <a:cs typeface="Calibri"/>
+            </a:endParaRPr>
+          </a:p>
+          <a:p>
+            <a:r>
+              <a:rPr lang="en-US"/>
+              <a:t>'owner_count','savings_amount','transmission_display','year','torque_ftlb','torque_rpm']</a:t>
+            </a:r>
+            <a:endParaRPr lang="en-US">
+              <a:cs typeface="Calibri"/>
+            </a:endParaRPr>
+          </a:p>
+          <a:p>
+            <a:r>
+              <a:rPr lang="en-US"/>
+              <a:t> </a:t>
+            </a:r>
+            <a:endParaRPr lang="en-US">
+              <a:cs typeface="Calibri"/>
+            </a:endParaRPr>
+          </a:p>
+          <a:p>
+            <a:r>
+              <a:rPr lang="en-US"/>
+              <a:t>Double</a:t>
+            </a:r>
+            <a:endParaRPr lang="en-US">
+              <a:cs typeface="Calibri"/>
+            </a:endParaRPr>
+          </a:p>
+          <a:p>
+            <a:r>
+              <a:rPr lang="en-US"/>
+              <a:t>['back_legroom','front_legroom','city_fuel_economy','bed_length','fuel_tank_volume','latitude',</a:t>
+            </a:r>
+            <a:endParaRPr lang="en-US">
+              <a:cs typeface="Calibri"/>
+            </a:endParaRPr>
+          </a:p>
+          <a:p>
+            <a:r>
+              <a:rPr lang="en-US"/>
+              <a:t>'height','highway_fuel_economy','length','longitude','price','seller_rating','wheelbase','width','torque_grade']</a:t>
+            </a:r>
+            <a:endParaRPr lang="en-US">
+              <a:cs typeface="Calibri"/>
+            </a:endParaRPr>
           </a:p>
         </p:txBody>
       </p:sp>
@@ -622,7 +711,7 @@
           <a:lstStyle/>
           <a:p>
             <a:r>
-              <a:rPr lang="en-US" dirty="0"/>
+              <a:rPr lang="en-US"/>
               <a:t>Implications of imbalance</a:t>
             </a:r>
           </a:p>
@@ -1736,7 +1825,7 @@
           <a:p>
             <a:fld id="{E75AE56F-8B21-4C46-8341-DC075477247B}" type="slidenum">
               <a:rPr lang="en-US" smtClean="0"/>
-              <a:t>16</a:t>
+              <a:t>13</a:t>
             </a:fld>
             <a:endParaRPr lang="en-US"/>
           </a:p>
@@ -1802,7 +1891,54 @@
             <a:endParaRPr lang="en-US" baseline="0"/>
           </a:p>
           <a:p>
-            <a:endParaRPr lang="en-US" baseline="0"/>
+            <a:r>
+              <a:rPr lang="en-US">
+                <a:cs typeface="Calibri"/>
+              </a:rPr>
+              <a:t>Important features:</a:t>
+            </a:r>
+          </a:p>
+          <a:p>
+            <a:r>
+              <a:rPr lang="en-US">
+                <a:cs typeface="Calibri"/>
+              </a:rPr>
+              <a:t>Price</a:t>
+            </a:r>
+          </a:p>
+          <a:p>
+            <a:r>
+              <a:rPr lang="en-US">
+                <a:cs typeface="Calibri"/>
+              </a:rPr>
+              <a:t>Owner count</a:t>
+            </a:r>
+          </a:p>
+          <a:p>
+            <a:r>
+              <a:rPr lang="en-US">
+                <a:cs typeface="Calibri"/>
+              </a:rPr>
+              <a:t>Mileage</a:t>
+            </a:r>
+          </a:p>
+          <a:p>
+            <a:r>
+              <a:rPr lang="en-US">
+                <a:cs typeface="Calibri"/>
+              </a:rPr>
+              <a:t>Make and model</a:t>
+            </a:r>
+          </a:p>
+          <a:p>
+            <a:endParaRPr lang="en-US">
+              <a:cs typeface="Calibri"/>
+            </a:endParaRPr>
+          </a:p>
+          <a:p>
+            <a:endParaRPr lang="en-US">
+              <a:cs typeface="Calibri"/>
+            </a:endParaRPr>
           </a:p>
         </p:txBody>
       </p:sp>
@@ -1823,7 +1959,7 @@
           <a:p>
             <a:fld id="{E75AE56F-8B21-4C46-8341-DC075477247B}" type="slidenum">
               <a:rPr lang="en-US" smtClean="0"/>
-              <a:t>17</a:t>
+              <a:t>14</a:t>
             </a:fld>
             <a:endParaRPr lang="en-US"/>
           </a:p>
@@ -1910,7 +2046,7 @@
           <a:p>
             <a:fld id="{E75AE56F-8B21-4C46-8341-DC075477247B}" type="slidenum">
               <a:rPr lang="en-US" smtClean="0"/>
-              <a:t>18</a:t>
+              <a:t>15</a:t>
             </a:fld>
             <a:endParaRPr lang="en-US"/>
           </a:p>
@@ -1997,7 +2133,7 @@
           <a:p>
             <a:fld id="{E75AE56F-8B21-4C46-8341-DC075477247B}" type="slidenum">
               <a:rPr lang="en-US" smtClean="0"/>
-              <a:t>19</a:t>
+              <a:t>16</a:t>
             </a:fld>
             <a:endParaRPr lang="en-US"/>
           </a:p>
@@ -5744,18 +5880,17 @@
                 <a:latin typeface="Arial"/>
                 <a:cs typeface="Arial"/>
               </a:rPr>
-              <a:t>Exploratory Data Analysis (2 of 3)</a:t>
-            </a:r>
-            <a:endParaRPr lang="en-US"/>
+              <a:t>EDA / Unsupervised Learning</a:t>
+            </a:r>
           </a:p>
         </p:txBody>
       </p:sp>
       <p:pic>
         <p:nvPicPr>
-          <p:cNvPr id="2" name="Picture 1">
+          <p:cNvPr id="7" name="Picture 7" descr="Chart, scatter chart&#10;&#10;Description automatically generated">
             <a:extLst>
               <a:ext uri="{FF2B5EF4-FFF2-40B4-BE49-F238E27FC236}">
-                <a16:creationId xmlns:a16="http://schemas.microsoft.com/office/drawing/2014/main" id="{6FA31BBE-4156-4A46-BDBF-CABB15546E82}"/>
+                <a16:creationId xmlns:a16="http://schemas.microsoft.com/office/drawing/2014/main" id="{57B7AE97-503F-426A-935E-6BDAC0A479BD}"/>
               </a:ext>
             </a:extLst>
           </p:cNvPr>
@@ -5772,20 +5907,145 @@
         </p:blipFill>
         <p:spPr>
           <a:xfrm>
-            <a:off x="0" y="1270908"/>
-            <a:ext cx="2895372" cy="2683872"/>
+            <a:off x="5973357" y="162868"/>
+            <a:ext cx="2919048" cy="2758336"/>
           </a:xfrm>
           <a:prstGeom prst="rect">
             <a:avLst/>
           </a:prstGeom>
         </p:spPr>
       </p:pic>
+      <p:sp>
+        <p:nvSpPr>
+          <p:cNvPr id="2" name="TextBox 1">
+            <a:extLst>
+              <a:ext uri="{FF2B5EF4-FFF2-40B4-BE49-F238E27FC236}">
+                <a16:creationId xmlns:a16="http://schemas.microsoft.com/office/drawing/2014/main" id="{ED20053D-D196-4F79-B80D-4887554D2D54}"/>
+              </a:ext>
+            </a:extLst>
+          </p:cNvPr>
+          <p:cNvSpPr txBox="1"/>
+          <p:nvPr/>
+        </p:nvSpPr>
+        <p:spPr>
+          <a:xfrm>
+            <a:off x="118720" y="1164879"/>
+            <a:ext cx="4719980" cy="2000548"/>
+          </a:xfrm>
+          <a:prstGeom prst="rect">
+            <a:avLst/>
+          </a:prstGeom>
+          <a:noFill/>
+        </p:spPr>
+        <p:txBody>
+          <a:bodyPr wrap="square" lIns="91440" tIns="45720" rIns="91440" bIns="45720" rtlCol="0" anchor="t">
+            <a:spAutoFit/>
+          </a:bodyPr>
+          <a:lstStyle/>
+          <a:p>
+            <a:r>
+              <a:rPr lang="en-US" b="1" dirty="0">
+                <a:latin typeface="Arial"/>
+                <a:ea typeface="+mn-lt"/>
+                <a:cs typeface="Arial"/>
+              </a:rPr>
+              <a:t>Categorical + Numerical</a:t>
+            </a:r>
+          </a:p>
+          <a:p>
+            <a:pPr marL="285750" indent="-285750">
+              <a:buFont typeface="Arial"/>
+              <a:buChar char="•"/>
+            </a:pPr>
+            <a:r>
+              <a:rPr lang="en-US" sz="1400" dirty="0">
+                <a:latin typeface="Arial"/>
+                <a:ea typeface="+mn-lt"/>
+                <a:cs typeface="Arial"/>
+              </a:rPr>
+              <a:t>Of 54 Distinct Features, 50 Are Variated (&lt; 1 class)</a:t>
+            </a:r>
+            <a:endParaRPr lang="en-US" sz="1400" dirty="0"/>
+          </a:p>
+          <a:p>
+            <a:pPr marL="285750" indent="-285750">
+              <a:buFont typeface="Arial"/>
+              <a:buChar char="•"/>
+            </a:pPr>
+            <a:endParaRPr lang="en-US" sz="1400" dirty="0">
+              <a:latin typeface="Arial"/>
+              <a:ea typeface="+mn-lt"/>
+              <a:cs typeface="Arial"/>
+            </a:endParaRPr>
+          </a:p>
+          <a:p>
+            <a:r>
+              <a:rPr lang="en-US" b="1" dirty="0">
+                <a:latin typeface="Arial"/>
+                <a:ea typeface="+mn-lt"/>
+                <a:cs typeface="Arial"/>
+              </a:rPr>
+              <a:t>Principal Components Analysis (PCA)</a:t>
+            </a:r>
+            <a:endParaRPr lang="en-US" dirty="0"/>
+          </a:p>
+          <a:p>
+            <a:pPr marL="285750" indent="-285750">
+              <a:buFont typeface="Arial" panose="020B0604020202020204" pitchFamily="34" charset="0"/>
+              <a:buChar char="•"/>
+            </a:pPr>
+            <a:r>
+              <a:rPr lang="en-US" sz="1400" dirty="0">
+                <a:latin typeface="Arial"/>
+                <a:ea typeface="+mn-lt"/>
+                <a:cs typeface="Arial"/>
+              </a:rPr>
+              <a:t>~4 PC Variables Explain Nearly All Variance</a:t>
+            </a:r>
+          </a:p>
+          <a:p>
+            <a:pPr marL="285750" indent="-285750">
+              <a:buFont typeface="Arial" panose="020B0604020202020204" pitchFamily="34" charset="0"/>
+              <a:buChar char="•"/>
+            </a:pPr>
+            <a:r>
+              <a:rPr lang="en-US" sz="1400" dirty="0">
+                <a:latin typeface="Arial"/>
+                <a:ea typeface="+mn-lt"/>
+                <a:cs typeface="Arial"/>
+              </a:rPr>
+              <a:t>We See Close to 100% Cumulative Variance at 10 PC</a:t>
+            </a:r>
+          </a:p>
+          <a:p>
+            <a:pPr marL="285750" indent="-285750">
+              <a:buFont typeface="Arial" panose="020B0604020202020204" pitchFamily="34" charset="0"/>
+              <a:buChar char="•"/>
+            </a:pPr>
+            <a:endParaRPr lang="en-US" sz="1400" dirty="0">
+              <a:latin typeface="Arial"/>
+              <a:ea typeface="+mn-lt"/>
+              <a:cs typeface="Arial"/>
+            </a:endParaRPr>
+          </a:p>
+          <a:p>
+            <a:r>
+              <a:rPr lang="en-US" b="1" dirty="0">
+                <a:latin typeface="Arial"/>
+                <a:ea typeface="+mn-lt"/>
+                <a:cs typeface="Arial"/>
+              </a:rPr>
+              <a:t>K-Means</a:t>
+            </a:r>
+          </a:p>
+        </p:txBody>
+      </p:sp>
       <p:pic>
         <p:nvPicPr>
-          <p:cNvPr id="6" name="Picture 5">
+          <p:cNvPr id="6" name="Picture 7" descr="Chart&#10;&#10;Description automatically generated">
             <a:extLst>
               <a:ext uri="{FF2B5EF4-FFF2-40B4-BE49-F238E27FC236}">
-                <a16:creationId xmlns:a16="http://schemas.microsoft.com/office/drawing/2014/main" id="{32820CE7-F6CF-4627-92ED-68F001793C89}"/>
+                <a16:creationId xmlns:a16="http://schemas.microsoft.com/office/drawing/2014/main" id="{53D1BCE6-35F2-4E3D-A04C-7473AE2C16E5}"/>
               </a:ext>
             </a:extLst>
           </p:cNvPr>
@@ -5802,8 +6062,8 @@
         </p:blipFill>
         <p:spPr>
           <a:xfrm>
-            <a:off x="5852750" y="1270908"/>
-            <a:ext cx="2989479" cy="2744832"/>
+            <a:off x="4224758" y="3591096"/>
+            <a:ext cx="4598197" cy="2413323"/>
           </a:xfrm>
           <a:prstGeom prst="rect">
             <a:avLst/>
@@ -5812,173 +6072,55 @@
       </p:pic>
       <p:pic>
         <p:nvPicPr>
-          <p:cNvPr id="8" name="Picture 7">
+          <p:cNvPr id="1026" name="Picture 2">
             <a:extLst>
               <a:ext uri="{FF2B5EF4-FFF2-40B4-BE49-F238E27FC236}">
-                <a16:creationId xmlns:a16="http://schemas.microsoft.com/office/drawing/2014/main" id="{54430462-0580-46F4-A77B-DAEB60E7685A}"/>
+                <a16:creationId xmlns:a16="http://schemas.microsoft.com/office/drawing/2014/main" id="{175BB5F1-0929-4865-BCD3-29F3D348A31A}"/>
               </a:ext>
             </a:extLst>
           </p:cNvPr>
           <p:cNvPicPr>
-            <a:picLocks noChangeAspect="1"/>
+            <a:picLocks noChangeAspect="1" noChangeArrowheads="1"/>
           </p:cNvPicPr>
           <p:nvPr/>
         </p:nvPicPr>
         <p:blipFill>
-          <a:blip r:embed="rId4"/>
+          <a:blip r:embed="rId4">
+            <a:extLst>
+              <a:ext uri="{28A0092B-C50C-407E-A947-70E740481C1C}">
+                <a14:useLocalDpi xmlns:a14="http://schemas.microsoft.com/office/drawing/2010/main" val="0"/>
+              </a:ext>
+            </a:extLst>
+          </a:blip>
+          <a:srcRect/>
           <a:stretch>
             <a:fillRect/>
           </a:stretch>
         </p:blipFill>
-        <p:spPr>
+        <p:spPr bwMode="auto">
           <a:xfrm>
-            <a:off x="3002461" y="1270908"/>
-            <a:ext cx="2743200" cy="2676252"/>
-          </a:xfrm>
-          <a:prstGeom prst="rect">
-            <a:avLst/>
-          </a:prstGeom>
-        </p:spPr>
-      </p:pic>
-      <p:pic>
-        <p:nvPicPr>
-          <p:cNvPr id="7" name="Picture 8" descr="Table&#10;&#10;Description automatically generated">
-            <a:extLst>
-              <a:ext uri="{FF2B5EF4-FFF2-40B4-BE49-F238E27FC236}">
-                <a16:creationId xmlns:a16="http://schemas.microsoft.com/office/drawing/2014/main" id="{E015AB53-4723-4C93-9C26-794431CE8101}"/>
-              </a:ext>
-            </a:extLst>
-          </p:cNvPr>
-          <p:cNvPicPr>
-            <a:picLocks noChangeAspect="1"/>
-          </p:cNvPicPr>
-          <p:nvPr/>
-        </p:nvPicPr>
-        <p:blipFill>
-          <a:blip r:embed="rId5"/>
-          <a:stretch>
-            <a:fillRect/>
-          </a:stretch>
-        </p:blipFill>
-        <p:spPr>
-          <a:xfrm>
-            <a:off x="789007" y="4333453"/>
-            <a:ext cx="7358605" cy="1624145"/>
-          </a:xfrm>
-          <a:prstGeom prst="rect">
-            <a:avLst/>
-          </a:prstGeom>
-        </p:spPr>
-      </p:pic>
-      <p:sp>
-        <p:nvSpPr>
-          <p:cNvPr id="9" name="TextBox 8">
-            <a:extLst>
-              <a:ext uri="{FF2B5EF4-FFF2-40B4-BE49-F238E27FC236}">
-                <a16:creationId xmlns:a16="http://schemas.microsoft.com/office/drawing/2014/main" id="{5A05A25E-6E1A-42BB-9E44-AC2682CFB055}"/>
-              </a:ext>
-            </a:extLst>
-          </p:cNvPr>
-          <p:cNvSpPr txBox="1"/>
-          <p:nvPr/>
-        </p:nvSpPr>
-        <p:spPr>
-          <a:xfrm>
-            <a:off x="1226820" y="3886200"/>
-            <a:ext cx="732701" cy="276999"/>
+            <a:off x="239031" y="3486520"/>
+            <a:ext cx="3707936" cy="2653952"/>
           </a:xfrm>
           <a:prstGeom prst="rect">
             <a:avLst/>
           </a:prstGeom>
           <a:noFill/>
+          <a:extLst>
+            <a:ext uri="{909E8E84-426E-40DD-AFC4-6F175D3DCCD1}">
+              <a14:hiddenFill xmlns:a14="http://schemas.microsoft.com/office/drawing/2010/main">
+                <a:solidFill>
+                  <a:srgbClr val="FFFFFF"/>
+                </a:solidFill>
+              </a14:hiddenFill>
+            </a:ext>
+          </a:extLst>
         </p:spPr>
-        <p:txBody>
-          <a:bodyPr wrap="none" rtlCol="0">
-            <a:spAutoFit/>
-          </a:bodyPr>
-          <a:lstStyle/>
-          <a:p>
-            <a:r>
-              <a:rPr lang="en-US" sz="1200" dirty="0"/>
-              <a:t>(In days)</a:t>
-            </a:r>
-          </a:p>
-        </p:txBody>
-      </p:sp>
-      <p:sp>
-        <p:nvSpPr>
-          <p:cNvPr id="10" name="TextBox 9">
-            <a:extLst>
-              <a:ext uri="{FF2B5EF4-FFF2-40B4-BE49-F238E27FC236}">
-                <a16:creationId xmlns:a16="http://schemas.microsoft.com/office/drawing/2014/main" id="{6E6AE664-000B-4277-A8E4-5CF3CAA1D654}"/>
-              </a:ext>
-            </a:extLst>
-          </p:cNvPr>
-          <p:cNvSpPr txBox="1"/>
-          <p:nvPr/>
-        </p:nvSpPr>
-        <p:spPr>
-          <a:xfrm>
-            <a:off x="4297680" y="3878580"/>
-            <a:ext cx="585417" cy="276999"/>
-          </a:xfrm>
-          <a:prstGeom prst="rect">
-            <a:avLst/>
-          </a:prstGeom>
-          <a:noFill/>
-        </p:spPr>
-        <p:txBody>
-          <a:bodyPr wrap="none" rtlCol="0">
-            <a:spAutoFit/>
-          </a:bodyPr>
-          <a:lstStyle/>
-          <a:p>
-            <a:r>
-              <a:rPr lang="en-US" sz="1200" dirty="0"/>
-              <a:t>(MPG)</a:t>
-            </a:r>
-          </a:p>
-        </p:txBody>
-      </p:sp>
-      <p:sp>
-        <p:nvSpPr>
-          <p:cNvPr id="11" name="TextBox 10">
-            <a:extLst>
-              <a:ext uri="{FF2B5EF4-FFF2-40B4-BE49-F238E27FC236}">
-                <a16:creationId xmlns:a16="http://schemas.microsoft.com/office/drawing/2014/main" id="{BFCF2BAB-65FA-4DF4-944B-73528269288D}"/>
-              </a:ext>
-            </a:extLst>
-          </p:cNvPr>
-          <p:cNvSpPr txBox="1"/>
-          <p:nvPr/>
-        </p:nvSpPr>
-        <p:spPr>
-          <a:xfrm>
-            <a:off x="7193280" y="3878580"/>
-            <a:ext cx="989373" cy="276999"/>
-          </a:xfrm>
-          <a:prstGeom prst="rect">
-            <a:avLst/>
-          </a:prstGeom>
-          <a:noFill/>
-        </p:spPr>
-        <p:txBody>
-          <a:bodyPr wrap="none" rtlCol="0">
-            <a:spAutoFit/>
-          </a:bodyPr>
-          <a:lstStyle/>
-          <a:p>
-            <a:r>
-              <a:rPr lang="en-US" sz="1200" dirty="0"/>
-              <a:t>(Thousands)</a:t>
-            </a:r>
-          </a:p>
-        </p:txBody>
-      </p:sp>
+      </p:pic>
     </p:spTree>
     <p:extLst>
       <p:ext uri="{BB962C8B-B14F-4D97-AF65-F5344CB8AC3E}">
-        <p14:creationId xmlns:p14="http://schemas.microsoft.com/office/powerpoint/2010/main" val="738431528"/>
+        <p14:creationId xmlns:p14="http://schemas.microsoft.com/office/powerpoint/2010/main" val="3842562989"/>
       </p:ext>
     </p:extLst>
   </p:cSld>
@@ -6099,22 +6241,21 @@
           <a:lstStyle/>
           <a:p>
             <a:r>
-              <a:rPr lang="en-US">
+              <a:rPr lang="en-US" dirty="0">
                 <a:latin typeface="Arial"/>
                 <a:cs typeface="Arial"/>
               </a:rPr>
-              <a:t>Exploratory Data Analysis (2 of 3)</a:t>
-            </a:r>
-            <a:endParaRPr lang="en-US"/>
-          </a:p>
-        </p:txBody>
-      </p:sp>
-      <p:sp>
-        <p:nvSpPr>
-          <p:cNvPr id="10" name="TextBox 9">
+              <a:t>Modeling and Prediction (1 of 3)</a:t>
+            </a:r>
+          </a:p>
+        </p:txBody>
+      </p:sp>
+      <p:sp>
+        <p:nvSpPr>
+          <p:cNvPr id="6" name="TextBox 5">
             <a:extLst>
               <a:ext uri="{FF2B5EF4-FFF2-40B4-BE49-F238E27FC236}">
-                <a16:creationId xmlns:a16="http://schemas.microsoft.com/office/drawing/2014/main" id="{C092477B-B048-4BB5-9A0F-1B5327898AD5}"/>
+                <a16:creationId xmlns:a16="http://schemas.microsoft.com/office/drawing/2014/main" id="{1576299B-8A9F-4B72-8C2A-B9D8F7D9AA5D}"/>
               </a:ext>
             </a:extLst>
           </p:cNvPr>
@@ -6123,8 +6264,8 @@
         </p:nvSpPr>
         <p:spPr>
           <a:xfrm>
-            <a:off x="152400" y="1116449"/>
-            <a:ext cx="8730584" cy="2308324"/>
+            <a:off x="118720" y="1118699"/>
+            <a:ext cx="4234205" cy="5278368"/>
           </a:xfrm>
           <a:prstGeom prst="rect">
             <a:avLst/>
@@ -6138,85 +6279,594 @@
           <a:lstStyle/>
           <a:p>
             <a:r>
-              <a:rPr lang="en-US" sz="1600" b="1">
+              <a:rPr lang="en-US" b="1" dirty="0">
+                <a:latin typeface="Arial" panose="020B0604020202020204" pitchFamily="34" charset="0"/>
+                <a:ea typeface="+mn-lt"/>
+                <a:cs typeface="Arial" panose="020B0604020202020204" pitchFamily="34" charset="0"/>
+              </a:rPr>
+              <a:t>Regression Model</a:t>
+            </a:r>
+          </a:p>
+          <a:p>
+            <a:pPr marL="285750" indent="-285750">
+              <a:buFont typeface="Arial" panose="020B0604020202020204" pitchFamily="34" charset="0"/>
+              <a:buChar char="•"/>
+            </a:pPr>
+            <a:r>
+              <a:rPr lang="en-US" sz="1400" dirty="0">
                 <a:latin typeface="Arial"/>
                 <a:ea typeface="+mn-lt"/>
                 <a:cs typeface="Arial"/>
               </a:rPr>
-              <a:t>PCA</a:t>
-            </a:r>
-            <a:endParaRPr lang="en-US"/>
-          </a:p>
-          <a:p>
-            <a:endParaRPr lang="en-US" sz="1600" b="1">
-              <a:latin typeface="Arial" panose="020B0604020202020204" pitchFamily="34" charset="0"/>
-              <a:ea typeface="+mn-lt"/>
-              <a:cs typeface="Arial" panose="020B0604020202020204" pitchFamily="34" charset="0"/>
-            </a:endParaRPr>
-          </a:p>
-          <a:p>
-            <a:endParaRPr lang="en-US" sz="1600" b="1">
-              <a:latin typeface="Arial" panose="020B0604020202020204" pitchFamily="34" charset="0"/>
-              <a:ea typeface="+mn-lt"/>
-              <a:cs typeface="Arial" panose="020B0604020202020204" pitchFamily="34" charset="0"/>
-            </a:endParaRPr>
-          </a:p>
-          <a:p>
-            <a:endParaRPr lang="en-US" sz="1600" b="1">
-              <a:latin typeface="Arial" panose="020B0604020202020204" pitchFamily="34" charset="0"/>
-              <a:ea typeface="+mn-lt"/>
-              <a:cs typeface="Arial" panose="020B0604020202020204" pitchFamily="34" charset="0"/>
-            </a:endParaRPr>
-          </a:p>
-          <a:p>
-            <a:endParaRPr lang="en-US" sz="1600" b="1">
-              <a:latin typeface="Arial" panose="020B0604020202020204" pitchFamily="34" charset="0"/>
-              <a:ea typeface="+mn-lt"/>
-              <a:cs typeface="Arial" panose="020B0604020202020204" pitchFamily="34" charset="0"/>
-            </a:endParaRPr>
-          </a:p>
-          <a:p>
-            <a:endParaRPr lang="en-US" sz="1600" b="1">
-              <a:latin typeface="Arial" panose="020B0604020202020204" pitchFamily="34" charset="0"/>
-              <a:ea typeface="+mn-lt"/>
-              <a:cs typeface="Arial" panose="020B0604020202020204" pitchFamily="34" charset="0"/>
-            </a:endParaRPr>
-          </a:p>
-          <a:p>
-            <a:endParaRPr lang="en-US" sz="1600" b="1">
-              <a:latin typeface="Arial" panose="020B0604020202020204" pitchFamily="34" charset="0"/>
-              <a:ea typeface="+mn-lt"/>
-              <a:cs typeface="Arial" panose="020B0604020202020204" pitchFamily="34" charset="0"/>
-            </a:endParaRPr>
-          </a:p>
-          <a:p>
-            <a:r>
-              <a:rPr lang="en-US" sz="1600" b="1">
+              <a:t>In support of answering research question 2A and 2B: </a:t>
+            </a:r>
+            <a:r>
+              <a:rPr lang="en-US" sz="1400" i="1" dirty="0">
                 <a:latin typeface="Arial"/>
                 <a:ea typeface="+mn-lt"/>
                 <a:cs typeface="Arial"/>
               </a:rPr>
-              <a:t>KNN</a:t>
-            </a:r>
-            <a:endParaRPr lang="en-US" sz="1600" b="1">
+              <a:t>Price Setting and Price Expectations</a:t>
+            </a:r>
+          </a:p>
+          <a:p>
+            <a:pPr marL="285750" indent="-285750">
+              <a:buFont typeface="Arial" panose="020B0604020202020204" pitchFamily="34" charset="0"/>
+              <a:buChar char="•"/>
+            </a:pPr>
+            <a:r>
+              <a:rPr lang="en-US" sz="1400" dirty="0">
+                <a:latin typeface="Arial" panose="020B0604020202020204" pitchFamily="34" charset="0"/>
+                <a:ea typeface="+mn-lt"/>
+                <a:cs typeface="Arial" panose="020B0604020202020204" pitchFamily="34" charset="0"/>
+              </a:rPr>
+              <a:t>Prediction of price; Inference on </a:t>
+            </a:r>
+            <a:r>
+              <a:rPr lang="en-US" sz="1400" dirty="0">
+                <a:latin typeface="Arial" panose="020B0604020202020204" pitchFamily="34" charset="0"/>
+                <a:cs typeface="Arial" panose="020B0604020202020204" pitchFamily="34" charset="0"/>
+              </a:rPr>
+              <a:t>leading features that explain price variation of a used vehicle</a:t>
+            </a:r>
+          </a:p>
+          <a:p>
+            <a:pPr marL="285750" indent="-285750">
+              <a:buFont typeface="Arial" panose="020B0604020202020204" pitchFamily="34" charset="0"/>
+              <a:buChar char="•"/>
+            </a:pPr>
+            <a:r>
+              <a:rPr lang="en-US" sz="1400" dirty="0">
+                <a:latin typeface="Arial" panose="020B0604020202020204" pitchFamily="34" charset="0"/>
+                <a:ea typeface="+mn-lt"/>
+                <a:cs typeface="Arial" panose="020B0604020202020204" pitchFamily="34" charset="0"/>
+              </a:rPr>
+              <a:t>33 Models Total: </a:t>
+            </a:r>
+          </a:p>
+          <a:p>
+            <a:pPr marL="742950" lvl="1" indent="-285750">
+              <a:buFont typeface="Arial" panose="020B0604020202020204" pitchFamily="34" charset="0"/>
+              <a:buChar char="•"/>
+            </a:pPr>
+            <a:r>
+              <a:rPr lang="en-US" sz="1400" dirty="0">
+                <a:latin typeface="Arial" panose="020B0604020202020204" pitchFamily="34" charset="0"/>
+                <a:ea typeface="+mn-lt"/>
+                <a:cs typeface="Arial" panose="020B0604020202020204" pitchFamily="34" charset="0"/>
+              </a:rPr>
+              <a:t>30 x models (with 3 CVs)</a:t>
+            </a:r>
+          </a:p>
+          <a:p>
+            <a:pPr marL="1085850" lvl="2" indent="-171450">
+              <a:buFont typeface="Arial" panose="020B0604020202020204" pitchFamily="34" charset="0"/>
+              <a:buChar char="•"/>
+            </a:pPr>
+            <a:r>
+              <a:rPr lang="en-US" sz="1400" dirty="0">
+                <a:latin typeface="Arial" panose="020B0604020202020204" pitchFamily="34" charset="0"/>
+                <a:ea typeface="+mn-lt"/>
+                <a:cs typeface="Arial" panose="020B0604020202020204" pitchFamily="34" charset="0"/>
+              </a:rPr>
+              <a:t>Conducted grid search</a:t>
+            </a:r>
+          </a:p>
+          <a:p>
+            <a:pPr lvl="1"/>
+            <a:r>
+              <a:rPr lang="en-US" sz="1400" dirty="0">
+                <a:latin typeface="Arial" panose="020B0604020202020204" pitchFamily="34" charset="0"/>
+                <a:ea typeface="+mn-lt"/>
+                <a:cs typeface="Arial" panose="020B0604020202020204" pitchFamily="34" charset="0"/>
+              </a:rPr>
+              <a:t>	        </a:t>
+            </a:r>
+            <a:r>
+              <a:rPr lang="en-US" sz="1400" dirty="0" err="1">
+                <a:latin typeface="Arial" panose="020B0604020202020204" pitchFamily="34" charset="0"/>
+                <a:ea typeface="+mn-lt"/>
+                <a:cs typeface="Arial" panose="020B0604020202020204" pitchFamily="34" charset="0"/>
+              </a:rPr>
+              <a:t>regParam</a:t>
+            </a:r>
+            <a:r>
+              <a:rPr lang="en-US" sz="1100" b="0" dirty="0">
+                <a:solidFill>
+                  <a:srgbClr val="000000"/>
+                </a:solidFill>
+                <a:effectLst/>
+                <a:latin typeface="Arial" panose="020B0604020202020204" pitchFamily="34" charset="0"/>
+                <a:cs typeface="Arial" panose="020B0604020202020204" pitchFamily="34" charset="0"/>
+              </a:rPr>
+              <a:t>[</a:t>
+            </a:r>
+            <a:r>
+              <a:rPr lang="en-US" sz="1100" b="1" dirty="0">
+                <a:solidFill>
+                  <a:srgbClr val="ED7D31"/>
+                </a:solidFill>
+                <a:latin typeface="Arial" panose="020B0604020202020204" pitchFamily="34" charset="0"/>
+                <a:cs typeface="Arial" panose="020B0604020202020204" pitchFamily="34" charset="0"/>
+              </a:rPr>
+              <a:t>0.0, 0.01, 0.02, 0.03, 0.4, 0.7</a:t>
+            </a:r>
+            <a:r>
+              <a:rPr lang="en-US" sz="1100" b="0" dirty="0">
+                <a:solidFill>
+                  <a:srgbClr val="000000"/>
+                </a:solidFill>
+                <a:effectLst/>
+                <a:latin typeface="Arial" panose="020B0604020202020204" pitchFamily="34" charset="0"/>
+                <a:cs typeface="Arial" panose="020B0604020202020204" pitchFamily="34" charset="0"/>
+              </a:rPr>
+              <a:t>]</a:t>
+            </a:r>
+          </a:p>
+          <a:p>
+            <a:pPr lvl="1"/>
+            <a:r>
+              <a:rPr lang="en-US" sz="1400" dirty="0">
+                <a:latin typeface="Arial" panose="020B0604020202020204" pitchFamily="34" charset="0"/>
+                <a:ea typeface="+mn-lt"/>
+                <a:cs typeface="Arial" panose="020B0604020202020204" pitchFamily="34" charset="0"/>
+              </a:rPr>
+              <a:t>	        </a:t>
+            </a:r>
+            <a:r>
+              <a:rPr lang="en-US" sz="1400" dirty="0" err="1">
+                <a:latin typeface="Arial" panose="020B0604020202020204" pitchFamily="34" charset="0"/>
+                <a:ea typeface="+mn-lt"/>
+                <a:cs typeface="Arial" panose="020B0604020202020204" pitchFamily="34" charset="0"/>
+              </a:rPr>
+              <a:t>elasticNetParam</a:t>
+            </a:r>
+            <a:r>
+              <a:rPr lang="en-US" sz="1050" dirty="0">
+                <a:latin typeface="Arial" panose="020B0604020202020204" pitchFamily="34" charset="0"/>
+                <a:ea typeface="+mn-lt"/>
+                <a:cs typeface="Arial" panose="020B0604020202020204" pitchFamily="34" charset="0"/>
+              </a:rPr>
+              <a:t> </a:t>
+            </a:r>
+            <a:r>
+              <a:rPr lang="en-US" sz="1100" b="0" dirty="0">
+                <a:solidFill>
+                  <a:srgbClr val="000000"/>
+                </a:solidFill>
+                <a:effectLst/>
+                <a:latin typeface="Arial" panose="020B0604020202020204" pitchFamily="34" charset="0"/>
+                <a:cs typeface="Arial" panose="020B0604020202020204" pitchFamily="34" charset="0"/>
+              </a:rPr>
+              <a:t>[</a:t>
+            </a:r>
+            <a:r>
+              <a:rPr lang="en-US" sz="1100" b="1" dirty="0">
+                <a:solidFill>
+                  <a:srgbClr val="ED7D31"/>
+                </a:solidFill>
+                <a:latin typeface="Arial" panose="020B0604020202020204" pitchFamily="34" charset="0"/>
+                <a:cs typeface="Arial" panose="020B0604020202020204" pitchFamily="34" charset="0"/>
+              </a:rPr>
+              <a:t>0.0, 0.2, 0.4, 0.5, 0.7</a:t>
+            </a:r>
+            <a:r>
+              <a:rPr lang="en-US" sz="1100" b="0" dirty="0">
+                <a:solidFill>
+                  <a:srgbClr val="000000"/>
+                </a:solidFill>
+                <a:effectLst/>
+                <a:latin typeface="Arial" panose="020B0604020202020204" pitchFamily="34" charset="0"/>
+                <a:cs typeface="Arial" panose="020B0604020202020204" pitchFamily="34" charset="0"/>
+              </a:rPr>
+              <a:t>]</a:t>
+            </a:r>
+          </a:p>
+          <a:p>
+            <a:pPr marL="1085850" lvl="2" indent="-171450">
+              <a:buFont typeface="Arial" panose="020B0604020202020204" pitchFamily="34" charset="0"/>
+              <a:buChar char="•"/>
+            </a:pPr>
+            <a:r>
+              <a:rPr lang="en-US" sz="1400" dirty="0">
+                <a:latin typeface="Arial" panose="020B0604020202020204" pitchFamily="34" charset="0"/>
+                <a:ea typeface="+mn-lt"/>
+                <a:cs typeface="Arial" panose="020B0604020202020204" pitchFamily="34" charset="0"/>
+              </a:rPr>
+              <a:t>3-Fold Cross Validation</a:t>
+            </a:r>
+          </a:p>
+          <a:p>
+            <a:pPr marL="742950" lvl="1" indent="-285750">
+              <a:buFont typeface="Arial" panose="020B0604020202020204" pitchFamily="34" charset="0"/>
+              <a:buChar char="•"/>
+            </a:pPr>
+            <a:r>
+              <a:rPr lang="en-US" sz="1400" dirty="0">
+                <a:latin typeface="Arial" panose="020B0604020202020204" pitchFamily="34" charset="0"/>
+                <a:ea typeface="+mn-lt"/>
+                <a:cs typeface="Arial" panose="020B0604020202020204" pitchFamily="34" charset="0"/>
+              </a:rPr>
+              <a:t>1xTuned</a:t>
+            </a:r>
+          </a:p>
+          <a:p>
+            <a:pPr marL="1085850" lvl="2" indent="-171450">
+              <a:buFont typeface="Arial" panose="020B0604020202020204" pitchFamily="34" charset="0"/>
+              <a:buChar char="•"/>
+            </a:pPr>
+            <a:r>
+              <a:rPr lang="en-US" sz="1400" dirty="0" err="1">
+                <a:latin typeface="Arial" panose="020B0604020202020204" pitchFamily="34" charset="0"/>
+                <a:ea typeface="+mn-lt"/>
+                <a:cs typeface="Arial" panose="020B0604020202020204" pitchFamily="34" charset="0"/>
+              </a:rPr>
+              <a:t>elasticNetParam</a:t>
+            </a:r>
+            <a:r>
+              <a:rPr lang="en-US" sz="1400" dirty="0">
+                <a:latin typeface="Arial" panose="020B0604020202020204" pitchFamily="34" charset="0"/>
+                <a:ea typeface="+mn-lt"/>
+                <a:cs typeface="Arial" panose="020B0604020202020204" pitchFamily="34" charset="0"/>
+              </a:rPr>
+              <a:t>=</a:t>
+            </a:r>
+            <a:r>
+              <a:rPr lang="en-US" sz="1400" b="1" dirty="0">
+                <a:solidFill>
+                  <a:srgbClr val="ED7D31"/>
+                </a:solidFill>
+                <a:latin typeface="Arial" panose="020B0604020202020204" pitchFamily="34" charset="0"/>
+                <a:cs typeface="Arial" panose="020B0604020202020204" pitchFamily="34" charset="0"/>
+              </a:rPr>
+              <a:t>0.2</a:t>
+            </a:r>
+            <a:r>
+              <a:rPr lang="en-US" sz="1050" b="1" dirty="0">
+                <a:solidFill>
+                  <a:srgbClr val="ED7D31"/>
+                </a:solidFill>
+                <a:latin typeface="Arial" panose="020B0604020202020204" pitchFamily="34" charset="0"/>
+                <a:cs typeface="Arial" panose="020B0604020202020204" pitchFamily="34" charset="0"/>
+              </a:rPr>
+              <a:t>, </a:t>
+            </a:r>
+            <a:r>
+              <a:rPr lang="en-US" sz="1400" dirty="0" err="1">
+                <a:latin typeface="Arial" panose="020B0604020202020204" pitchFamily="34" charset="0"/>
+                <a:ea typeface="+mn-lt"/>
+                <a:cs typeface="Arial" panose="020B0604020202020204" pitchFamily="34" charset="0"/>
+              </a:rPr>
+              <a:t>regParam</a:t>
+            </a:r>
+            <a:r>
+              <a:rPr lang="en-US" sz="1400" dirty="0">
+                <a:latin typeface="Arial" panose="020B0604020202020204" pitchFamily="34" charset="0"/>
+                <a:ea typeface="+mn-lt"/>
+                <a:cs typeface="Arial" panose="020B0604020202020204" pitchFamily="34" charset="0"/>
+              </a:rPr>
+              <a:t>=</a:t>
+            </a:r>
+            <a:r>
+              <a:rPr lang="en-US" sz="1400" b="1" dirty="0">
+                <a:solidFill>
+                  <a:srgbClr val="ED7D31"/>
+                </a:solidFill>
+                <a:latin typeface="Arial" panose="020B0604020202020204" pitchFamily="34" charset="0"/>
+                <a:cs typeface="Arial" panose="020B0604020202020204" pitchFamily="34" charset="0"/>
+              </a:rPr>
+              <a:t>0.03</a:t>
+            </a:r>
+          </a:p>
+          <a:p>
+            <a:pPr marL="742950" lvl="1" indent="-285750">
+              <a:buFont typeface="Arial" panose="020B0604020202020204" pitchFamily="34" charset="0"/>
+              <a:buChar char="•"/>
+            </a:pPr>
+            <a:r>
+              <a:rPr lang="en-US" sz="1400" dirty="0">
+                <a:latin typeface="Arial" panose="020B0604020202020204" pitchFamily="34" charset="0"/>
+                <a:ea typeface="+mn-lt"/>
+                <a:cs typeface="Arial" panose="020B0604020202020204" pitchFamily="34" charset="0"/>
+              </a:rPr>
+              <a:t>1xTuned(-) to get t/p-values</a:t>
+            </a:r>
+          </a:p>
+          <a:p>
+            <a:pPr marL="1085850" lvl="2" indent="-171450">
+              <a:buFont typeface="Arial" panose="020B0604020202020204" pitchFamily="34" charset="0"/>
+              <a:buChar char="•"/>
+            </a:pPr>
+            <a:r>
+              <a:rPr lang="en-US" sz="1400" dirty="0" err="1">
+                <a:latin typeface="Arial" panose="020B0604020202020204" pitchFamily="34" charset="0"/>
+                <a:ea typeface="+mn-lt"/>
+                <a:cs typeface="Arial" panose="020B0604020202020204" pitchFamily="34" charset="0"/>
+              </a:rPr>
+              <a:t>elasticNetParam</a:t>
+            </a:r>
+            <a:r>
+              <a:rPr lang="en-US" sz="1400" dirty="0">
+                <a:latin typeface="Arial" panose="020B0604020202020204" pitchFamily="34" charset="0"/>
+                <a:ea typeface="+mn-lt"/>
+                <a:cs typeface="Arial" panose="020B0604020202020204" pitchFamily="34" charset="0"/>
+              </a:rPr>
+              <a:t>=</a:t>
+            </a:r>
+            <a:r>
+              <a:rPr lang="en-US" sz="1400" b="1" dirty="0">
+                <a:solidFill>
+                  <a:srgbClr val="ED7D31"/>
+                </a:solidFill>
+                <a:latin typeface="Arial" panose="020B0604020202020204" pitchFamily="34" charset="0"/>
+                <a:cs typeface="Arial" panose="020B0604020202020204" pitchFamily="34" charset="0"/>
+              </a:rPr>
+              <a:t>0.0</a:t>
+            </a:r>
+            <a:r>
+              <a:rPr lang="en-US" sz="1050" b="1" dirty="0">
+                <a:solidFill>
+                  <a:srgbClr val="ED7D31"/>
+                </a:solidFill>
+                <a:latin typeface="Arial" panose="020B0604020202020204" pitchFamily="34" charset="0"/>
+                <a:cs typeface="Arial" panose="020B0604020202020204" pitchFamily="34" charset="0"/>
+              </a:rPr>
+              <a:t>, </a:t>
+            </a:r>
+            <a:r>
+              <a:rPr lang="en-US" sz="1400" dirty="0" err="1">
+                <a:latin typeface="Arial" panose="020B0604020202020204" pitchFamily="34" charset="0"/>
+                <a:ea typeface="+mn-lt"/>
+                <a:cs typeface="Arial" panose="020B0604020202020204" pitchFamily="34" charset="0"/>
+              </a:rPr>
+              <a:t>regParam</a:t>
+            </a:r>
+            <a:r>
+              <a:rPr lang="en-US" sz="1400" dirty="0">
+                <a:latin typeface="Arial" panose="020B0604020202020204" pitchFamily="34" charset="0"/>
+                <a:ea typeface="+mn-lt"/>
+                <a:cs typeface="Arial" panose="020B0604020202020204" pitchFamily="34" charset="0"/>
+              </a:rPr>
+              <a:t>=</a:t>
+            </a:r>
+            <a:r>
+              <a:rPr lang="en-US" sz="1400" b="1" dirty="0">
+                <a:solidFill>
+                  <a:srgbClr val="ED7D31"/>
+                </a:solidFill>
+                <a:latin typeface="Arial" panose="020B0604020202020204" pitchFamily="34" charset="0"/>
+                <a:cs typeface="Arial" panose="020B0604020202020204" pitchFamily="34" charset="0"/>
+              </a:rPr>
+              <a:t>0.03, </a:t>
+            </a:r>
+            <a:r>
+              <a:rPr lang="en-US" sz="1400" dirty="0">
+                <a:latin typeface="Arial" panose="020B0604020202020204" pitchFamily="34" charset="0"/>
+                <a:ea typeface="+mn-lt"/>
+                <a:cs typeface="Arial" panose="020B0604020202020204" pitchFamily="34" charset="0"/>
+              </a:rPr>
+              <a:t>solver=</a:t>
+            </a:r>
+            <a:r>
+              <a:rPr lang="en-US" sz="1400" b="1" dirty="0">
+                <a:solidFill>
+                  <a:srgbClr val="ED7D31"/>
+                </a:solidFill>
+                <a:latin typeface="Arial" panose="020B0604020202020204" pitchFamily="34" charset="0"/>
+                <a:cs typeface="Arial" panose="020B0604020202020204" pitchFamily="34" charset="0"/>
+              </a:rPr>
+              <a:t>'normal’</a:t>
+            </a:r>
+          </a:p>
+          <a:p>
+            <a:pPr marL="742950" lvl="1" indent="-285750">
+              <a:buFont typeface="Arial" panose="020B0604020202020204" pitchFamily="34" charset="0"/>
+              <a:buChar char="•"/>
+            </a:pPr>
+            <a:r>
+              <a:rPr lang="en-US" sz="1400" dirty="0">
+                <a:latin typeface="Arial" panose="020B0604020202020204" pitchFamily="34" charset="0"/>
+                <a:cs typeface="Arial" panose="020B0604020202020204" pitchFamily="34" charset="0"/>
+              </a:rPr>
+              <a:t>1XStepwise</a:t>
+            </a:r>
+          </a:p>
+          <a:p>
+            <a:endParaRPr lang="en-US" sz="1100" dirty="0">
               <a:latin typeface="Arial" panose="020B0604020202020204" pitchFamily="34" charset="0"/>
-              <a:ea typeface="+mn-lt"/>
               <a:cs typeface="Arial" panose="020B0604020202020204" pitchFamily="34" charset="0"/>
             </a:endParaRPr>
           </a:p>
           <a:p>
-            <a:endParaRPr lang="en-US" sz="1600">
+            <a:pPr marL="285750" indent="-285750">
+              <a:buFont typeface="Arial" panose="020B0604020202020204" pitchFamily="34" charset="0"/>
+              <a:buChar char="•"/>
+            </a:pPr>
+            <a:r>
+              <a:rPr lang="en-US" sz="1400" dirty="0">
+                <a:latin typeface="Arial" panose="020B0604020202020204" pitchFamily="34" charset="0"/>
+                <a:cs typeface="Arial" panose="020B0604020202020204" pitchFamily="34" charset="0"/>
+              </a:rPr>
+              <a:t>Best Model Resulted in</a:t>
+            </a:r>
+          </a:p>
+          <a:p>
+            <a:pPr marL="742950" lvl="1" indent="-285750">
+              <a:buFont typeface="Arial" panose="020B0604020202020204" pitchFamily="34" charset="0"/>
+              <a:buChar char="•"/>
+            </a:pPr>
+            <a:r>
+              <a:rPr lang="en-US" sz="1400" dirty="0">
+                <a:latin typeface="Arial" panose="020B0604020202020204" pitchFamily="34" charset="0"/>
+                <a:cs typeface="Arial" panose="020B0604020202020204" pitchFamily="34" charset="0"/>
+              </a:rPr>
+              <a:t>R-squared value of </a:t>
+            </a:r>
+            <a:r>
+              <a:rPr lang="en-US" sz="1400" b="1" dirty="0">
+                <a:solidFill>
+                  <a:srgbClr val="ED7D31"/>
+                </a:solidFill>
+                <a:latin typeface="Arial" panose="020B0604020202020204" pitchFamily="34" charset="0"/>
+                <a:cs typeface="Arial" panose="020B0604020202020204" pitchFamily="34" charset="0"/>
+              </a:rPr>
+              <a:t>0.71 </a:t>
+            </a:r>
+          </a:p>
+          <a:p>
+            <a:pPr marL="742950" lvl="1" indent="-285750">
+              <a:buFont typeface="Arial" panose="020B0604020202020204" pitchFamily="34" charset="0"/>
+              <a:buChar char="•"/>
+            </a:pPr>
+            <a:r>
+              <a:rPr lang="en-US" sz="1400" dirty="0">
+                <a:latin typeface="Arial" panose="020B0604020202020204" pitchFamily="34" charset="0"/>
+                <a:cs typeface="Arial" panose="020B0604020202020204" pitchFamily="34" charset="0"/>
+              </a:rPr>
+              <a:t>MSE value of </a:t>
+            </a:r>
+            <a:r>
+              <a:rPr lang="en-US" sz="1400" b="1" dirty="0">
+                <a:solidFill>
+                  <a:srgbClr val="ED7D31"/>
+                </a:solidFill>
+                <a:latin typeface="Arial" panose="020B0604020202020204" pitchFamily="34" charset="0"/>
+                <a:cs typeface="Arial" panose="020B0604020202020204" pitchFamily="34" charset="0"/>
+              </a:rPr>
+              <a:t>66,847,655</a:t>
+            </a:r>
+          </a:p>
+          <a:p>
+            <a:pPr marL="742950" lvl="1" indent="-285750">
+              <a:buFont typeface="Arial" panose="020B0604020202020204" pitchFamily="34" charset="0"/>
+              <a:buChar char="•"/>
+            </a:pPr>
+            <a:r>
+              <a:rPr lang="en-US" sz="1400" dirty="0">
+                <a:latin typeface="Arial" panose="020B0604020202020204" pitchFamily="34" charset="0"/>
+                <a:cs typeface="Arial" panose="020B0604020202020204" pitchFamily="34" charset="0"/>
+              </a:rPr>
+              <a:t>PMSE (prediction MSE) value of </a:t>
+            </a:r>
+            <a:r>
+              <a:rPr lang="en-US" sz="1400" b="1" dirty="0">
+                <a:solidFill>
+                  <a:srgbClr val="ED7D31"/>
+                </a:solidFill>
+                <a:latin typeface="Arial" panose="020B0604020202020204" pitchFamily="34" charset="0"/>
+                <a:cs typeface="Arial" panose="020B0604020202020204" pitchFamily="34" charset="0"/>
+              </a:rPr>
+              <a:t>67,382,673</a:t>
+            </a:r>
+            <a:endParaRPr lang="en-US" sz="1400" dirty="0">
               <a:latin typeface="Arial" panose="020B0604020202020204" pitchFamily="34" charset="0"/>
-              <a:ea typeface="+mn-lt"/>
               <a:cs typeface="Arial" panose="020B0604020202020204" pitchFamily="34" charset="0"/>
             </a:endParaRPr>
+          </a:p>
+        </p:txBody>
+      </p:sp>
+      <p:pic>
+        <p:nvPicPr>
+          <p:cNvPr id="7" name="Picture 6">
+            <a:extLst>
+              <a:ext uri="{FF2B5EF4-FFF2-40B4-BE49-F238E27FC236}">
+                <a16:creationId xmlns:a16="http://schemas.microsoft.com/office/drawing/2014/main" id="{392ED39C-9785-44FB-8214-2B47D53C8DED}"/>
+              </a:ext>
+            </a:extLst>
+          </p:cNvPr>
+          <p:cNvPicPr>
+            <a:picLocks noChangeAspect="1"/>
+          </p:cNvPicPr>
+          <p:nvPr/>
+        </p:nvPicPr>
+        <p:blipFill>
+          <a:blip r:embed="rId2"/>
+          <a:stretch>
+            <a:fillRect/>
+          </a:stretch>
+        </p:blipFill>
+        <p:spPr>
+          <a:xfrm>
+            <a:off x="4383612" y="2255520"/>
+            <a:ext cx="4603225" cy="2849880"/>
+          </a:xfrm>
+          <a:prstGeom prst="rect">
+            <a:avLst/>
+          </a:prstGeom>
+          <a:ln>
+            <a:solidFill>
+              <a:schemeClr val="tx1"/>
+            </a:solidFill>
+          </a:ln>
+        </p:spPr>
+      </p:pic>
+      <p:sp>
+        <p:nvSpPr>
+          <p:cNvPr id="10" name="TextBox 9">
+            <a:extLst>
+              <a:ext uri="{FF2B5EF4-FFF2-40B4-BE49-F238E27FC236}">
+                <a16:creationId xmlns:a16="http://schemas.microsoft.com/office/drawing/2014/main" id="{D0743D01-3E94-4C75-A461-528CA1E1B8BB}"/>
+              </a:ext>
+            </a:extLst>
+          </p:cNvPr>
+          <p:cNvSpPr txBox="1"/>
+          <p:nvPr/>
+        </p:nvSpPr>
+        <p:spPr>
+          <a:xfrm>
+            <a:off x="5878830" y="1863090"/>
+            <a:ext cx="1689565" cy="369332"/>
+          </a:xfrm>
+          <a:prstGeom prst="rect">
+            <a:avLst/>
+          </a:prstGeom>
+          <a:noFill/>
+        </p:spPr>
+        <p:txBody>
+          <a:bodyPr wrap="none" rtlCol="0">
+            <a:spAutoFit/>
+          </a:bodyPr>
+          <a:lstStyle/>
+          <a:p>
+            <a:r>
+              <a:rPr lang="en-US" sz="1600">
+                <a:latin typeface="Arial" panose="020B0604020202020204" pitchFamily="34" charset="0"/>
+                <a:ea typeface="+mn-lt"/>
+                <a:cs typeface="Arial" panose="020B0604020202020204" pitchFamily="34" charset="0"/>
+              </a:rPr>
+              <a:t>Summary</a:t>
+            </a:r>
+            <a:r>
+              <a:rPr lang="en-US"/>
+              <a:t> Table</a:t>
+            </a:r>
           </a:p>
         </p:txBody>
       </p:sp>
     </p:spTree>
     <p:extLst>
       <p:ext uri="{BB962C8B-B14F-4D97-AF65-F5344CB8AC3E}">
-        <p14:creationId xmlns:p14="http://schemas.microsoft.com/office/powerpoint/2010/main" val="3842562989"/>
+        <p14:creationId xmlns:p14="http://schemas.microsoft.com/office/powerpoint/2010/main" val="2421659258"/>
       </p:ext>
     </p:extLst>
   </p:cSld>
@@ -6225,10 +6875,10 @@
   </p:clrMapOvr>
   <mc:AlternateContent xmlns:mc="http://schemas.openxmlformats.org/markup-compatibility/2006" xmlns:p14="http://schemas.microsoft.com/office/powerpoint/2010/main">
     <mc:Choice Requires="p14">
-      <p:transition spd="slow" p14:dur="2000" advTm="26897"/>
+      <p:transition spd="slow" p14:dur="2000" advTm="106017"/>
     </mc:Choice>
     <mc:Fallback xmlns="">
-      <p:transition spd="slow" advTm="26897"/>
+      <p:transition spd="slow" advTm="106017"/>
     </mc:Fallback>
   </mc:AlternateContent>
 </p:sld>
@@ -6337,11 +6987,11 @@
           <a:lstStyle/>
           <a:p>
             <a:r>
-              <a:rPr lang="en-US">
+              <a:rPr lang="en-US" dirty="0">
                 <a:latin typeface="Arial"/>
                 <a:cs typeface="Arial"/>
               </a:rPr>
-              <a:t>Modeling and Prediction (1 of 4)</a:t>
+              <a:t>Modeling and Prediction (2 of 3)</a:t>
             </a:r>
           </a:p>
         </p:txBody>
@@ -6361,7 +7011,7 @@
         <p:spPr>
           <a:xfrm>
             <a:off x="118720" y="1164879"/>
-            <a:ext cx="4234205" cy="5278368"/>
+            <a:ext cx="4234205" cy="4462760"/>
           </a:xfrm>
           <a:prstGeom prst="rect">
             <a:avLst/>
@@ -6376,11 +7026,11 @@
           <a:p>
             <a:r>
               <a:rPr lang="en-US" b="1">
-                <a:latin typeface="Arial" panose="020B0604020202020204" pitchFamily="34" charset="0"/>
+                <a:latin typeface="Arial"/>
                 <a:ea typeface="+mn-lt"/>
-                <a:cs typeface="Arial" panose="020B0604020202020204" pitchFamily="34" charset="0"/>
-              </a:rPr>
-              <a:t>Regression Model</a:t>
+                <a:cs typeface="Arial"/>
+              </a:rPr>
+              <a:t>Logistic Regression Model</a:t>
             </a:r>
           </a:p>
           <a:p>
@@ -6394,7 +7044,7 @@
                 <a:ea typeface="+mn-lt"/>
                 <a:cs typeface="Arial"/>
               </a:rPr>
-              <a:t>In support of answering research question 2A and 2B: </a:t>
+              <a:t>In support of answering research questions 3A and 3B: </a:t>
             </a:r>
             <a:r>
               <a:rPr lang="en-US" sz="1400" i="1">
@@ -6402,7 +7052,7 @@
                 <a:ea typeface="+mn-lt"/>
                 <a:cs typeface="Arial"/>
               </a:rPr>
-              <a:t>Price Setting and Price Expectations</a:t>
+              <a:t>Time listed on the market based on listing price and having history of accidents</a:t>
             </a:r>
           </a:p>
           <a:p>
@@ -6412,18 +7062,18 @@
             </a:pPr>
             <a:r>
               <a:rPr lang="en-US" sz="1400">
-                <a:latin typeface="Arial" panose="020B0604020202020204" pitchFamily="34" charset="0"/>
+                <a:latin typeface="Arial"/>
                 <a:ea typeface="+mn-lt"/>
-                <a:cs typeface="Arial" panose="020B0604020202020204" pitchFamily="34" charset="0"/>
-              </a:rPr>
-              <a:t>Prediction of price; Inference on </a:t>
+                <a:cs typeface="Arial"/>
+              </a:rPr>
+              <a:t>Prediction of the probability for a listing to stay on the market for more than 200 days (might differ) ; Inference on </a:t>
             </a:r>
             <a:r>
               <a:rPr lang="en-US" sz="1400">
-                <a:latin typeface="Arial" panose="020B0604020202020204" pitchFamily="34" charset="0"/>
-                <a:cs typeface="Arial" panose="020B0604020202020204" pitchFamily="34" charset="0"/>
-              </a:rPr>
-              <a:t>leading features that explain price variation of a used vehicle</a:t>
+                <a:latin typeface="Arial"/>
+                <a:cs typeface="Arial"/>
+              </a:rPr>
+              <a:t>leading features that explain a used car to stay on the market more than 200 days</a:t>
             </a:r>
           </a:p>
           <a:p>
@@ -6433,366 +7083,11 @@
             </a:pPr>
             <a:r>
               <a:rPr lang="en-US" sz="1400">
-                <a:latin typeface="Arial" panose="020B0604020202020204" pitchFamily="34" charset="0"/>
-                <a:ea typeface="+mn-lt"/>
-                <a:cs typeface="Arial" panose="020B0604020202020204" pitchFamily="34" charset="0"/>
-              </a:rPr>
-              <a:t>33 Models Total: </a:t>
-            </a:r>
-          </a:p>
-          <a:p>
-            <a:pPr marL="742950" lvl="1" indent="-285750">
-              <a:buFont typeface="Arial" panose="020B0604020202020204" pitchFamily="34" charset="0"/>
-              <a:buChar char="•"/>
-            </a:pPr>
-            <a:r>
-              <a:rPr lang="en-US" sz="1400">
-                <a:latin typeface="Arial" panose="020B0604020202020204" pitchFamily="34" charset="0"/>
-                <a:ea typeface="+mn-lt"/>
-                <a:cs typeface="Arial" panose="020B0604020202020204" pitchFamily="34" charset="0"/>
-              </a:rPr>
-              <a:t>30 x models (with 3 CVs)</a:t>
-            </a:r>
-          </a:p>
-          <a:p>
-            <a:pPr marL="1085850" lvl="2" indent="-171450">
-              <a:buFont typeface="Arial" panose="020B0604020202020204" pitchFamily="34" charset="0"/>
-              <a:buChar char="•"/>
-            </a:pPr>
-            <a:r>
-              <a:rPr lang="en-US" sz="1400">
-                <a:latin typeface="Arial" panose="020B0604020202020204" pitchFamily="34" charset="0"/>
-                <a:ea typeface="+mn-lt"/>
-                <a:cs typeface="Arial" panose="020B0604020202020204" pitchFamily="34" charset="0"/>
-              </a:rPr>
-              <a:t>Conducted grid search</a:t>
-            </a:r>
-          </a:p>
-          <a:p>
-            <a:pPr lvl="1"/>
-            <a:r>
-              <a:rPr lang="en-US" sz="1400">
-                <a:latin typeface="Arial" panose="020B0604020202020204" pitchFamily="34" charset="0"/>
-                <a:ea typeface="+mn-lt"/>
-                <a:cs typeface="Arial" panose="020B0604020202020204" pitchFamily="34" charset="0"/>
-              </a:rPr>
-              <a:t>	        </a:t>
-            </a:r>
-            <a:r>
-              <a:rPr lang="en-US" sz="1400" err="1">
-                <a:latin typeface="Arial" panose="020B0604020202020204" pitchFamily="34" charset="0"/>
-                <a:ea typeface="+mn-lt"/>
-                <a:cs typeface="Arial" panose="020B0604020202020204" pitchFamily="34" charset="0"/>
-              </a:rPr>
-              <a:t>regParam</a:t>
-            </a:r>
-            <a:r>
-              <a:rPr lang="en-US" sz="1100" b="0">
-                <a:solidFill>
-                  <a:srgbClr val="000000"/>
-                </a:solidFill>
-                <a:effectLst/>
-                <a:latin typeface="Arial" panose="020B0604020202020204" pitchFamily="34" charset="0"/>
-                <a:cs typeface="Arial" panose="020B0604020202020204" pitchFamily="34" charset="0"/>
-              </a:rPr>
-              <a:t>[</a:t>
-            </a:r>
-            <a:r>
-              <a:rPr lang="en-US" sz="1100" b="1">
-                <a:solidFill>
-                  <a:srgbClr val="ED7D31"/>
-                </a:solidFill>
-                <a:effectLst/>
-                <a:latin typeface="Arial" panose="020B0604020202020204" pitchFamily="34" charset="0"/>
-                <a:cs typeface="Arial" panose="020B0604020202020204" pitchFamily="34" charset="0"/>
-              </a:rPr>
-              <a:t>0.0, 0.01, 0.02, 0.03, 0.4, 0.7</a:t>
-            </a:r>
-            <a:r>
-              <a:rPr lang="en-US" sz="1100" b="0">
-                <a:solidFill>
-                  <a:srgbClr val="000000"/>
-                </a:solidFill>
-                <a:effectLst/>
-                <a:latin typeface="Arial" panose="020B0604020202020204" pitchFamily="34" charset="0"/>
-                <a:cs typeface="Arial" panose="020B0604020202020204" pitchFamily="34" charset="0"/>
-              </a:rPr>
-              <a:t>]</a:t>
-            </a:r>
-          </a:p>
-          <a:p>
-            <a:pPr lvl="1"/>
-            <a:r>
-              <a:rPr lang="en-US" sz="1400">
-                <a:latin typeface="Arial" panose="020B0604020202020204" pitchFamily="34" charset="0"/>
-                <a:ea typeface="+mn-lt"/>
-                <a:cs typeface="Arial" panose="020B0604020202020204" pitchFamily="34" charset="0"/>
-              </a:rPr>
-              <a:t>	        </a:t>
-            </a:r>
-            <a:r>
-              <a:rPr lang="en-US" sz="1400" err="1">
-                <a:latin typeface="Arial" panose="020B0604020202020204" pitchFamily="34" charset="0"/>
-                <a:ea typeface="+mn-lt"/>
-                <a:cs typeface="Arial" panose="020B0604020202020204" pitchFamily="34" charset="0"/>
-              </a:rPr>
-              <a:t>elasticNetParam</a:t>
-            </a:r>
-            <a:r>
-              <a:rPr lang="en-US" sz="1050">
-                <a:latin typeface="Arial" panose="020B0604020202020204" pitchFamily="34" charset="0"/>
-                <a:ea typeface="+mn-lt"/>
-                <a:cs typeface="Arial" panose="020B0604020202020204" pitchFamily="34" charset="0"/>
-              </a:rPr>
-              <a:t> </a:t>
-            </a:r>
-            <a:r>
-              <a:rPr lang="en-US" sz="1100" b="0">
-                <a:solidFill>
-                  <a:srgbClr val="000000"/>
-                </a:solidFill>
-                <a:effectLst/>
-                <a:latin typeface="Arial" panose="020B0604020202020204" pitchFamily="34" charset="0"/>
-                <a:cs typeface="Arial" panose="020B0604020202020204" pitchFamily="34" charset="0"/>
-              </a:rPr>
-              <a:t>[</a:t>
-            </a:r>
-            <a:r>
-              <a:rPr lang="en-US" sz="1100" b="1">
-                <a:solidFill>
-                  <a:srgbClr val="ED7D31"/>
-                </a:solidFill>
-                <a:latin typeface="Arial" panose="020B0604020202020204" pitchFamily="34" charset="0"/>
-                <a:cs typeface="Arial" panose="020B0604020202020204" pitchFamily="34" charset="0"/>
-              </a:rPr>
-              <a:t>0.0, 0.2, 0.4, 0.5, 0.7</a:t>
-            </a:r>
-            <a:r>
-              <a:rPr lang="en-US" sz="1100" b="0">
-                <a:solidFill>
-                  <a:srgbClr val="000000"/>
-                </a:solidFill>
-                <a:effectLst/>
-                <a:latin typeface="Arial" panose="020B0604020202020204" pitchFamily="34" charset="0"/>
-                <a:cs typeface="Arial" panose="020B0604020202020204" pitchFamily="34" charset="0"/>
-              </a:rPr>
-              <a:t>]</a:t>
-            </a:r>
-          </a:p>
-          <a:p>
-            <a:pPr marL="1085850" lvl="2" indent="-171450">
-              <a:buFont typeface="Arial" panose="020B0604020202020204" pitchFamily="34" charset="0"/>
-              <a:buChar char="•"/>
-            </a:pPr>
-            <a:r>
-              <a:rPr lang="en-US" sz="1400">
-                <a:latin typeface="Arial" panose="020B0604020202020204" pitchFamily="34" charset="0"/>
-                <a:ea typeface="+mn-lt"/>
-                <a:cs typeface="Arial" panose="020B0604020202020204" pitchFamily="34" charset="0"/>
-              </a:rPr>
-              <a:t>3-Fold Cross Validation</a:t>
-            </a:r>
-          </a:p>
-          <a:p>
-            <a:pPr marL="742950" lvl="1" indent="-285750">
-              <a:buFont typeface="Arial" panose="020B0604020202020204" pitchFamily="34" charset="0"/>
-              <a:buChar char="•"/>
-            </a:pPr>
-            <a:r>
-              <a:rPr lang="en-US" sz="1400">
-                <a:latin typeface="Arial" panose="020B0604020202020204" pitchFamily="34" charset="0"/>
-                <a:ea typeface="+mn-lt"/>
-                <a:cs typeface="Arial" panose="020B0604020202020204" pitchFamily="34" charset="0"/>
-              </a:rPr>
-              <a:t>1xTuned</a:t>
-            </a:r>
-          </a:p>
-          <a:p>
-            <a:pPr marL="1085850" lvl="2" indent="-171450">
-              <a:buFont typeface="Arial" panose="020B0604020202020204" pitchFamily="34" charset="0"/>
-              <a:buChar char="•"/>
-            </a:pPr>
-            <a:r>
-              <a:rPr lang="en-US" sz="1400" err="1">
-                <a:latin typeface="Arial" panose="020B0604020202020204" pitchFamily="34" charset="0"/>
-                <a:ea typeface="+mn-lt"/>
-                <a:cs typeface="Arial" panose="020B0604020202020204" pitchFamily="34" charset="0"/>
-              </a:rPr>
-              <a:t>elasticNetParam</a:t>
-            </a:r>
-            <a:r>
-              <a:rPr lang="en-US" sz="1400">
-                <a:latin typeface="Arial" panose="020B0604020202020204" pitchFamily="34" charset="0"/>
-                <a:ea typeface="+mn-lt"/>
-                <a:cs typeface="Arial" panose="020B0604020202020204" pitchFamily="34" charset="0"/>
-              </a:rPr>
-              <a:t>=</a:t>
-            </a:r>
-            <a:r>
-              <a:rPr lang="en-US" sz="1400" b="1">
-                <a:solidFill>
-                  <a:srgbClr val="ED7D31"/>
-                </a:solidFill>
-                <a:latin typeface="Arial" panose="020B0604020202020204" pitchFamily="34" charset="0"/>
-                <a:cs typeface="Arial" panose="020B0604020202020204" pitchFamily="34" charset="0"/>
-              </a:rPr>
-              <a:t>0.2</a:t>
-            </a:r>
-            <a:r>
-              <a:rPr lang="en-US" sz="1050" b="1">
-                <a:solidFill>
-                  <a:srgbClr val="ED7D31"/>
-                </a:solidFill>
-                <a:latin typeface="Arial" panose="020B0604020202020204" pitchFamily="34" charset="0"/>
-                <a:cs typeface="Arial" panose="020B0604020202020204" pitchFamily="34" charset="0"/>
-              </a:rPr>
-              <a:t>, </a:t>
-            </a:r>
-            <a:r>
-              <a:rPr lang="en-US" sz="1400" err="1">
-                <a:latin typeface="Arial" panose="020B0604020202020204" pitchFamily="34" charset="0"/>
-                <a:ea typeface="+mn-lt"/>
-                <a:cs typeface="Arial" panose="020B0604020202020204" pitchFamily="34" charset="0"/>
-              </a:rPr>
-              <a:t>regParam</a:t>
-            </a:r>
-            <a:r>
-              <a:rPr lang="en-US" sz="1400">
-                <a:latin typeface="Arial" panose="020B0604020202020204" pitchFamily="34" charset="0"/>
-                <a:ea typeface="+mn-lt"/>
-                <a:cs typeface="Arial" panose="020B0604020202020204" pitchFamily="34" charset="0"/>
-              </a:rPr>
-              <a:t>=</a:t>
-            </a:r>
-            <a:r>
-              <a:rPr lang="en-US" sz="1400" b="1">
-                <a:solidFill>
-                  <a:srgbClr val="ED7D31"/>
-                </a:solidFill>
-                <a:latin typeface="Arial" panose="020B0604020202020204" pitchFamily="34" charset="0"/>
-                <a:cs typeface="Arial" panose="020B0604020202020204" pitchFamily="34" charset="0"/>
-              </a:rPr>
-              <a:t>0.03</a:t>
-            </a:r>
-          </a:p>
-          <a:p>
-            <a:pPr marL="742950" lvl="1" indent="-285750">
-              <a:buFont typeface="Arial" panose="020B0604020202020204" pitchFamily="34" charset="0"/>
-              <a:buChar char="•"/>
-            </a:pPr>
-            <a:r>
-              <a:rPr lang="en-US" sz="1400">
-                <a:latin typeface="Arial" panose="020B0604020202020204" pitchFamily="34" charset="0"/>
-                <a:ea typeface="+mn-lt"/>
-                <a:cs typeface="Arial" panose="020B0604020202020204" pitchFamily="34" charset="0"/>
-              </a:rPr>
-              <a:t>1xTuned(-) to get t/p-values</a:t>
-            </a:r>
-          </a:p>
-          <a:p>
-            <a:pPr marL="1085850" lvl="2" indent="-171450">
-              <a:buFont typeface="Arial" panose="020B0604020202020204" pitchFamily="34" charset="0"/>
-              <a:buChar char="•"/>
-            </a:pPr>
-            <a:r>
-              <a:rPr lang="en-US" sz="1400" err="1">
-                <a:latin typeface="Arial" panose="020B0604020202020204" pitchFamily="34" charset="0"/>
-                <a:ea typeface="+mn-lt"/>
-                <a:cs typeface="Arial" panose="020B0604020202020204" pitchFamily="34" charset="0"/>
-              </a:rPr>
-              <a:t>elasticNetParam</a:t>
-            </a:r>
-            <a:r>
-              <a:rPr lang="en-US" sz="1400">
-                <a:latin typeface="Arial" panose="020B0604020202020204" pitchFamily="34" charset="0"/>
-                <a:ea typeface="+mn-lt"/>
-                <a:cs typeface="Arial" panose="020B0604020202020204" pitchFamily="34" charset="0"/>
-              </a:rPr>
-              <a:t>=</a:t>
-            </a:r>
-            <a:r>
-              <a:rPr lang="en-US" sz="1400" b="1">
-                <a:solidFill>
-                  <a:srgbClr val="ED7D31"/>
-                </a:solidFill>
-                <a:latin typeface="Arial" panose="020B0604020202020204" pitchFamily="34" charset="0"/>
-                <a:cs typeface="Arial" panose="020B0604020202020204" pitchFamily="34" charset="0"/>
-              </a:rPr>
-              <a:t>0.2</a:t>
-            </a:r>
-            <a:r>
-              <a:rPr lang="en-US" sz="1050" b="1">
-                <a:solidFill>
-                  <a:srgbClr val="ED7D31"/>
-                </a:solidFill>
-                <a:latin typeface="Arial" panose="020B0604020202020204" pitchFamily="34" charset="0"/>
-                <a:cs typeface="Arial" panose="020B0604020202020204" pitchFamily="34" charset="0"/>
-              </a:rPr>
-              <a:t>, </a:t>
-            </a:r>
-            <a:r>
-              <a:rPr lang="en-US" sz="1400" err="1">
-                <a:latin typeface="Arial" panose="020B0604020202020204" pitchFamily="34" charset="0"/>
-                <a:ea typeface="+mn-lt"/>
-                <a:cs typeface="Arial" panose="020B0604020202020204" pitchFamily="34" charset="0"/>
-              </a:rPr>
-              <a:t>regParam</a:t>
-            </a:r>
-            <a:r>
-              <a:rPr lang="en-US" sz="1400">
-                <a:latin typeface="Arial" panose="020B0604020202020204" pitchFamily="34" charset="0"/>
-                <a:ea typeface="+mn-lt"/>
-                <a:cs typeface="Arial" panose="020B0604020202020204" pitchFamily="34" charset="0"/>
-              </a:rPr>
-              <a:t>=</a:t>
-            </a:r>
-            <a:r>
-              <a:rPr lang="en-US" sz="1400" b="1">
-                <a:solidFill>
-                  <a:srgbClr val="ED7D31"/>
-                </a:solidFill>
-                <a:latin typeface="Arial" panose="020B0604020202020204" pitchFamily="34" charset="0"/>
-                <a:cs typeface="Arial" panose="020B0604020202020204" pitchFamily="34" charset="0"/>
-              </a:rPr>
-              <a:t>0.03, </a:t>
-            </a:r>
-            <a:r>
-              <a:rPr lang="en-US" sz="1400">
-                <a:latin typeface="Arial" panose="020B0604020202020204" pitchFamily="34" charset="0"/>
-                <a:ea typeface="+mn-lt"/>
-                <a:cs typeface="Arial" panose="020B0604020202020204" pitchFamily="34" charset="0"/>
-              </a:rPr>
-              <a:t>solver=</a:t>
-            </a:r>
-            <a:r>
-              <a:rPr lang="en-US" sz="1400" b="1">
-                <a:solidFill>
-                  <a:srgbClr val="ED7D31"/>
-                </a:solidFill>
-                <a:latin typeface="Arial" panose="020B0604020202020204" pitchFamily="34" charset="0"/>
-                <a:cs typeface="Arial" panose="020B0604020202020204" pitchFamily="34" charset="0"/>
-              </a:rPr>
-              <a:t>'normal’</a:t>
-            </a:r>
-          </a:p>
-          <a:p>
-            <a:pPr marL="742950" lvl="1" indent="-285750">
-              <a:buFont typeface="Arial" panose="020B0604020202020204" pitchFamily="34" charset="0"/>
-              <a:buChar char="•"/>
-            </a:pPr>
-            <a:r>
-              <a:rPr lang="en-US" sz="1400">
-                <a:latin typeface="Arial" panose="020B0604020202020204" pitchFamily="34" charset="0"/>
-                <a:cs typeface="Arial" panose="020B0604020202020204" pitchFamily="34" charset="0"/>
-              </a:rPr>
-              <a:t>1XStepwise</a:t>
-            </a:r>
-          </a:p>
-          <a:p>
-            <a:endParaRPr lang="en-US" sz="1100">
-              <a:latin typeface="Arial" panose="020B0604020202020204" pitchFamily="34" charset="0"/>
-              <a:cs typeface="Arial" panose="020B0604020202020204" pitchFamily="34" charset="0"/>
-            </a:endParaRPr>
+                <a:latin typeface="Arial"/>
+                <a:cs typeface="Arial"/>
+              </a:rPr>
+              <a:t>Model created while conducting 3-Fold Cross-Validation</a:t>
+            </a:r>
           </a:p>
           <a:p>
             <a:pPr marL="285750" indent="-285750">
@@ -6801,93 +7096,137 @@
             </a:pPr>
             <a:r>
               <a:rPr lang="en-US" sz="1400">
-                <a:latin typeface="Arial" panose="020B0604020202020204" pitchFamily="34" charset="0"/>
-                <a:cs typeface="Arial" panose="020B0604020202020204" pitchFamily="34" charset="0"/>
-              </a:rPr>
-              <a:t>Best Model Resulted in</a:t>
-            </a:r>
-          </a:p>
-          <a:p>
-            <a:pPr marL="742950" lvl="1" indent="-285750">
-              <a:buFont typeface="Arial" panose="020B0604020202020204" pitchFamily="34" charset="0"/>
-              <a:buChar char="•"/>
-            </a:pPr>
-            <a:r>
-              <a:rPr lang="en-US" sz="1400">
-                <a:latin typeface="Arial" panose="020B0604020202020204" pitchFamily="34" charset="0"/>
-                <a:cs typeface="Arial" panose="020B0604020202020204" pitchFamily="34" charset="0"/>
-              </a:rPr>
-              <a:t>R-squared value of </a:t>
-            </a:r>
-            <a:r>
-              <a:rPr lang="en-US" sz="1400" b="1">
-                <a:solidFill>
-                  <a:srgbClr val="ED7D31"/>
-                </a:solidFill>
-                <a:latin typeface="Arial" panose="020B0604020202020204" pitchFamily="34" charset="0"/>
-                <a:cs typeface="Arial" panose="020B0604020202020204" pitchFamily="34" charset="0"/>
-              </a:rPr>
-              <a:t>0.71 </a:t>
-            </a:r>
-          </a:p>
-          <a:p>
-            <a:pPr marL="742950" lvl="1" indent="-285750">
-              <a:buFont typeface="Arial" panose="020B0604020202020204" pitchFamily="34" charset="0"/>
-              <a:buChar char="•"/>
-            </a:pPr>
-            <a:r>
-              <a:rPr lang="en-US" sz="1400">
-                <a:latin typeface="Arial" panose="020B0604020202020204" pitchFamily="34" charset="0"/>
-                <a:cs typeface="Arial" panose="020B0604020202020204" pitchFamily="34" charset="0"/>
-              </a:rPr>
-              <a:t>MSE value of </a:t>
-            </a:r>
-            <a:r>
-              <a:rPr lang="en-US" sz="1400" b="1">
-                <a:solidFill>
-                  <a:srgbClr val="ED7D31"/>
-                </a:solidFill>
-                <a:latin typeface="Arial" panose="020B0604020202020204" pitchFamily="34" charset="0"/>
-                <a:cs typeface="Arial" panose="020B0604020202020204" pitchFamily="34" charset="0"/>
-              </a:rPr>
-              <a:t>66,847,655</a:t>
-            </a:r>
-          </a:p>
-          <a:p>
-            <a:pPr marL="742950" lvl="1" indent="-285750">
-              <a:buFont typeface="Arial" panose="020B0604020202020204" pitchFamily="34" charset="0"/>
-              <a:buChar char="•"/>
-            </a:pPr>
-            <a:r>
-              <a:rPr lang="en-US" sz="1400">
-                <a:latin typeface="Arial" panose="020B0604020202020204" pitchFamily="34" charset="0"/>
-                <a:cs typeface="Arial" panose="020B0604020202020204" pitchFamily="34" charset="0"/>
-              </a:rPr>
-              <a:t>PMSE (prediction MSE) value of </a:t>
-            </a:r>
-            <a:r>
-              <a:rPr lang="en-US" sz="1400" b="1">
-                <a:solidFill>
-                  <a:srgbClr val="ED7D31"/>
-                </a:solidFill>
-                <a:latin typeface="Arial" panose="020B0604020202020204" pitchFamily="34" charset="0"/>
-                <a:cs typeface="Arial" panose="020B0604020202020204" pitchFamily="34" charset="0"/>
-              </a:rPr>
-              <a:t>67,382,673</a:t>
+                <a:latin typeface="Arial"/>
+                <a:cs typeface="Arial"/>
+              </a:rPr>
+              <a:t>The challenge: finding the ultimate cut-off point for number of days on the market</a:t>
             </a:r>
             <a:endParaRPr lang="en-US" sz="1400">
               <a:latin typeface="Arial" panose="020B0604020202020204" pitchFamily="34" charset="0"/>
               <a:cs typeface="Arial" panose="020B0604020202020204" pitchFamily="34" charset="0"/>
             </a:endParaRPr>
           </a:p>
+          <a:p>
+            <a:pPr marL="285750" indent="-285750">
+              <a:buFont typeface="Arial" panose="020B0604020202020204" pitchFamily="34" charset="0"/>
+              <a:buChar char="•"/>
+            </a:pPr>
+            <a:r>
+              <a:rPr lang="en-US" sz="1400">
+                <a:latin typeface="Arial"/>
+                <a:cs typeface="Arial"/>
+              </a:rPr>
+              <a:t>The term 'long time' is open for interpretations</a:t>
+            </a:r>
+          </a:p>
+          <a:p>
+            <a:pPr marL="285750" indent="-285750">
+              <a:buFont typeface="Arial" panose="020B0604020202020204" pitchFamily="34" charset="0"/>
+              <a:buChar char="•"/>
+            </a:pPr>
+            <a:r>
+              <a:rPr lang="en-US" sz="1400">
+                <a:latin typeface="Arial"/>
+                <a:cs typeface="Arial"/>
+              </a:rPr>
+              <a:t>The model resulted in ROC AUC score of </a:t>
+            </a:r>
+            <a:r>
+              <a:rPr lang="en-US" sz="1400">
+                <a:solidFill>
+                  <a:srgbClr val="FF6600"/>
+                </a:solidFill>
+                <a:latin typeface="Arial"/>
+                <a:cs typeface="Arial"/>
+              </a:rPr>
+              <a:t>0.64</a:t>
+            </a:r>
+            <a:endParaRPr lang="en-US" sz="1400">
+              <a:solidFill>
+                <a:srgbClr val="FF6600"/>
+              </a:solidFill>
+              <a:latin typeface="Arial" panose="020B0604020202020204" pitchFamily="34" charset="0"/>
+              <a:cs typeface="Arial" panose="020B0604020202020204" pitchFamily="34" charset="0"/>
+            </a:endParaRPr>
+          </a:p>
+          <a:p>
+            <a:pPr marL="285750" indent="-285750">
+              <a:buFont typeface="Arial" panose="020B0604020202020204" pitchFamily="34" charset="0"/>
+              <a:buChar char="•"/>
+            </a:pPr>
+            <a:r>
+              <a:rPr lang="en-US" sz="1400">
+                <a:latin typeface="Arial"/>
+                <a:cs typeface="Arial"/>
+              </a:rPr>
+              <a:t>Car's mileage, number of previous owners and price seem to have the largest impact on the probability for a car to stay on the market more than 200 days </a:t>
+            </a:r>
+            <a:endParaRPr lang="en-US" sz="1400">
+              <a:solidFill>
+                <a:srgbClr val="FF6600"/>
+              </a:solidFill>
+              <a:latin typeface="Arial"/>
+              <a:cs typeface="Arial"/>
+            </a:endParaRPr>
+          </a:p>
+          <a:p>
+            <a:pPr lvl="1"/>
+            <a:endParaRPr lang="en-US" sz="1400">
+              <a:solidFill>
+                <a:srgbClr val="474747"/>
+              </a:solidFill>
+              <a:latin typeface="Arial"/>
+              <a:cs typeface="Arial"/>
+            </a:endParaRPr>
+          </a:p>
+        </p:txBody>
+      </p:sp>
+      <p:sp>
+        <p:nvSpPr>
+          <p:cNvPr id="10" name="TextBox 9">
+            <a:extLst>
+              <a:ext uri="{FF2B5EF4-FFF2-40B4-BE49-F238E27FC236}">
+                <a16:creationId xmlns:a16="http://schemas.microsoft.com/office/drawing/2014/main" id="{D0743D01-3E94-4C75-A461-528CA1E1B8BB}"/>
+              </a:ext>
+            </a:extLst>
+          </p:cNvPr>
+          <p:cNvSpPr txBox="1"/>
+          <p:nvPr/>
+        </p:nvSpPr>
+        <p:spPr>
+          <a:xfrm>
+            <a:off x="5448623" y="1161263"/>
+            <a:ext cx="2519408" cy="338554"/>
+          </a:xfrm>
+          <a:prstGeom prst="rect">
+            <a:avLst/>
+          </a:prstGeom>
+          <a:noFill/>
+        </p:spPr>
+        <p:txBody>
+          <a:bodyPr wrap="none" lIns="91440" tIns="45720" rIns="91440" bIns="45720" rtlCol="0" anchor="t">
+            <a:spAutoFit/>
+          </a:bodyPr>
+          <a:lstStyle/>
+          <a:p>
+            <a:r>
+              <a:rPr lang="en-US" sz="1600">
+                <a:latin typeface="Arial"/>
+                <a:ea typeface="+mn-lt"/>
+                <a:cs typeface="Arial"/>
+              </a:rPr>
+              <a:t>Feature Importance Table</a:t>
+            </a:r>
+            <a:endParaRPr lang="en-US"/>
+          </a:p>
         </p:txBody>
       </p:sp>
       <p:pic>
         <p:nvPicPr>
-          <p:cNvPr id="7" name="Picture 6">
+          <p:cNvPr id="2" name="Picture 7" descr="Table&#10;&#10;Description automatically generated">
             <a:extLst>
               <a:ext uri="{FF2B5EF4-FFF2-40B4-BE49-F238E27FC236}">
-                <a16:creationId xmlns:a16="http://schemas.microsoft.com/office/drawing/2014/main" id="{392ED39C-9785-44FB-8214-2B47D53C8DED}"/>
+                <a16:creationId xmlns:a16="http://schemas.microsoft.com/office/drawing/2014/main" id="{0BEA091E-874B-438A-B287-4B52A0E4C063}"/>
               </a:ext>
             </a:extLst>
           </p:cNvPr>
@@ -6896,16 +7235,15 @@
           </p:cNvPicPr>
           <p:nvPr/>
         </p:nvPicPr>
-        <p:blipFill>
+        <p:blipFill rotWithShape="1">
           <a:blip r:embed="rId2"/>
-          <a:stretch>
-            <a:fillRect/>
-          </a:stretch>
+          <a:srcRect l="11475" r="519" b="205"/>
+          <a:stretch/>
         </p:blipFill>
         <p:spPr>
           <a:xfrm>
-            <a:off x="4383612" y="1798320"/>
-            <a:ext cx="4603225" cy="2849880"/>
+            <a:off x="5577085" y="1616227"/>
+            <a:ext cx="2269402" cy="4106369"/>
           </a:xfrm>
           <a:prstGeom prst="rect">
             <a:avLst/>
@@ -6917,113 +7255,10 @@
           </a:ln>
         </p:spPr>
       </p:pic>
-      <p:pic>
-        <p:nvPicPr>
-          <p:cNvPr id="8" name="Picture 7">
-            <a:extLst>
-              <a:ext uri="{FF2B5EF4-FFF2-40B4-BE49-F238E27FC236}">
-                <a16:creationId xmlns:a16="http://schemas.microsoft.com/office/drawing/2014/main" id="{DF95F45F-36FC-4119-911D-FD34E6A6D85C}"/>
-              </a:ext>
-            </a:extLst>
-          </p:cNvPr>
-          <p:cNvPicPr>
-            <a:picLocks noChangeAspect="1"/>
-          </p:cNvPicPr>
-          <p:nvPr/>
-        </p:nvPicPr>
-        <p:blipFill>
-          <a:blip r:embed="rId3"/>
-          <a:stretch>
-            <a:fillRect/>
-          </a:stretch>
-        </p:blipFill>
-        <p:spPr>
-          <a:xfrm>
-            <a:off x="9547860" y="3750028"/>
-            <a:ext cx="5637847" cy="386647"/>
-          </a:xfrm>
-          <a:prstGeom prst="rect">
-            <a:avLst/>
-          </a:prstGeom>
-        </p:spPr>
-      </p:pic>
-      <p:pic>
-        <p:nvPicPr>
-          <p:cNvPr id="9" name="Picture 8">
-            <a:extLst>
-              <a:ext uri="{FF2B5EF4-FFF2-40B4-BE49-F238E27FC236}">
-                <a16:creationId xmlns:a16="http://schemas.microsoft.com/office/drawing/2014/main" id="{41D38537-3FA6-48B3-95A0-0DAA377DA586}"/>
-              </a:ext>
-            </a:extLst>
-          </p:cNvPr>
-          <p:cNvPicPr>
-            <a:picLocks noChangeAspect="1"/>
-          </p:cNvPicPr>
-          <p:nvPr/>
-        </p:nvPicPr>
-        <p:blipFill>
-          <a:blip r:embed="rId4"/>
-          <a:stretch>
-            <a:fillRect/>
-          </a:stretch>
-        </p:blipFill>
-        <p:spPr>
-          <a:xfrm>
-            <a:off x="9537382" y="1945957"/>
-            <a:ext cx="3419475" cy="1343025"/>
-          </a:xfrm>
-          <a:prstGeom prst="rect">
-            <a:avLst/>
-          </a:prstGeom>
-        </p:spPr>
-      </p:pic>
-      <p:sp>
-        <p:nvSpPr>
-          <p:cNvPr id="10" name="TextBox 9">
-            <a:extLst>
-              <a:ext uri="{FF2B5EF4-FFF2-40B4-BE49-F238E27FC236}">
-                <a16:creationId xmlns:a16="http://schemas.microsoft.com/office/drawing/2014/main" id="{D0743D01-3E94-4C75-A461-528CA1E1B8BB}"/>
-              </a:ext>
-            </a:extLst>
-          </p:cNvPr>
-          <p:cNvSpPr txBox="1"/>
-          <p:nvPr/>
-        </p:nvSpPr>
-        <p:spPr>
-          <a:xfrm>
-            <a:off x="5878830" y="1405890"/>
-            <a:ext cx="1689565" cy="369332"/>
-          </a:xfrm>
-          <a:prstGeom prst="rect">
-            <a:avLst/>
-          </a:prstGeom>
-          <a:noFill/>
-        </p:spPr>
-        <p:txBody>
-          <a:bodyPr wrap="none" rtlCol="0">
-            <a:spAutoFit/>
-          </a:bodyPr>
-          <a:lstStyle/>
-          <a:p>
-            <a:r>
-              <a:rPr lang="en-US" sz="1600">
-                <a:latin typeface="Arial" panose="020B0604020202020204" pitchFamily="34" charset="0"/>
-                <a:ea typeface="+mn-lt"/>
-                <a:cs typeface="Arial" panose="020B0604020202020204" pitchFamily="34" charset="0"/>
-              </a:rPr>
-              <a:t>Summary</a:t>
-            </a:r>
-            <a:r>
-              <a:rPr lang="en-US"/>
-              <a:t> Table</a:t>
-            </a:r>
-          </a:p>
-        </p:txBody>
-      </p:sp>
     </p:spTree>
     <p:extLst>
       <p:ext uri="{BB962C8B-B14F-4D97-AF65-F5344CB8AC3E}">
-        <p14:creationId xmlns:p14="http://schemas.microsoft.com/office/powerpoint/2010/main" val="2421659258"/>
+        <p14:creationId xmlns:p14="http://schemas.microsoft.com/office/powerpoint/2010/main" val="414876218"/>
       </p:ext>
     </p:extLst>
   </p:cSld>
@@ -7144,1945 +7379,11 @@
           <a:lstStyle/>
           <a:p>
             <a:r>
-              <a:rPr lang="en-US">
+              <a:rPr lang="en-US" dirty="0">
                 <a:latin typeface="Arial"/>
                 <a:cs typeface="Arial"/>
               </a:rPr>
-              <a:t>Modeling and Prediction (1 of 4)</a:t>
-            </a:r>
-          </a:p>
-        </p:txBody>
-      </p:sp>
-      <p:sp>
-        <p:nvSpPr>
-          <p:cNvPr id="6" name="TextBox 5">
-            <a:extLst>
-              <a:ext uri="{FF2B5EF4-FFF2-40B4-BE49-F238E27FC236}">
-                <a16:creationId xmlns:a16="http://schemas.microsoft.com/office/drawing/2014/main" id="{1576299B-8A9F-4B72-8C2A-B9D8F7D9AA5D}"/>
-              </a:ext>
-            </a:extLst>
-          </p:cNvPr>
-          <p:cNvSpPr txBox="1"/>
-          <p:nvPr/>
-        </p:nvSpPr>
-        <p:spPr>
-          <a:xfrm>
-            <a:off x="118720" y="1164879"/>
-            <a:ext cx="4234205" cy="3339376"/>
-          </a:xfrm>
-          <a:prstGeom prst="rect">
-            <a:avLst/>
-          </a:prstGeom>
-          <a:noFill/>
-        </p:spPr>
-        <p:txBody>
-          <a:bodyPr wrap="square" lIns="91440" tIns="45720" rIns="91440" bIns="45720" rtlCol="0" anchor="t">
-            <a:spAutoFit/>
-          </a:bodyPr>
-          <a:lstStyle/>
-          <a:p>
-            <a:r>
-              <a:rPr lang="en-US" b="1">
-                <a:latin typeface="Arial"/>
-                <a:ea typeface="+mn-lt"/>
-                <a:cs typeface="Arial"/>
-              </a:rPr>
-              <a:t>Logistic Regression Model</a:t>
-            </a:r>
-          </a:p>
-          <a:p>
-            <a:pPr marL="285750" indent="-285750">
-              <a:buFont typeface="Arial" panose="020B0604020202020204" pitchFamily="34" charset="0"/>
-              <a:buChar char="•"/>
-            </a:pPr>
-            <a:r>
-              <a:rPr lang="en-US" sz="1400">
-                <a:latin typeface="Arial"/>
-                <a:ea typeface="+mn-lt"/>
-                <a:cs typeface="Arial"/>
-              </a:rPr>
-              <a:t>In support of answering research questions 3A and 3B: </a:t>
-            </a:r>
-            <a:r>
-              <a:rPr lang="en-US" sz="1400" i="1">
-                <a:latin typeface="Arial"/>
-                <a:ea typeface="+mn-lt"/>
-                <a:cs typeface="Arial"/>
-              </a:rPr>
-              <a:t>Time listed on the market based on listing price and having history of accidents</a:t>
-            </a:r>
-          </a:p>
-          <a:p>
-            <a:pPr marL="285750" indent="-285750">
-              <a:buFont typeface="Arial" panose="020B0604020202020204" pitchFamily="34" charset="0"/>
-              <a:buChar char="•"/>
-            </a:pPr>
-            <a:r>
-              <a:rPr lang="en-US" sz="1400">
-                <a:latin typeface="Arial"/>
-                <a:ea typeface="+mn-lt"/>
-                <a:cs typeface="Arial"/>
-              </a:rPr>
-              <a:t>Prediction of the probability for a listing to stay on the market for more than 150 days; Inference on </a:t>
-            </a:r>
-            <a:r>
-              <a:rPr lang="en-US" sz="1400">
-                <a:latin typeface="Arial"/>
-                <a:cs typeface="Arial"/>
-              </a:rPr>
-              <a:t>leading features that explain a used car to stay on the market more than 150 days</a:t>
-            </a:r>
-          </a:p>
-          <a:p>
-            <a:pPr marL="285750" indent="-285750">
-              <a:buFont typeface="Arial" panose="020B0604020202020204" pitchFamily="34" charset="0"/>
-              <a:buChar char="•"/>
-            </a:pPr>
-            <a:r>
-              <a:rPr lang="en-US" sz="1400">
-                <a:latin typeface="Arial"/>
-                <a:cs typeface="Arial"/>
-              </a:rPr>
-              <a:t>Model sample split by training, validation and test, with the proportions of 60-30-10 respectively.</a:t>
-            </a:r>
-          </a:p>
-          <a:p>
-            <a:endParaRPr lang="en-US" sz="1100">
-              <a:latin typeface="Arial" panose="020B0604020202020204" pitchFamily="34" charset="0"/>
-              <a:cs typeface="Arial" panose="020B0604020202020204" pitchFamily="34" charset="0"/>
-            </a:endParaRPr>
-          </a:p>
-          <a:p>
-            <a:pPr marL="285750" indent="-285750">
-              <a:buFont typeface="Arial" panose="020B0604020202020204" pitchFamily="34" charset="0"/>
-              <a:buChar char="•"/>
-            </a:pPr>
-            <a:r>
-              <a:rPr lang="en-US" sz="1400">
-                <a:latin typeface="Arial"/>
-                <a:cs typeface="Arial"/>
-              </a:rPr>
-              <a:t>The model resulted in:</a:t>
-            </a:r>
-            <a:endParaRPr lang="en-US" sz="1400">
-              <a:latin typeface="Arial" panose="020B0604020202020204" pitchFamily="34" charset="0"/>
-              <a:cs typeface="Arial" panose="020B0604020202020204" pitchFamily="34" charset="0"/>
-            </a:endParaRPr>
-          </a:p>
-          <a:p>
-            <a:pPr marL="742950" lvl="1" indent="-285750">
-              <a:buFont typeface="Arial" panose="020B0604020202020204" pitchFamily="34" charset="0"/>
-              <a:buChar char="•"/>
-            </a:pPr>
-            <a:r>
-              <a:rPr lang="en-US" sz="1400">
-                <a:latin typeface="Arial"/>
-                <a:cs typeface="Arial"/>
-              </a:rPr>
-              <a:t>AUC ROC of </a:t>
-            </a:r>
-            <a:r>
-              <a:rPr lang="en-US" sz="1400" b="1">
-                <a:solidFill>
-                  <a:srgbClr val="ED7D31"/>
-                </a:solidFill>
-                <a:latin typeface="Arial"/>
-                <a:cs typeface="Arial"/>
-              </a:rPr>
-              <a:t>0.63 </a:t>
-            </a:r>
-            <a:endParaRPr lang="en-US" sz="1400" b="1">
-              <a:solidFill>
-                <a:srgbClr val="ED7D31"/>
-              </a:solidFill>
-              <a:latin typeface="Arial" panose="020B0604020202020204" pitchFamily="34" charset="0"/>
-              <a:cs typeface="Arial" panose="020B0604020202020204" pitchFamily="34" charset="0"/>
-            </a:endParaRPr>
-          </a:p>
-        </p:txBody>
-      </p:sp>
-      <p:sp>
-        <p:nvSpPr>
-          <p:cNvPr id="10" name="TextBox 9">
-            <a:extLst>
-              <a:ext uri="{FF2B5EF4-FFF2-40B4-BE49-F238E27FC236}">
-                <a16:creationId xmlns:a16="http://schemas.microsoft.com/office/drawing/2014/main" id="{D0743D01-3E94-4C75-A461-528CA1E1B8BB}"/>
-              </a:ext>
-            </a:extLst>
-          </p:cNvPr>
-          <p:cNvSpPr txBox="1"/>
-          <p:nvPr/>
-        </p:nvSpPr>
-        <p:spPr>
-          <a:xfrm>
-            <a:off x="5448623" y="1161263"/>
-            <a:ext cx="2519408" cy="338554"/>
-          </a:xfrm>
-          <a:prstGeom prst="rect">
-            <a:avLst/>
-          </a:prstGeom>
-          <a:noFill/>
-        </p:spPr>
-        <p:txBody>
-          <a:bodyPr wrap="none" lIns="91440" tIns="45720" rIns="91440" bIns="45720" rtlCol="0" anchor="t">
-            <a:spAutoFit/>
-          </a:bodyPr>
-          <a:lstStyle/>
-          <a:p>
-            <a:r>
-              <a:rPr lang="en-US" sz="1600">
-                <a:latin typeface="Arial"/>
-                <a:ea typeface="+mn-lt"/>
-                <a:cs typeface="Arial"/>
-              </a:rPr>
-              <a:t>Feature Importance Table</a:t>
-            </a:r>
-            <a:endParaRPr lang="en-US"/>
-          </a:p>
-        </p:txBody>
-      </p:sp>
-      <p:graphicFrame>
-        <p:nvGraphicFramePr>
-          <p:cNvPr id="7" name="Table 7">
-            <a:extLst>
-              <a:ext uri="{FF2B5EF4-FFF2-40B4-BE49-F238E27FC236}">
-                <a16:creationId xmlns:a16="http://schemas.microsoft.com/office/drawing/2014/main" id="{046D2BC3-9DD8-4BB5-A2A6-906B548743EA}"/>
-              </a:ext>
-            </a:extLst>
-          </p:cNvPr>
-          <p:cNvGraphicFramePr>
-            <a:graphicFrameLocks noGrp="1"/>
-          </p:cNvGraphicFramePr>
-          <p:nvPr>
-            <p:extLst>
-              <p:ext uri="{D42A27DB-BD31-4B8C-83A1-F6EECF244321}">
-                <p14:modId xmlns:p14="http://schemas.microsoft.com/office/powerpoint/2010/main" val="1387788392"/>
-              </p:ext>
-            </p:extLst>
-          </p:nvPr>
-        </p:nvGraphicFramePr>
-        <p:xfrm>
-          <a:off x="4268324" y="1442456"/>
-          <a:ext cx="4710982" cy="4911632"/>
-        </p:xfrm>
-        <a:graphic>
-          <a:graphicData uri="http://schemas.openxmlformats.org/drawingml/2006/table">
-            <a:tbl>
-              <a:tblPr firstRow="1" bandRow="1">
-                <a:tableStyleId>{5C22544A-7EE6-4342-B048-85BDC9FD1C3A}</a:tableStyleId>
-              </a:tblPr>
-              <a:tblGrid>
-                <a:gridCol w="1729261">
-                  <a:extLst>
-                    <a:ext uri="{9D8B030D-6E8A-4147-A177-3AD203B41FA5}">
-                      <a16:colId xmlns:a16="http://schemas.microsoft.com/office/drawing/2014/main" val="3918750968"/>
-                    </a:ext>
-                  </a:extLst>
-                </a:gridCol>
-                <a:gridCol w="1411394">
-                  <a:extLst>
-                    <a:ext uri="{9D8B030D-6E8A-4147-A177-3AD203B41FA5}">
-                      <a16:colId xmlns:a16="http://schemas.microsoft.com/office/drawing/2014/main" val="4118858092"/>
-                    </a:ext>
-                  </a:extLst>
-                </a:gridCol>
-                <a:gridCol w="1570327">
-                  <a:extLst>
-                    <a:ext uri="{9D8B030D-6E8A-4147-A177-3AD203B41FA5}">
-                      <a16:colId xmlns:a16="http://schemas.microsoft.com/office/drawing/2014/main" val="1441380879"/>
-                    </a:ext>
-                  </a:extLst>
-                </a:gridCol>
-              </a:tblGrid>
-              <a:tr h="306977">
-                <a:tc>
-                  <a:txBody>
-                    <a:bodyPr/>
-                    <a:lstStyle/>
-                    <a:p>
-                      <a:pPr lvl="0" algn="l">
-                        <a:buNone/>
-                      </a:pPr>
-                      <a:r>
-                        <a:rPr lang="en-US" sz="1200">
-                          <a:effectLst/>
-                        </a:rPr>
-                        <a:t>Feature</a:t>
-                      </a:r>
-                      <a:endParaRPr lang="en-US" sz="1200" b="1">
-                        <a:effectLst/>
-                      </a:endParaRPr>
-                    </a:p>
-                  </a:txBody>
-                  <a:tcPr/>
-                </a:tc>
-                <a:tc>
-                  <a:txBody>
-                    <a:bodyPr/>
-                    <a:lstStyle/>
-                    <a:p>
-                      <a:pPr lvl="0" algn="l">
-                        <a:buNone/>
-                      </a:pPr>
-                      <a:r>
-                        <a:rPr lang="en-US" sz="1200">
-                          <a:effectLst/>
-                        </a:rPr>
-                        <a:t>Coefficient</a:t>
-                      </a:r>
-                      <a:endParaRPr lang="en-US" sz="1200" b="1">
-                        <a:effectLst/>
-                      </a:endParaRPr>
-                    </a:p>
-                  </a:txBody>
-                  <a:tcPr/>
-                </a:tc>
-                <a:tc>
-                  <a:txBody>
-                    <a:bodyPr/>
-                    <a:lstStyle/>
-                    <a:p>
-                      <a:pPr algn="l"/>
-                      <a:r>
-                        <a:rPr lang="en-US" sz="1200"/>
-                        <a:t>Probability</a:t>
-                      </a:r>
-                    </a:p>
-                  </a:txBody>
-                  <a:tcPr/>
-                </a:tc>
-                <a:extLst>
-                  <a:ext uri="{0D108BD9-81ED-4DB2-BD59-A6C34878D82A}">
-                    <a16:rowId xmlns:a16="http://schemas.microsoft.com/office/drawing/2014/main" val="32983653"/>
-                  </a:ext>
-                </a:extLst>
-              </a:tr>
-              <a:tr h="306977">
-                <a:tc>
-                  <a:txBody>
-                    <a:bodyPr/>
-                    <a:lstStyle/>
-                    <a:p>
-                      <a:pPr lvl="0" algn="l">
-                        <a:buNone/>
-                      </a:pPr>
-                      <a:r>
-                        <a:rPr lang="en-US" sz="1200">
-                          <a:effectLst/>
-                        </a:rPr>
-                        <a:t>price</a:t>
-                      </a:r>
-                      <a:endParaRPr lang="en-US" sz="1200"/>
-                    </a:p>
-                  </a:txBody>
-                  <a:tcPr/>
-                </a:tc>
-                <a:tc>
-                  <a:txBody>
-                    <a:bodyPr/>
-                    <a:lstStyle/>
-                    <a:p>
-                      <a:pPr lvl="0" algn="l">
-                        <a:buNone/>
-                      </a:pPr>
-                      <a:r>
-                        <a:rPr lang="en-US" sz="1200">
-                          <a:effectLst/>
-                        </a:rPr>
-                        <a:t>0.000411</a:t>
-                      </a:r>
-                      <a:endParaRPr lang="en-US" sz="1200"/>
-                    </a:p>
-                  </a:txBody>
-                  <a:tcPr/>
-                </a:tc>
-                <a:tc>
-                  <a:txBody>
-                    <a:bodyPr/>
-                    <a:lstStyle/>
-                    <a:p>
-                      <a:pPr algn="l"/>
-                      <a:endParaRPr lang="en-US" sz="1200"/>
-                    </a:p>
-                  </a:txBody>
-                  <a:tcPr/>
-                </a:tc>
-                <a:extLst>
-                  <a:ext uri="{0D108BD9-81ED-4DB2-BD59-A6C34878D82A}">
-                    <a16:rowId xmlns:a16="http://schemas.microsoft.com/office/drawing/2014/main" val="1085472589"/>
-                  </a:ext>
-                </a:extLst>
-              </a:tr>
-              <a:tr h="306977">
-                <a:tc>
-                  <a:txBody>
-                    <a:bodyPr/>
-                    <a:lstStyle/>
-                    <a:p>
-                      <a:pPr lvl="0" algn="l">
-                        <a:buNone/>
-                      </a:pPr>
-                      <a:r>
-                        <a:rPr lang="en-US" sz="1200" err="1">
-                          <a:effectLst/>
-                        </a:rPr>
-                        <a:t>city_fuel_economy</a:t>
-                      </a:r>
-                      <a:endParaRPr lang="en-US" sz="1200"/>
-                    </a:p>
-                  </a:txBody>
-                  <a:tcPr/>
-                </a:tc>
-                <a:tc>
-                  <a:txBody>
-                    <a:bodyPr/>
-                    <a:lstStyle/>
-                    <a:p>
-                      <a:pPr lvl="0" algn="l">
-                        <a:buNone/>
-                      </a:pPr>
-                      <a:r>
-                        <a:rPr lang="en-US" sz="1200">
-                          <a:effectLst/>
-                        </a:rPr>
-                        <a:t>0.000316</a:t>
-                      </a:r>
-                      <a:endParaRPr lang="en-US" sz="1200"/>
-                    </a:p>
-                  </a:txBody>
-                  <a:tcPr/>
-                </a:tc>
-                <a:tc>
-                  <a:txBody>
-                    <a:bodyPr/>
-                    <a:lstStyle/>
-                    <a:p>
-                      <a:pPr algn="l"/>
-                      <a:endParaRPr lang="en-US" sz="1200"/>
-                    </a:p>
-                  </a:txBody>
-                  <a:tcPr/>
-                </a:tc>
-                <a:extLst>
-                  <a:ext uri="{0D108BD9-81ED-4DB2-BD59-A6C34878D82A}">
-                    <a16:rowId xmlns:a16="http://schemas.microsoft.com/office/drawing/2014/main" val="2384989015"/>
-                  </a:ext>
-                </a:extLst>
-              </a:tr>
-              <a:tr h="306977">
-                <a:tc>
-                  <a:txBody>
-                    <a:bodyPr/>
-                    <a:lstStyle/>
-                    <a:p>
-                      <a:pPr lvl="0" algn="l">
-                        <a:buNone/>
-                      </a:pPr>
-                      <a:r>
-                        <a:rPr lang="en-US" sz="1200" err="1">
-                          <a:effectLst/>
-                        </a:rPr>
-                        <a:t>model_name_idx</a:t>
-                      </a:r>
-                      <a:endParaRPr lang="en-US" sz="1200"/>
-                    </a:p>
-                  </a:txBody>
-                  <a:tcPr/>
-                </a:tc>
-                <a:tc>
-                  <a:txBody>
-                    <a:bodyPr/>
-                    <a:lstStyle/>
-                    <a:p>
-                      <a:pPr lvl="0" algn="l">
-                        <a:buNone/>
-                      </a:pPr>
-                      <a:r>
-                        <a:rPr lang="en-US" sz="1200">
-                          <a:effectLst/>
-                        </a:rPr>
-                        <a:t>0.000261</a:t>
-                      </a:r>
-                      <a:endParaRPr lang="en-US" sz="1200"/>
-                    </a:p>
-                  </a:txBody>
-                  <a:tcPr/>
-                </a:tc>
-                <a:tc>
-                  <a:txBody>
-                    <a:bodyPr/>
-                    <a:lstStyle/>
-                    <a:p>
-                      <a:pPr algn="l"/>
-                      <a:endParaRPr lang="en-US" sz="1200"/>
-                    </a:p>
-                  </a:txBody>
-                  <a:tcPr/>
-                </a:tc>
-                <a:extLst>
-                  <a:ext uri="{0D108BD9-81ED-4DB2-BD59-A6C34878D82A}">
-                    <a16:rowId xmlns:a16="http://schemas.microsoft.com/office/drawing/2014/main" val="2619560119"/>
-                  </a:ext>
-                </a:extLst>
-              </a:tr>
-              <a:tr h="306977">
-                <a:tc>
-                  <a:txBody>
-                    <a:bodyPr/>
-                    <a:lstStyle/>
-                    <a:p>
-                      <a:pPr lvl="0" algn="l">
-                        <a:buNone/>
-                      </a:pPr>
-                      <a:r>
-                        <a:rPr lang="en-US" sz="1200" err="1">
-                          <a:effectLst/>
-                        </a:rPr>
-                        <a:t>highway_fuel_economy</a:t>
-                      </a:r>
-                      <a:endParaRPr lang="en-US" sz="1200"/>
-                    </a:p>
-                  </a:txBody>
-                  <a:tcPr/>
-                </a:tc>
-                <a:tc>
-                  <a:txBody>
-                    <a:bodyPr/>
-                    <a:lstStyle/>
-                    <a:p>
-                      <a:pPr lvl="0" algn="l">
-                        <a:buNone/>
-                      </a:pPr>
-                      <a:r>
-                        <a:rPr lang="en-US" sz="1200">
-                          <a:effectLst/>
-                        </a:rPr>
-                        <a:t>0.000228</a:t>
-                      </a:r>
-                      <a:endParaRPr lang="en-US" sz="1200"/>
-                    </a:p>
-                  </a:txBody>
-                  <a:tcPr/>
-                </a:tc>
-                <a:tc>
-                  <a:txBody>
-                    <a:bodyPr/>
-                    <a:lstStyle/>
-                    <a:p>
-                      <a:pPr algn="l"/>
-                      <a:endParaRPr lang="en-US" sz="1200"/>
-                    </a:p>
-                  </a:txBody>
-                  <a:tcPr/>
-                </a:tc>
-                <a:extLst>
-                  <a:ext uri="{0D108BD9-81ED-4DB2-BD59-A6C34878D82A}">
-                    <a16:rowId xmlns:a16="http://schemas.microsoft.com/office/drawing/2014/main" val="3160453150"/>
-                  </a:ext>
-                </a:extLst>
-              </a:tr>
-              <a:tr h="306977">
-                <a:tc>
-                  <a:txBody>
-                    <a:bodyPr/>
-                    <a:lstStyle/>
-                    <a:p>
-                      <a:pPr lvl="0" algn="l">
-                        <a:buNone/>
-                      </a:pPr>
-                      <a:r>
-                        <a:rPr lang="en-US" sz="1200" err="1">
-                          <a:effectLst/>
-                        </a:rPr>
-                        <a:t>make_name_idx</a:t>
-                      </a:r>
-                      <a:endParaRPr lang="en-US" sz="1200"/>
-                    </a:p>
-                  </a:txBody>
-                  <a:tcPr/>
-                </a:tc>
-                <a:tc>
-                  <a:txBody>
-                    <a:bodyPr/>
-                    <a:lstStyle/>
-                    <a:p>
-                      <a:pPr lvl="0" algn="l">
-                        <a:buNone/>
-                      </a:pPr>
-                      <a:r>
-                        <a:rPr lang="en-US" sz="1200">
-                          <a:effectLst/>
-                        </a:rPr>
-                        <a:t>0.000206</a:t>
-                      </a:r>
-                      <a:endParaRPr lang="en-US" sz="1200"/>
-                    </a:p>
-                  </a:txBody>
-                  <a:tcPr/>
-                </a:tc>
-                <a:tc>
-                  <a:txBody>
-                    <a:bodyPr/>
-                    <a:lstStyle/>
-                    <a:p>
-                      <a:pPr algn="l"/>
-                      <a:endParaRPr lang="en-US" sz="1200"/>
-                    </a:p>
-                  </a:txBody>
-                  <a:tcPr/>
-                </a:tc>
-                <a:extLst>
-                  <a:ext uri="{0D108BD9-81ED-4DB2-BD59-A6C34878D82A}">
-                    <a16:rowId xmlns:a16="http://schemas.microsoft.com/office/drawing/2014/main" val="1977033384"/>
-                  </a:ext>
-                </a:extLst>
-              </a:tr>
-              <a:tr h="306977">
-                <a:tc>
-                  <a:txBody>
-                    <a:bodyPr/>
-                    <a:lstStyle/>
-                    <a:p>
-                      <a:pPr lvl="0" algn="l">
-                        <a:buNone/>
-                      </a:pPr>
-                      <a:r>
-                        <a:rPr lang="en-US" sz="1200">
-                          <a:effectLst/>
-                        </a:rPr>
-                        <a:t>year</a:t>
-                      </a:r>
-                      <a:endParaRPr lang="en-US" sz="1200"/>
-                    </a:p>
-                  </a:txBody>
-                  <a:tcPr/>
-                </a:tc>
-                <a:tc>
-                  <a:txBody>
-                    <a:bodyPr/>
-                    <a:lstStyle/>
-                    <a:p>
-                      <a:pPr lvl="0" algn="l">
-                        <a:buNone/>
-                      </a:pPr>
-                      <a:r>
-                        <a:rPr lang="en-US" sz="1200">
-                          <a:effectLst/>
-                        </a:rPr>
-                        <a:t>0.000008</a:t>
-                      </a:r>
-                      <a:endParaRPr lang="en-US" sz="1200"/>
-                    </a:p>
-                  </a:txBody>
-                  <a:tcPr/>
-                </a:tc>
-                <a:tc>
-                  <a:txBody>
-                    <a:bodyPr/>
-                    <a:lstStyle/>
-                    <a:p>
-                      <a:pPr algn="l"/>
-                      <a:endParaRPr lang="en-US" sz="1200"/>
-                    </a:p>
-                  </a:txBody>
-                  <a:tcPr/>
-                </a:tc>
-                <a:extLst>
-                  <a:ext uri="{0D108BD9-81ED-4DB2-BD59-A6C34878D82A}">
-                    <a16:rowId xmlns:a16="http://schemas.microsoft.com/office/drawing/2014/main" val="1379946652"/>
-                  </a:ext>
-                </a:extLst>
-              </a:tr>
-              <a:tr h="306977">
-                <a:tc>
-                  <a:txBody>
-                    <a:bodyPr/>
-                    <a:lstStyle/>
-                    <a:p>
-                      <a:pPr lvl="0" algn="l">
-                        <a:buNone/>
-                      </a:pPr>
-                      <a:r>
-                        <a:rPr lang="en-US" sz="1200" err="1">
-                          <a:effectLst/>
-                        </a:rPr>
-                        <a:t>width_category_idx</a:t>
-                      </a:r>
-                      <a:endParaRPr lang="en-US" sz="1200"/>
-                    </a:p>
-                  </a:txBody>
-                  <a:tcPr/>
-                </a:tc>
-                <a:tc>
-                  <a:txBody>
-                    <a:bodyPr/>
-                    <a:lstStyle/>
-                    <a:p>
-                      <a:pPr lvl="0" algn="l">
-                        <a:buNone/>
-                      </a:pPr>
-                      <a:r>
-                        <a:rPr lang="en-US" sz="1200">
-                          <a:effectLst/>
-                        </a:rPr>
-                        <a:t>-0.000163</a:t>
-                      </a:r>
-                      <a:endParaRPr lang="en-US" sz="1200"/>
-                    </a:p>
-                  </a:txBody>
-                  <a:tcPr/>
-                </a:tc>
-                <a:tc>
-                  <a:txBody>
-                    <a:bodyPr/>
-                    <a:lstStyle/>
-                    <a:p>
-                      <a:pPr algn="l"/>
-                      <a:endParaRPr lang="en-US" sz="1200"/>
-                    </a:p>
-                  </a:txBody>
-                  <a:tcPr/>
-                </a:tc>
-                <a:extLst>
-                  <a:ext uri="{0D108BD9-81ED-4DB2-BD59-A6C34878D82A}">
-                    <a16:rowId xmlns:a16="http://schemas.microsoft.com/office/drawing/2014/main" val="698850240"/>
-                  </a:ext>
-                </a:extLst>
-              </a:tr>
-              <a:tr h="306977">
-                <a:tc>
-                  <a:txBody>
-                    <a:bodyPr/>
-                    <a:lstStyle/>
-                    <a:p>
-                      <a:pPr lvl="0" algn="l">
-                        <a:buNone/>
-                      </a:pPr>
-                      <a:r>
-                        <a:rPr lang="en-US" sz="1200" err="1">
-                          <a:effectLst/>
-                        </a:rPr>
-                        <a:t>maximum_seating</a:t>
-                      </a:r>
-                      <a:endParaRPr lang="en-US" sz="1200"/>
-                    </a:p>
-                  </a:txBody>
-                  <a:tcPr/>
-                </a:tc>
-                <a:tc>
-                  <a:txBody>
-                    <a:bodyPr/>
-                    <a:lstStyle/>
-                    <a:p>
-                      <a:pPr lvl="0" algn="l">
-                        <a:buNone/>
-                      </a:pPr>
-                      <a:r>
-                        <a:rPr lang="en-US" sz="1200">
-                          <a:effectLst/>
-                        </a:rPr>
-                        <a:t>-0.000247</a:t>
-                      </a:r>
-                      <a:endParaRPr lang="en-US" sz="1200"/>
-                    </a:p>
-                  </a:txBody>
-                  <a:tcPr/>
-                </a:tc>
-                <a:tc>
-                  <a:txBody>
-                    <a:bodyPr/>
-                    <a:lstStyle/>
-                    <a:p>
-                      <a:pPr lvl="0" algn="l">
-                        <a:buNone/>
-                      </a:pPr>
-                      <a:endParaRPr lang="en-US" sz="1200"/>
-                    </a:p>
-                  </a:txBody>
-                  <a:tcPr/>
-                </a:tc>
-                <a:extLst>
-                  <a:ext uri="{0D108BD9-81ED-4DB2-BD59-A6C34878D82A}">
-                    <a16:rowId xmlns:a16="http://schemas.microsoft.com/office/drawing/2014/main" val="3274388462"/>
-                  </a:ext>
-                </a:extLst>
-              </a:tr>
-              <a:tr h="306977">
-                <a:tc>
-                  <a:txBody>
-                    <a:bodyPr/>
-                    <a:lstStyle/>
-                    <a:p>
-                      <a:pPr lvl="0" algn="l">
-                        <a:buNone/>
-                      </a:pPr>
-                      <a:r>
-                        <a:rPr lang="en-US" sz="1200" err="1">
-                          <a:effectLst/>
-                        </a:rPr>
-                        <a:t>owner_count</a:t>
-                      </a:r>
-                      <a:endParaRPr lang="en-US" sz="1200"/>
-                    </a:p>
-                  </a:txBody>
-                  <a:tcPr/>
-                </a:tc>
-                <a:tc>
-                  <a:txBody>
-                    <a:bodyPr/>
-                    <a:lstStyle/>
-                    <a:p>
-                      <a:pPr lvl="0" algn="l">
-                        <a:buNone/>
-                      </a:pPr>
-                      <a:r>
-                        <a:rPr lang="en-US" sz="1200">
-                          <a:effectLst/>
-                        </a:rPr>
-                        <a:t>-0.000265</a:t>
-                      </a:r>
-                      <a:endParaRPr lang="en-US" sz="1200"/>
-                    </a:p>
-                  </a:txBody>
-                  <a:tcPr/>
-                </a:tc>
-                <a:tc>
-                  <a:txBody>
-                    <a:bodyPr/>
-                    <a:lstStyle/>
-                    <a:p>
-                      <a:pPr lvl="0" algn="l">
-                        <a:buNone/>
-                      </a:pPr>
-                      <a:endParaRPr lang="en-US" sz="1200"/>
-                    </a:p>
-                  </a:txBody>
-                  <a:tcPr/>
-                </a:tc>
-                <a:extLst>
-                  <a:ext uri="{0D108BD9-81ED-4DB2-BD59-A6C34878D82A}">
-                    <a16:rowId xmlns:a16="http://schemas.microsoft.com/office/drawing/2014/main" val="1321365647"/>
-                  </a:ext>
-                </a:extLst>
-              </a:tr>
-              <a:tr h="306977">
-                <a:tc>
-                  <a:txBody>
-                    <a:bodyPr/>
-                    <a:lstStyle/>
-                    <a:p>
-                      <a:pPr lvl="0" algn="l">
-                        <a:buNone/>
-                      </a:pPr>
-                      <a:r>
-                        <a:rPr lang="en-US" sz="1200" err="1">
-                          <a:effectLst/>
-                        </a:rPr>
-                        <a:t>HasAccidents</a:t>
-                      </a:r>
-                      <a:endParaRPr lang="en-US" sz="1200"/>
-                    </a:p>
-                  </a:txBody>
-                  <a:tcPr/>
-                </a:tc>
-                <a:tc>
-                  <a:txBody>
-                    <a:bodyPr/>
-                    <a:lstStyle/>
-                    <a:p>
-                      <a:pPr lvl="0" algn="l">
-                        <a:buNone/>
-                      </a:pPr>
-                      <a:r>
-                        <a:rPr lang="en-US" sz="1200">
-                          <a:effectLst/>
-                        </a:rPr>
-                        <a:t>-0.000272</a:t>
-                      </a:r>
-                      <a:endParaRPr lang="en-US" sz="1200"/>
-                    </a:p>
-                  </a:txBody>
-                  <a:tcPr/>
-                </a:tc>
-                <a:tc>
-                  <a:txBody>
-                    <a:bodyPr/>
-                    <a:lstStyle/>
-                    <a:p>
-                      <a:pPr lvl="0" algn="l">
-                        <a:buNone/>
-                      </a:pPr>
-                      <a:endParaRPr lang="en-US" sz="1200"/>
-                    </a:p>
-                  </a:txBody>
-                  <a:tcPr/>
-                </a:tc>
-                <a:extLst>
-                  <a:ext uri="{0D108BD9-81ED-4DB2-BD59-A6C34878D82A}">
-                    <a16:rowId xmlns:a16="http://schemas.microsoft.com/office/drawing/2014/main" val="4274157140"/>
-                  </a:ext>
-                </a:extLst>
-              </a:tr>
-              <a:tr h="306977">
-                <a:tc>
-                  <a:txBody>
-                    <a:bodyPr/>
-                    <a:lstStyle/>
-                    <a:p>
-                      <a:pPr lvl="0" algn="l">
-                        <a:buNone/>
-                      </a:pPr>
-                      <a:r>
-                        <a:rPr lang="en-US" sz="1200" err="1">
-                          <a:effectLst/>
-                        </a:rPr>
-                        <a:t>torque_ftlb</a:t>
-                      </a:r>
-                      <a:endParaRPr lang="en-US" sz="1200"/>
-                    </a:p>
-                  </a:txBody>
-                  <a:tcPr/>
-                </a:tc>
-                <a:tc>
-                  <a:txBody>
-                    <a:bodyPr/>
-                    <a:lstStyle/>
-                    <a:p>
-                      <a:pPr lvl="0" algn="l">
-                        <a:buNone/>
-                      </a:pPr>
-                      <a:r>
-                        <a:rPr lang="en-US" sz="1200">
-                          <a:effectLst/>
-                        </a:rPr>
-                        <a:t>-0.000284</a:t>
-                      </a:r>
-                      <a:endParaRPr lang="en-US" sz="1200"/>
-                    </a:p>
-                  </a:txBody>
-                  <a:tcPr/>
-                </a:tc>
-                <a:tc>
-                  <a:txBody>
-                    <a:bodyPr/>
-                    <a:lstStyle/>
-                    <a:p>
-                      <a:pPr lvl="0" algn="l">
-                        <a:buNone/>
-                      </a:pPr>
-                      <a:endParaRPr lang="en-US" sz="1200"/>
-                    </a:p>
-                  </a:txBody>
-                  <a:tcPr/>
-                </a:tc>
-                <a:extLst>
-                  <a:ext uri="{0D108BD9-81ED-4DB2-BD59-A6C34878D82A}">
-                    <a16:rowId xmlns:a16="http://schemas.microsoft.com/office/drawing/2014/main" val="888785536"/>
-                  </a:ext>
-                </a:extLst>
-              </a:tr>
-              <a:tr h="306977">
-                <a:tc>
-                  <a:txBody>
-                    <a:bodyPr/>
-                    <a:lstStyle/>
-                    <a:p>
-                      <a:pPr lvl="0" algn="l">
-                        <a:buNone/>
-                      </a:pPr>
-                      <a:r>
-                        <a:rPr lang="en-US" sz="1200">
-                          <a:effectLst/>
-                        </a:rPr>
-                        <a:t>horsepower</a:t>
-                      </a:r>
-                      <a:endParaRPr lang="en-US" sz="1200"/>
-                    </a:p>
-                  </a:txBody>
-                  <a:tcPr/>
-                </a:tc>
-                <a:tc>
-                  <a:txBody>
-                    <a:bodyPr/>
-                    <a:lstStyle/>
-                    <a:p>
-                      <a:pPr lvl="0" algn="l">
-                        <a:buNone/>
-                      </a:pPr>
-                      <a:r>
-                        <a:rPr lang="en-US" sz="1200">
-                          <a:effectLst/>
-                        </a:rPr>
-                        <a:t>-0.000445</a:t>
-                      </a:r>
-                      <a:endParaRPr lang="en-US" sz="1200"/>
-                    </a:p>
-                  </a:txBody>
-                  <a:tcPr/>
-                </a:tc>
-                <a:tc>
-                  <a:txBody>
-                    <a:bodyPr/>
-                    <a:lstStyle/>
-                    <a:p>
-                      <a:pPr lvl="0" algn="l">
-                        <a:buNone/>
-                      </a:pPr>
-                      <a:endParaRPr lang="en-US" sz="1200"/>
-                    </a:p>
-                  </a:txBody>
-                  <a:tcPr/>
-                </a:tc>
-                <a:extLst>
-                  <a:ext uri="{0D108BD9-81ED-4DB2-BD59-A6C34878D82A}">
-                    <a16:rowId xmlns:a16="http://schemas.microsoft.com/office/drawing/2014/main" val="1752668170"/>
-                  </a:ext>
-                </a:extLst>
-              </a:tr>
-              <a:tr h="306977">
-                <a:tc>
-                  <a:txBody>
-                    <a:bodyPr/>
-                    <a:lstStyle/>
-                    <a:p>
-                      <a:pPr lvl="0" algn="l">
-                        <a:buNone/>
-                      </a:pPr>
-                      <a:r>
-                        <a:rPr lang="en-US" sz="1200" err="1">
-                          <a:effectLst/>
-                        </a:rPr>
-                        <a:t>engine_displacement</a:t>
-                      </a:r>
-                      <a:endParaRPr lang="en-US" sz="1200"/>
-                    </a:p>
-                  </a:txBody>
-                  <a:tcPr/>
-                </a:tc>
-                <a:tc>
-                  <a:txBody>
-                    <a:bodyPr/>
-                    <a:lstStyle/>
-                    <a:p>
-                      <a:pPr lvl="0" algn="l">
-                        <a:buNone/>
-                      </a:pPr>
-                      <a:r>
-                        <a:rPr lang="en-US" sz="1200">
-                          <a:effectLst/>
-                        </a:rPr>
-                        <a:t>-0.000573</a:t>
-                      </a:r>
-                      <a:endParaRPr lang="en-US" sz="1200"/>
-                    </a:p>
-                  </a:txBody>
-                  <a:tcPr/>
-                </a:tc>
-                <a:tc>
-                  <a:txBody>
-                    <a:bodyPr/>
-                    <a:lstStyle/>
-                    <a:p>
-                      <a:pPr lvl="0" algn="l">
-                        <a:buNone/>
-                      </a:pPr>
-                      <a:endParaRPr lang="en-US" sz="1200"/>
-                    </a:p>
-                  </a:txBody>
-                  <a:tcPr/>
-                </a:tc>
-                <a:extLst>
-                  <a:ext uri="{0D108BD9-81ED-4DB2-BD59-A6C34878D82A}">
-                    <a16:rowId xmlns:a16="http://schemas.microsoft.com/office/drawing/2014/main" val="4051896946"/>
-                  </a:ext>
-                </a:extLst>
-              </a:tr>
-              <a:tr h="306977">
-                <a:tc>
-                  <a:txBody>
-                    <a:bodyPr/>
-                    <a:lstStyle/>
-                    <a:p>
-                      <a:pPr lvl="0" algn="l">
-                        <a:buNone/>
-                      </a:pPr>
-                      <a:r>
-                        <a:rPr lang="en-US" sz="1200" err="1">
-                          <a:effectLst/>
-                        </a:rPr>
-                        <a:t>length_category_idx</a:t>
-                      </a:r>
-                      <a:endParaRPr lang="en-US" sz="1200"/>
-                    </a:p>
-                  </a:txBody>
-                  <a:tcPr/>
-                </a:tc>
-                <a:tc>
-                  <a:txBody>
-                    <a:bodyPr/>
-                    <a:lstStyle/>
-                    <a:p>
-                      <a:pPr lvl="0" algn="l">
-                        <a:buNone/>
-                      </a:pPr>
-                      <a:r>
-                        <a:rPr lang="en-US" sz="1200">
-                          <a:effectLst/>
-                        </a:rPr>
-                        <a:t>-0.000606</a:t>
-                      </a:r>
-                      <a:endParaRPr lang="en-US" sz="1200"/>
-                    </a:p>
-                  </a:txBody>
-                  <a:tcPr/>
-                </a:tc>
-                <a:tc>
-                  <a:txBody>
-                    <a:bodyPr/>
-                    <a:lstStyle/>
-                    <a:p>
-                      <a:pPr lvl="0" algn="l">
-                        <a:buNone/>
-                      </a:pPr>
-                      <a:endParaRPr lang="en-US" sz="1200"/>
-                    </a:p>
-                  </a:txBody>
-                  <a:tcPr/>
-                </a:tc>
-                <a:extLst>
-                  <a:ext uri="{0D108BD9-81ED-4DB2-BD59-A6C34878D82A}">
-                    <a16:rowId xmlns:a16="http://schemas.microsoft.com/office/drawing/2014/main" val="3824145723"/>
-                  </a:ext>
-                </a:extLst>
-              </a:tr>
-              <a:tr h="306977">
-                <a:tc>
-                  <a:txBody>
-                    <a:bodyPr/>
-                    <a:lstStyle/>
-                    <a:p>
-                      <a:pPr lvl="0" algn="l">
-                        <a:buNone/>
-                      </a:pPr>
-                      <a:r>
-                        <a:rPr lang="en-US" sz="1200">
-                          <a:effectLst/>
-                        </a:rPr>
-                        <a:t>mileage</a:t>
-                      </a:r>
-                      <a:endParaRPr lang="en-US" sz="1200"/>
-                    </a:p>
-                  </a:txBody>
-                  <a:tcPr/>
-                </a:tc>
-                <a:tc>
-                  <a:txBody>
-                    <a:bodyPr/>
-                    <a:lstStyle/>
-                    <a:p>
-                      <a:pPr lvl="0" algn="l">
-                        <a:buNone/>
-                      </a:pPr>
-                      <a:r>
-                        <a:rPr lang="en-US" sz="1200">
-                          <a:effectLst/>
-                        </a:rPr>
-                        <a:t>-0.000902</a:t>
-                      </a:r>
-                      <a:endParaRPr lang="en-US" sz="1200"/>
-                    </a:p>
-                  </a:txBody>
-                  <a:tcPr/>
-                </a:tc>
-                <a:tc>
-                  <a:txBody>
-                    <a:bodyPr/>
-                    <a:lstStyle/>
-                    <a:p>
-                      <a:pPr lvl="0" algn="l">
-                        <a:buNone/>
-                      </a:pPr>
-                      <a:endParaRPr lang="en-US" sz="1200"/>
-                    </a:p>
-                  </a:txBody>
-                  <a:tcPr/>
-                </a:tc>
-                <a:extLst>
-                  <a:ext uri="{0D108BD9-81ED-4DB2-BD59-A6C34878D82A}">
-                    <a16:rowId xmlns:a16="http://schemas.microsoft.com/office/drawing/2014/main" val="4149412414"/>
-                  </a:ext>
-                </a:extLst>
-              </a:tr>
-            </a:tbl>
-          </a:graphicData>
-        </a:graphic>
-      </p:graphicFrame>
-    </p:spTree>
-    <p:extLst>
-      <p:ext uri="{BB962C8B-B14F-4D97-AF65-F5344CB8AC3E}">
-        <p14:creationId xmlns:p14="http://schemas.microsoft.com/office/powerpoint/2010/main" val="414876218"/>
-      </p:ext>
-    </p:extLst>
-  </p:cSld>
-  <p:clrMapOvr>
-    <a:masterClrMapping/>
-  </p:clrMapOvr>
-  <mc:AlternateContent xmlns:mc="http://schemas.openxmlformats.org/markup-compatibility/2006" xmlns:p14="http://schemas.microsoft.com/office/powerpoint/2010/main">
-    <mc:Choice Requires="p14">
-      <p:transition spd="slow" p14:dur="2000" advTm="106017"/>
-    </mc:Choice>
-    <mc:Fallback xmlns="">
-      <p:transition spd="slow" advTm="106017"/>
-    </mc:Fallback>
-  </mc:AlternateContent>
-</p:sld>
-</file>
-
-<file path=ppt/slides/slide14.xml><?xml version="1.0" encoding="utf-8"?>
-<p:sld xmlns:a="http://schemas.openxmlformats.org/drawingml/2006/main" xmlns:r="http://schemas.openxmlformats.org/officeDocument/2006/relationships" xmlns:p="http://schemas.openxmlformats.org/presentationml/2006/main">
-  <p:cSld>
-    <p:spTree>
-      <p:nvGrpSpPr>
-        <p:cNvPr id="1" name=""/>
-        <p:cNvGrpSpPr/>
-        <p:nvPr/>
-      </p:nvGrpSpPr>
-      <p:grpSpPr>
-        <a:xfrm>
-          <a:off x="0" y="0"/>
-          <a:ext cx="0" cy="0"/>
-          <a:chOff x="0" y="0"/>
-          <a:chExt cx="0" cy="0"/>
-        </a:xfrm>
-      </p:grpSpPr>
-      <p:sp>
-        <p:nvSpPr>
-          <p:cNvPr id="3" name="Title 2"/>
-          <p:cNvSpPr>
-            <a:spLocks noGrp="1"/>
-          </p:cNvSpPr>
-          <p:nvPr>
-            <p:ph type="title"/>
-          </p:nvPr>
-        </p:nvSpPr>
-        <p:spPr>
-          <a:xfrm>
-            <a:off x="0" y="0"/>
-            <a:ext cx="9144000" cy="639762"/>
-          </a:xfrm>
-        </p:spPr>
-        <p:txBody>
-          <a:bodyPr>
-            <a:normAutofit fontScale="90000"/>
-          </a:bodyPr>
-          <a:lstStyle/>
-          <a:p>
-            <a:r>
-              <a:rPr lang="en-US">
-                <a:solidFill>
-                  <a:srgbClr val="304CB2"/>
-                </a:solidFill>
-              </a:rPr>
-              <a:t>Used Vehicle Buying</a:t>
-            </a:r>
-          </a:p>
-        </p:txBody>
-      </p:sp>
-      <p:sp>
-        <p:nvSpPr>
-          <p:cNvPr id="4" name="Slide Number Placeholder 3"/>
-          <p:cNvSpPr>
-            <a:spLocks noGrp="1"/>
-          </p:cNvSpPr>
-          <p:nvPr>
-            <p:ph type="sldNum" sz="quarter" idx="12"/>
-          </p:nvPr>
-        </p:nvSpPr>
-        <p:spPr>
-          <a:xfrm>
-            <a:off x="70208" y="6400800"/>
-            <a:ext cx="419100" cy="381000"/>
-          </a:xfrm>
-        </p:spPr>
-        <p:txBody>
-          <a:bodyPr/>
-          <a:lstStyle/>
-          <a:p>
-            <a:fld id="{86F4255C-5B9E-4286-A6CA-8C7DE48236D7}" type="slidenum">
-              <a:rPr lang="en-US" sz="1100" smtClean="0">
-                <a:latin typeface="Arial" panose="020B0604020202020204" pitchFamily="34" charset="0"/>
-                <a:cs typeface="Arial" panose="020B0604020202020204" pitchFamily="34" charset="0"/>
-              </a:rPr>
-              <a:pPr/>
-              <a:t>14</a:t>
-            </a:fld>
-            <a:endParaRPr lang="en-US" sz="1100">
-              <a:latin typeface="Arial" panose="020B0604020202020204" pitchFamily="34" charset="0"/>
-              <a:cs typeface="Arial" panose="020B0604020202020204" pitchFamily="34" charset="0"/>
-            </a:endParaRPr>
-          </a:p>
-        </p:txBody>
-      </p:sp>
-      <p:sp>
-        <p:nvSpPr>
-          <p:cNvPr id="5" name="Text Placeholder 4"/>
-          <p:cNvSpPr>
-            <a:spLocks noGrp="1"/>
-          </p:cNvSpPr>
-          <p:nvPr>
-            <p:ph type="body" sz="quarter" idx="13"/>
-          </p:nvPr>
-        </p:nvSpPr>
-        <p:spPr/>
-        <p:txBody>
-          <a:bodyPr vert="horz" lIns="228600" tIns="137160" rIns="91440" bIns="45720" rtlCol="0" anchor="t">
-            <a:normAutofit lnSpcReduction="10000"/>
-          </a:bodyPr>
-          <a:lstStyle/>
-          <a:p>
-            <a:r>
-              <a:rPr lang="en-US">
-                <a:latin typeface="Arial"/>
-                <a:cs typeface="Arial"/>
-              </a:rPr>
-              <a:t>Modeling and Prediction (2 of 4)</a:t>
-            </a:r>
-          </a:p>
-        </p:txBody>
-      </p:sp>
-      <p:sp>
-        <p:nvSpPr>
-          <p:cNvPr id="6" name="TextBox 5">
-            <a:extLst>
-              <a:ext uri="{FF2B5EF4-FFF2-40B4-BE49-F238E27FC236}">
-                <a16:creationId xmlns:a16="http://schemas.microsoft.com/office/drawing/2014/main" id="{1576299B-8A9F-4B72-8C2A-B9D8F7D9AA5D}"/>
-              </a:ext>
-            </a:extLst>
-          </p:cNvPr>
-          <p:cNvSpPr txBox="1"/>
-          <p:nvPr/>
-        </p:nvSpPr>
-        <p:spPr>
-          <a:xfrm>
-            <a:off x="118720" y="1164879"/>
-            <a:ext cx="8991600" cy="923330"/>
-          </a:xfrm>
-          <a:prstGeom prst="rect">
-            <a:avLst/>
-          </a:prstGeom>
-          <a:noFill/>
-        </p:spPr>
-        <p:txBody>
-          <a:bodyPr wrap="square" rtlCol="0" anchor="t">
-            <a:spAutoFit/>
-          </a:bodyPr>
-          <a:lstStyle/>
-          <a:p>
-            <a:r>
-              <a:rPr lang="en-US" b="1">
-                <a:latin typeface="Arial" panose="020B0604020202020204" pitchFamily="34" charset="0"/>
-                <a:ea typeface="+mn-lt"/>
-                <a:cs typeface="Arial" panose="020B0604020202020204" pitchFamily="34" charset="0"/>
-              </a:rPr>
-              <a:t>Random Forest</a:t>
-            </a:r>
-          </a:p>
-          <a:p>
-            <a:pPr marL="285750" indent="-285750">
-              <a:buFont typeface="Arial" panose="020B0604020202020204" pitchFamily="34" charset="0"/>
-              <a:buChar char="•"/>
-            </a:pPr>
-            <a:r>
-              <a:rPr lang="en-US">
-                <a:latin typeface="Arial" panose="020B0604020202020204" pitchFamily="34" charset="0"/>
-                <a:ea typeface="+mn-lt"/>
-                <a:cs typeface="Arial" panose="020B0604020202020204" pitchFamily="34" charset="0"/>
-              </a:rPr>
-              <a:t>Utilized </a:t>
-            </a:r>
-            <a:r>
-              <a:rPr lang="en-US" err="1">
-                <a:latin typeface="Arial" panose="020B0604020202020204" pitchFamily="34" charset="0"/>
-                <a:ea typeface="+mn-lt"/>
-                <a:cs typeface="Arial" panose="020B0604020202020204" pitchFamily="34" charset="0"/>
-              </a:rPr>
-              <a:t>Kmeans</a:t>
-            </a:r>
-            <a:endParaRPr lang="en-US">
-              <a:latin typeface="Arial" panose="020B0604020202020204" pitchFamily="34" charset="0"/>
-              <a:ea typeface="+mn-lt"/>
-              <a:cs typeface="Arial" panose="020B0604020202020204" pitchFamily="34" charset="0"/>
-            </a:endParaRPr>
-          </a:p>
-          <a:p>
-            <a:pPr marL="285750" indent="-285750">
-              <a:buFont typeface="Arial" panose="020B0604020202020204" pitchFamily="34" charset="0"/>
-              <a:buChar char="•"/>
-            </a:pPr>
-            <a:r>
-              <a:rPr lang="en-US">
-                <a:latin typeface="Arial" panose="020B0604020202020204" pitchFamily="34" charset="0"/>
-                <a:ea typeface="+mn-lt"/>
-                <a:cs typeface="Arial" panose="020B0604020202020204" pitchFamily="34" charset="0"/>
-              </a:rPr>
-              <a:t>Plotted and looked for “elbow”</a:t>
-            </a:r>
-            <a:endParaRPr lang="en-US">
-              <a:latin typeface="Arial" panose="020B0604020202020204" pitchFamily="34" charset="0"/>
-              <a:cs typeface="Arial" panose="020B0604020202020204" pitchFamily="34" charset="0"/>
-            </a:endParaRPr>
-          </a:p>
-        </p:txBody>
-      </p:sp>
-      <p:pic>
-        <p:nvPicPr>
-          <p:cNvPr id="14" name="Picture 13">
-            <a:extLst>
-              <a:ext uri="{FF2B5EF4-FFF2-40B4-BE49-F238E27FC236}">
-                <a16:creationId xmlns:a16="http://schemas.microsoft.com/office/drawing/2014/main" id="{13351C37-9868-4216-814B-35BB4C369E9D}"/>
-              </a:ext>
-            </a:extLst>
-          </p:cNvPr>
-          <p:cNvPicPr>
-            <a:picLocks noChangeAspect="1"/>
-          </p:cNvPicPr>
-          <p:nvPr/>
-        </p:nvPicPr>
-        <p:blipFill>
-          <a:blip r:embed="rId2"/>
-          <a:stretch>
-            <a:fillRect/>
-          </a:stretch>
-        </p:blipFill>
-        <p:spPr>
-          <a:xfrm>
-            <a:off x="5212080" y="1010919"/>
-            <a:ext cx="3360414" cy="3369545"/>
-          </a:xfrm>
-          <a:prstGeom prst="rect">
-            <a:avLst/>
-          </a:prstGeom>
-        </p:spPr>
-      </p:pic>
-    </p:spTree>
-    <p:extLst>
-      <p:ext uri="{BB962C8B-B14F-4D97-AF65-F5344CB8AC3E}">
-        <p14:creationId xmlns:p14="http://schemas.microsoft.com/office/powerpoint/2010/main" val="627733012"/>
-      </p:ext>
-    </p:extLst>
-  </p:cSld>
-  <p:clrMapOvr>
-    <a:masterClrMapping/>
-  </p:clrMapOvr>
-  <mc:AlternateContent xmlns:mc="http://schemas.openxmlformats.org/markup-compatibility/2006" xmlns:p14="http://schemas.microsoft.com/office/powerpoint/2010/main">
-    <mc:Choice Requires="p14">
-      <p:transition spd="slow" p14:dur="2000" advTm="136759"/>
-    </mc:Choice>
-    <mc:Fallback xmlns="">
-      <p:transition spd="slow" advTm="136759"/>
-    </mc:Fallback>
-  </mc:AlternateContent>
-</p:sld>
-</file>
-
-<file path=ppt/slides/slide15.xml><?xml version="1.0" encoding="utf-8"?>
-<p:sld xmlns:a="http://schemas.openxmlformats.org/drawingml/2006/main" xmlns:r="http://schemas.openxmlformats.org/officeDocument/2006/relationships" xmlns:p="http://schemas.openxmlformats.org/presentationml/2006/main">
-  <p:cSld>
-    <p:spTree>
-      <p:nvGrpSpPr>
-        <p:cNvPr id="1" name=""/>
-        <p:cNvGrpSpPr/>
-        <p:nvPr/>
-      </p:nvGrpSpPr>
-      <p:grpSpPr>
-        <a:xfrm>
-          <a:off x="0" y="0"/>
-          <a:ext cx="0" cy="0"/>
-          <a:chOff x="0" y="0"/>
-          <a:chExt cx="0" cy="0"/>
-        </a:xfrm>
-      </p:grpSpPr>
-      <p:sp>
-        <p:nvSpPr>
-          <p:cNvPr id="3" name="Title 2"/>
-          <p:cNvSpPr>
-            <a:spLocks noGrp="1"/>
-          </p:cNvSpPr>
-          <p:nvPr>
-            <p:ph type="title"/>
-          </p:nvPr>
-        </p:nvSpPr>
-        <p:spPr>
-          <a:xfrm>
-            <a:off x="0" y="0"/>
-            <a:ext cx="9144000" cy="639762"/>
-          </a:xfrm>
-        </p:spPr>
-        <p:txBody>
-          <a:bodyPr>
-            <a:normAutofit fontScale="90000"/>
-          </a:bodyPr>
-          <a:lstStyle/>
-          <a:p>
-            <a:r>
-              <a:rPr lang="en-US">
-                <a:solidFill>
-                  <a:srgbClr val="304CB2"/>
-                </a:solidFill>
-              </a:rPr>
-              <a:t>Used Vehicle Buying</a:t>
-            </a:r>
-          </a:p>
-        </p:txBody>
-      </p:sp>
-      <p:sp>
-        <p:nvSpPr>
-          <p:cNvPr id="4" name="Slide Number Placeholder 3"/>
-          <p:cNvSpPr>
-            <a:spLocks noGrp="1"/>
-          </p:cNvSpPr>
-          <p:nvPr>
-            <p:ph type="sldNum" sz="quarter" idx="12"/>
-          </p:nvPr>
-        </p:nvSpPr>
-        <p:spPr>
-          <a:xfrm>
-            <a:off x="70208" y="6400800"/>
-            <a:ext cx="419100" cy="381000"/>
-          </a:xfrm>
-        </p:spPr>
-        <p:txBody>
-          <a:bodyPr/>
-          <a:lstStyle/>
-          <a:p>
-            <a:fld id="{86F4255C-5B9E-4286-A6CA-8C7DE48236D7}" type="slidenum">
-              <a:rPr lang="en-US" sz="1100" smtClean="0">
-                <a:latin typeface="Arial" panose="020B0604020202020204" pitchFamily="34" charset="0"/>
-                <a:cs typeface="Arial" panose="020B0604020202020204" pitchFamily="34" charset="0"/>
-              </a:rPr>
-              <a:pPr/>
-              <a:t>15</a:t>
-            </a:fld>
-            <a:endParaRPr lang="en-US" sz="1100">
-              <a:latin typeface="Arial" panose="020B0604020202020204" pitchFamily="34" charset="0"/>
-              <a:cs typeface="Arial" panose="020B0604020202020204" pitchFamily="34" charset="0"/>
-            </a:endParaRPr>
-          </a:p>
-        </p:txBody>
-      </p:sp>
-      <p:sp>
-        <p:nvSpPr>
-          <p:cNvPr id="5" name="Text Placeholder 4"/>
-          <p:cNvSpPr>
-            <a:spLocks noGrp="1"/>
-          </p:cNvSpPr>
-          <p:nvPr>
-            <p:ph type="body" sz="quarter" idx="13"/>
-          </p:nvPr>
-        </p:nvSpPr>
-        <p:spPr/>
-        <p:txBody>
-          <a:bodyPr vert="horz" lIns="228600" tIns="137160" rIns="91440" bIns="45720" rtlCol="0" anchor="t">
-            <a:normAutofit lnSpcReduction="10000"/>
-          </a:bodyPr>
-          <a:lstStyle/>
-          <a:p>
-            <a:r>
-              <a:rPr lang="en-US">
-                <a:latin typeface="Arial"/>
-                <a:cs typeface="Arial"/>
-              </a:rPr>
-              <a:t>Modeling and Prediction (3 of 4)</a:t>
-            </a:r>
-          </a:p>
-        </p:txBody>
-      </p:sp>
-      <p:sp>
-        <p:nvSpPr>
-          <p:cNvPr id="6" name="TextBox 5">
-            <a:extLst>
-              <a:ext uri="{FF2B5EF4-FFF2-40B4-BE49-F238E27FC236}">
-                <a16:creationId xmlns:a16="http://schemas.microsoft.com/office/drawing/2014/main" id="{1576299B-8A9F-4B72-8C2A-B9D8F7D9AA5D}"/>
-              </a:ext>
-            </a:extLst>
-          </p:cNvPr>
-          <p:cNvSpPr txBox="1"/>
-          <p:nvPr/>
-        </p:nvSpPr>
-        <p:spPr>
-          <a:xfrm>
-            <a:off x="118720" y="1164879"/>
-            <a:ext cx="8991600" cy="923330"/>
-          </a:xfrm>
-          <a:prstGeom prst="rect">
-            <a:avLst/>
-          </a:prstGeom>
-          <a:noFill/>
-        </p:spPr>
-        <p:txBody>
-          <a:bodyPr wrap="square" rtlCol="0" anchor="t">
-            <a:spAutoFit/>
-          </a:bodyPr>
-          <a:lstStyle/>
-          <a:p>
-            <a:r>
-              <a:rPr lang="en-US" b="1">
-                <a:latin typeface="Arial" panose="020B0604020202020204" pitchFamily="34" charset="0"/>
-                <a:ea typeface="+mn-lt"/>
-                <a:cs typeface="Arial" panose="020B0604020202020204" pitchFamily="34" charset="0"/>
-              </a:rPr>
-              <a:t>Cluster Analysis</a:t>
-            </a:r>
-          </a:p>
-          <a:p>
-            <a:pPr marL="285750" indent="-285750">
-              <a:buFont typeface="Arial" panose="020B0604020202020204" pitchFamily="34" charset="0"/>
-              <a:buChar char="•"/>
-            </a:pPr>
-            <a:r>
-              <a:rPr lang="en-US">
-                <a:latin typeface="Arial" panose="020B0604020202020204" pitchFamily="34" charset="0"/>
-                <a:ea typeface="+mn-lt"/>
-                <a:cs typeface="Arial" panose="020B0604020202020204" pitchFamily="34" charset="0"/>
-              </a:rPr>
-              <a:t>Utilized </a:t>
-            </a:r>
-            <a:r>
-              <a:rPr lang="en-US" err="1">
-                <a:latin typeface="Arial" panose="020B0604020202020204" pitchFamily="34" charset="0"/>
-                <a:ea typeface="+mn-lt"/>
-                <a:cs typeface="Arial" panose="020B0604020202020204" pitchFamily="34" charset="0"/>
-              </a:rPr>
-              <a:t>Kmeans</a:t>
-            </a:r>
-            <a:endParaRPr lang="en-US">
-              <a:latin typeface="Arial" panose="020B0604020202020204" pitchFamily="34" charset="0"/>
-              <a:ea typeface="+mn-lt"/>
-              <a:cs typeface="Arial" panose="020B0604020202020204" pitchFamily="34" charset="0"/>
-            </a:endParaRPr>
-          </a:p>
-          <a:p>
-            <a:pPr marL="285750" indent="-285750">
-              <a:buFont typeface="Arial" panose="020B0604020202020204" pitchFamily="34" charset="0"/>
-              <a:buChar char="•"/>
-            </a:pPr>
-            <a:r>
-              <a:rPr lang="en-US">
-                <a:latin typeface="Arial" panose="020B0604020202020204" pitchFamily="34" charset="0"/>
-                <a:ea typeface="+mn-lt"/>
-                <a:cs typeface="Arial" panose="020B0604020202020204" pitchFamily="34" charset="0"/>
-              </a:rPr>
-              <a:t>Plotted and looked for “elbow”</a:t>
-            </a:r>
-            <a:endParaRPr lang="en-US">
-              <a:latin typeface="Arial" panose="020B0604020202020204" pitchFamily="34" charset="0"/>
-              <a:cs typeface="Arial" panose="020B0604020202020204" pitchFamily="34" charset="0"/>
-            </a:endParaRPr>
-          </a:p>
-        </p:txBody>
-      </p:sp>
-      <p:pic>
-        <p:nvPicPr>
-          <p:cNvPr id="2" name="Picture 1">
-            <a:extLst>
-              <a:ext uri="{FF2B5EF4-FFF2-40B4-BE49-F238E27FC236}">
-                <a16:creationId xmlns:a16="http://schemas.microsoft.com/office/drawing/2014/main" id="{FCCE4413-D58B-4198-BC74-22409399072D}"/>
-              </a:ext>
-            </a:extLst>
-          </p:cNvPr>
-          <p:cNvPicPr>
-            <a:picLocks noChangeAspect="1"/>
-          </p:cNvPicPr>
-          <p:nvPr/>
-        </p:nvPicPr>
-        <p:blipFill>
-          <a:blip r:embed="rId2"/>
-          <a:stretch>
-            <a:fillRect/>
-          </a:stretch>
-        </p:blipFill>
-        <p:spPr>
-          <a:xfrm>
-            <a:off x="99633" y="2117271"/>
-            <a:ext cx="3502087" cy="2273068"/>
-          </a:xfrm>
-          <a:prstGeom prst="rect">
-            <a:avLst/>
-          </a:prstGeom>
-        </p:spPr>
-      </p:pic>
-      <p:sp>
-        <p:nvSpPr>
-          <p:cNvPr id="13" name="Rectangle 12">
-            <a:extLst>
-              <a:ext uri="{FF2B5EF4-FFF2-40B4-BE49-F238E27FC236}">
-                <a16:creationId xmlns:a16="http://schemas.microsoft.com/office/drawing/2014/main" id="{7E94FDB5-4277-4478-8DB0-74A19AE12290}"/>
-              </a:ext>
-            </a:extLst>
-          </p:cNvPr>
-          <p:cNvSpPr/>
-          <p:nvPr/>
-        </p:nvSpPr>
-        <p:spPr>
-          <a:xfrm>
-            <a:off x="396240" y="4467324"/>
-            <a:ext cx="7772400" cy="1826141"/>
-          </a:xfrm>
-          <a:prstGeom prst="rect">
-            <a:avLst/>
-          </a:prstGeom>
-        </p:spPr>
-        <p:txBody>
-          <a:bodyPr wrap="square">
-            <a:spAutoFit/>
-          </a:bodyPr>
-          <a:lstStyle/>
-          <a:p>
-            <a:pPr>
-              <a:spcAft>
-                <a:spcPts val="1000"/>
-              </a:spcAft>
-            </a:pPr>
-            <a:r>
-              <a:rPr lang="en-US" sz="1200" b="1">
-                <a:latin typeface="Arial" panose="020B0604020202020204" pitchFamily="34" charset="0"/>
-                <a:ea typeface="Calibri" panose="020F0502020204030204" pitchFamily="34" charset="0"/>
-                <a:cs typeface="Times New Roman" panose="02020603050405020304" pitchFamily="18" charset="0"/>
-              </a:rPr>
-              <a:t>Cluster 0: </a:t>
-            </a:r>
-            <a:r>
-              <a:rPr lang="en-US" sz="1200">
-                <a:latin typeface="Arial" panose="020B0604020202020204" pitchFamily="34" charset="0"/>
-                <a:ea typeface="Calibri" panose="020F0502020204030204" pitchFamily="34" charset="0"/>
-                <a:cs typeface="Times New Roman" panose="02020603050405020304" pitchFamily="18" charset="0"/>
-              </a:rPr>
-              <a:t>Consist of accidents that lead to injury, occur primarily during the day, least likely to occur during rough water conditions, and least likely to occur during poor visibility.</a:t>
-            </a:r>
-            <a:endParaRPr lang="en-US" sz="1200">
-              <a:latin typeface="Calibri" panose="020F0502020204030204" pitchFamily="34" charset="0"/>
-              <a:ea typeface="Calibri" panose="020F0502020204030204" pitchFamily="34" charset="0"/>
-              <a:cs typeface="Times New Roman" panose="02020603050405020304" pitchFamily="18" charset="0"/>
-            </a:endParaRPr>
-          </a:p>
-          <a:p>
-            <a:pPr>
-              <a:spcAft>
-                <a:spcPts val="1000"/>
-              </a:spcAft>
-            </a:pPr>
-            <a:r>
-              <a:rPr lang="en-US" sz="1200" b="1">
-                <a:latin typeface="Arial" panose="020B0604020202020204" pitchFamily="34" charset="0"/>
-                <a:ea typeface="Calibri" panose="020F0502020204030204" pitchFamily="34" charset="0"/>
-                <a:cs typeface="Times New Roman" panose="02020603050405020304" pitchFamily="18" charset="0"/>
-              </a:rPr>
-              <a:t>Cluster 1: </a:t>
-            </a:r>
-            <a:r>
-              <a:rPr lang="en-US" sz="1200">
-                <a:latin typeface="Arial" panose="020B0604020202020204" pitchFamily="34" charset="0"/>
-                <a:ea typeface="Calibri" panose="020F0502020204030204" pitchFamily="34" charset="0"/>
-                <a:cs typeface="Times New Roman" panose="02020603050405020304" pitchFamily="18" charset="0"/>
-              </a:rPr>
-              <a:t>Consists of accidents that did not lead to death, and may or may not have lead to injury, occur during the day, due not usually occur during rough water or poor visibility (but are more likely than cluster 0 to occur during rough water and poor visibility conditions). </a:t>
-            </a:r>
-            <a:endParaRPr lang="en-US" sz="1200">
-              <a:latin typeface="Calibri" panose="020F0502020204030204" pitchFamily="34" charset="0"/>
-              <a:ea typeface="Calibri" panose="020F0502020204030204" pitchFamily="34" charset="0"/>
-              <a:cs typeface="Times New Roman" panose="02020603050405020304" pitchFamily="18" charset="0"/>
-            </a:endParaRPr>
-          </a:p>
-          <a:p>
-            <a:pPr>
-              <a:spcAft>
-                <a:spcPts val="1000"/>
-              </a:spcAft>
-            </a:pPr>
-            <a:r>
-              <a:rPr lang="en-US" sz="1200" b="1">
-                <a:latin typeface="Arial" panose="020B0604020202020204" pitchFamily="34" charset="0"/>
-                <a:ea typeface="Calibri" panose="020F0502020204030204" pitchFamily="34" charset="0"/>
-                <a:cs typeface="Times New Roman" panose="02020603050405020304" pitchFamily="18" charset="0"/>
-              </a:rPr>
-              <a:t>Cluster 2: </a:t>
-            </a:r>
-            <a:r>
-              <a:rPr lang="en-US" sz="1200">
-                <a:latin typeface="Arial" panose="020B0604020202020204" pitchFamily="34" charset="0"/>
-                <a:ea typeface="Calibri" panose="020F0502020204030204" pitchFamily="34" charset="0"/>
-                <a:cs typeface="Times New Roman" panose="02020603050405020304" pitchFamily="18" charset="0"/>
-              </a:rPr>
-              <a:t>Consists of accidents that lead to death, often have injuries, occur primarily during the day but are more likely than the other clusters to occur during the night, more likely than the other clusters to occur during rough water conditions, and more likely than the other clusters to occur during poor visibility.</a:t>
-            </a:r>
-            <a:endParaRPr lang="en-US" sz="1200">
-              <a:effectLst/>
-              <a:latin typeface="Calibri" panose="020F0502020204030204" pitchFamily="34" charset="0"/>
-              <a:ea typeface="Calibri" panose="020F0502020204030204" pitchFamily="34" charset="0"/>
-              <a:cs typeface="Times New Roman" panose="02020603050405020304" pitchFamily="18" charset="0"/>
-            </a:endParaRPr>
-          </a:p>
-        </p:txBody>
-      </p:sp>
-      <p:pic>
-        <p:nvPicPr>
-          <p:cNvPr id="14" name="Picture 13">
-            <a:extLst>
-              <a:ext uri="{FF2B5EF4-FFF2-40B4-BE49-F238E27FC236}">
-                <a16:creationId xmlns:a16="http://schemas.microsoft.com/office/drawing/2014/main" id="{13351C37-9868-4216-814B-35BB4C369E9D}"/>
-              </a:ext>
-            </a:extLst>
-          </p:cNvPr>
-          <p:cNvPicPr>
-            <a:picLocks noChangeAspect="1"/>
-          </p:cNvPicPr>
-          <p:nvPr/>
-        </p:nvPicPr>
-        <p:blipFill>
-          <a:blip r:embed="rId3"/>
-          <a:stretch>
-            <a:fillRect/>
-          </a:stretch>
-        </p:blipFill>
-        <p:spPr>
-          <a:xfrm>
-            <a:off x="5212080" y="1010919"/>
-            <a:ext cx="3360414" cy="3369545"/>
-          </a:xfrm>
-          <a:prstGeom prst="rect">
-            <a:avLst/>
-          </a:prstGeom>
-        </p:spPr>
-      </p:pic>
-    </p:spTree>
-    <p:extLst>
-      <p:ext uri="{BB962C8B-B14F-4D97-AF65-F5344CB8AC3E}">
-        <p14:creationId xmlns:p14="http://schemas.microsoft.com/office/powerpoint/2010/main" val="2349914428"/>
-      </p:ext>
-    </p:extLst>
-  </p:cSld>
-  <p:clrMapOvr>
-    <a:masterClrMapping/>
-  </p:clrMapOvr>
-  <mc:AlternateContent xmlns:mc="http://schemas.openxmlformats.org/markup-compatibility/2006" xmlns:p14="http://schemas.microsoft.com/office/powerpoint/2010/main">
-    <mc:Choice Requires="p14">
-      <p:transition spd="slow" p14:dur="2000" advTm="136759"/>
-    </mc:Choice>
-    <mc:Fallback xmlns="">
-      <p:transition spd="slow" advTm="136759"/>
-    </mc:Fallback>
-  </mc:AlternateContent>
-</p:sld>
-</file>
-
-<file path=ppt/slides/slide16.xml><?xml version="1.0" encoding="utf-8"?>
-<p:sld xmlns:a="http://schemas.openxmlformats.org/drawingml/2006/main" xmlns:r="http://schemas.openxmlformats.org/officeDocument/2006/relationships" xmlns:p="http://schemas.openxmlformats.org/presentationml/2006/main">
-  <p:cSld>
-    <p:spTree>
-      <p:nvGrpSpPr>
-        <p:cNvPr id="1" name=""/>
-        <p:cNvGrpSpPr/>
-        <p:nvPr/>
-      </p:nvGrpSpPr>
-      <p:grpSpPr>
-        <a:xfrm>
-          <a:off x="0" y="0"/>
-          <a:ext cx="0" cy="0"/>
-          <a:chOff x="0" y="0"/>
-          <a:chExt cx="0" cy="0"/>
-        </a:xfrm>
-      </p:grpSpPr>
-      <p:sp>
-        <p:nvSpPr>
-          <p:cNvPr id="3" name="Title 2"/>
-          <p:cNvSpPr>
-            <a:spLocks noGrp="1"/>
-          </p:cNvSpPr>
-          <p:nvPr>
-            <p:ph type="title"/>
-          </p:nvPr>
-        </p:nvSpPr>
-        <p:spPr>
-          <a:xfrm>
-            <a:off x="0" y="0"/>
-            <a:ext cx="9144000" cy="639762"/>
-          </a:xfrm>
-        </p:spPr>
-        <p:txBody>
-          <a:bodyPr>
-            <a:normAutofit fontScale="90000"/>
-          </a:bodyPr>
-          <a:lstStyle/>
-          <a:p>
-            <a:r>
-              <a:rPr lang="en-US">
-                <a:solidFill>
-                  <a:srgbClr val="304CB2"/>
-                </a:solidFill>
-              </a:rPr>
-              <a:t>Used Vehicle Buying</a:t>
-            </a:r>
-          </a:p>
-        </p:txBody>
-      </p:sp>
-      <p:sp>
-        <p:nvSpPr>
-          <p:cNvPr id="4" name="Slide Number Placeholder 3"/>
-          <p:cNvSpPr>
-            <a:spLocks noGrp="1"/>
-          </p:cNvSpPr>
-          <p:nvPr>
-            <p:ph type="sldNum" sz="quarter" idx="12"/>
-          </p:nvPr>
-        </p:nvSpPr>
-        <p:spPr>
-          <a:xfrm>
-            <a:off x="70208" y="6400800"/>
-            <a:ext cx="419100" cy="381000"/>
-          </a:xfrm>
-        </p:spPr>
-        <p:txBody>
-          <a:bodyPr/>
-          <a:lstStyle/>
-          <a:p>
-            <a:fld id="{86F4255C-5B9E-4286-A6CA-8C7DE48236D7}" type="slidenum">
-              <a:rPr lang="en-US" sz="1100" smtClean="0">
-                <a:latin typeface="Arial" panose="020B0604020202020204" pitchFamily="34" charset="0"/>
-                <a:cs typeface="Arial" panose="020B0604020202020204" pitchFamily="34" charset="0"/>
-              </a:rPr>
-              <a:pPr/>
-              <a:t>16</a:t>
-            </a:fld>
-            <a:endParaRPr lang="en-US" sz="1100">
-              <a:latin typeface="Arial" panose="020B0604020202020204" pitchFamily="34" charset="0"/>
-              <a:cs typeface="Arial" panose="020B0604020202020204" pitchFamily="34" charset="0"/>
-            </a:endParaRPr>
-          </a:p>
-        </p:txBody>
-      </p:sp>
-      <p:sp>
-        <p:nvSpPr>
-          <p:cNvPr id="5" name="Text Placeholder 4"/>
-          <p:cNvSpPr>
-            <a:spLocks noGrp="1"/>
-          </p:cNvSpPr>
-          <p:nvPr>
-            <p:ph type="body" sz="quarter" idx="13"/>
-          </p:nvPr>
-        </p:nvSpPr>
-        <p:spPr/>
-        <p:txBody>
-          <a:bodyPr vert="horz" lIns="228600" tIns="137160" rIns="91440" bIns="45720" rtlCol="0" anchor="t">
-            <a:normAutofit lnSpcReduction="10000"/>
-          </a:bodyPr>
-          <a:lstStyle/>
-          <a:p>
-            <a:r>
-              <a:rPr lang="en-US">
-                <a:latin typeface="Arial"/>
-                <a:cs typeface="Arial"/>
-              </a:rPr>
-              <a:t>Fleet Prediction Analysis (4 of 4)</a:t>
+              <a:t>Fleet Prediction Analysis (3 of 3)</a:t>
             </a:r>
           </a:p>
         </p:txBody>
@@ -11187,7 +9488,7 @@
 </p:sld>
 </file>
 
-<file path=ppt/slides/slide17.xml><?xml version="1.0" encoding="utf-8"?>
+<file path=ppt/slides/slide14.xml><?xml version="1.0" encoding="utf-8"?>
 <p:sld xmlns:a="http://schemas.openxmlformats.org/drawingml/2006/main" xmlns:r="http://schemas.openxmlformats.org/officeDocument/2006/relationships" xmlns:p="http://schemas.openxmlformats.org/presentationml/2006/main">
   <p:cSld>
     <p:spTree>
@@ -11267,7 +9568,7 @@
             <a:fld id="{86F4255C-5B9E-4286-A6CA-8C7DE48236D7}" type="slidenum">
               <a:rPr lang="en-US" smtClean="0"/>
               <a:pPr/>
-              <a:t>17</a:t>
+              <a:t>14</a:t>
             </a:fld>
             <a:endParaRPr lang="en-US"/>
           </a:p>
@@ -11322,12 +9623,12 @@
         <p:spPr>
           <a:xfrm>
             <a:off x="135612" y="1165224"/>
-            <a:ext cx="7876817" cy="4744086"/>
+            <a:ext cx="8389552" cy="5100859"/>
           </a:xfrm>
         </p:spPr>
         <p:txBody>
           <a:bodyPr vert="horz" lIns="91440" tIns="45720" rIns="91440" bIns="45720" rtlCol="0" anchor="t">
-            <a:normAutofit/>
+            <a:normAutofit lnSpcReduction="10000"/>
           </a:bodyPr>
           <a:lstStyle/>
           <a:p>
@@ -11335,29 +9636,159 @@
               <a:buNone/>
             </a:pPr>
             <a:r>
-              <a:rPr lang="en-US">
+              <a:rPr lang="en-US" dirty="0">
+                <a:solidFill>
+                  <a:schemeClr val="tx1"/>
+                </a:solidFill>
                 <a:latin typeface="Arial"/>
                 <a:cs typeface="Arial"/>
               </a:rPr>
-              <a:t>Summary of Modeling</a:t>
-            </a:r>
-            <a:endParaRPr lang="en-US"/>
-          </a:p>
-          <a:p>
-            <a:r>
-              <a:rPr lang="en-US" sz="2400">
+              <a:t>Summary of Achievement</a:t>
+            </a:r>
+            <a:endParaRPr lang="en-US" dirty="0">
+              <a:solidFill>
+                <a:schemeClr val="tx1"/>
+              </a:solidFill>
+            </a:endParaRPr>
+          </a:p>
+          <a:p>
+            <a:r>
+              <a:rPr lang="en-US" sz="2400" dirty="0">
+                <a:solidFill>
+                  <a:schemeClr val="tx1"/>
+                </a:solidFill>
                 <a:latin typeface="Arial"/>
                 <a:cs typeface="Arial"/>
               </a:rPr>
-              <a:t>With respect to modeling price, it appears our best model was _________________</a:t>
-            </a:r>
-            <a:endParaRPr lang="en-US" sz="2400"/>
-          </a:p>
-          <a:p>
-            <a:pPr marL="0" indent="0">
-              <a:buNone/>
-            </a:pPr>
-            <a:endParaRPr lang="en-US"/>
+              <a:t>Inference</a:t>
+            </a:r>
+          </a:p>
+          <a:p>
+            <a:pPr lvl="1"/>
+            <a:r>
+              <a:rPr lang="en-US" sz="2000" dirty="0">
+                <a:solidFill>
+                  <a:schemeClr val="tx1"/>
+                </a:solidFill>
+                <a:latin typeface="Arial"/>
+                <a:cs typeface="Arial"/>
+              </a:rPr>
+              <a:t>Regression Models converged on important features</a:t>
+            </a:r>
+          </a:p>
+          <a:p>
+            <a:pPr lvl="1"/>
+            <a:r>
+              <a:rPr lang="en-US" sz="2000" dirty="0">
+                <a:solidFill>
+                  <a:schemeClr val="tx1"/>
+                </a:solidFill>
+                <a:latin typeface="Arial"/>
+                <a:cs typeface="Arial"/>
+              </a:rPr>
+              <a:t>Fleet Use:</a:t>
+            </a:r>
+          </a:p>
+          <a:p>
+            <a:pPr lvl="2"/>
+            <a:r>
+              <a:rPr lang="en-US" sz="1600" dirty="0">
+                <a:solidFill>
+                  <a:schemeClr val="tx1"/>
+                </a:solidFill>
+                <a:latin typeface="Arial"/>
+                <a:cs typeface="Arial"/>
+              </a:rPr>
+              <a:t>Random forest model will most likely drift over time</a:t>
+            </a:r>
+            <a:endParaRPr lang="en-US" sz="1600" dirty="0">
+              <a:solidFill>
+                <a:schemeClr val="tx1"/>
+              </a:solidFill>
+            </a:endParaRPr>
+          </a:p>
+          <a:p>
+            <a:pPr lvl="2"/>
+            <a:r>
+              <a:rPr lang="en-US" sz="1600" dirty="0">
+                <a:solidFill>
+                  <a:schemeClr val="tx1"/>
+                </a:solidFill>
+                <a:latin typeface="Arial"/>
+                <a:cs typeface="Arial"/>
+              </a:rPr>
+              <a:t>Logistic Regression lower performance but potential for long term deployment</a:t>
+            </a:r>
+          </a:p>
+          <a:p>
+            <a:endParaRPr lang="en-US" sz="2400" dirty="0">
+              <a:solidFill>
+                <a:schemeClr val="tx1"/>
+              </a:solidFill>
+              <a:latin typeface="Arial"/>
+              <a:cs typeface="Arial"/>
+            </a:endParaRPr>
+          </a:p>
+          <a:p>
+            <a:r>
+              <a:rPr lang="en-US" sz="2400" dirty="0">
+                <a:solidFill>
+                  <a:schemeClr val="tx1"/>
+                </a:solidFill>
+                <a:latin typeface="Arial"/>
+                <a:cs typeface="Arial"/>
+              </a:rPr>
+              <a:t>Predictions</a:t>
+            </a:r>
+          </a:p>
+          <a:p>
+            <a:pPr lvl="1"/>
+            <a:r>
+              <a:rPr lang="en-US" sz="2000" dirty="0">
+                <a:solidFill>
+                  <a:schemeClr val="tx1"/>
+                </a:solidFill>
+                <a:latin typeface="Arial"/>
+                <a:cs typeface="Arial"/>
+              </a:rPr>
+              <a:t>Produced a linear regression model that accounts for 70% of price variance</a:t>
+            </a:r>
+          </a:p>
+          <a:p>
+            <a:pPr lvl="1"/>
+            <a:r>
+              <a:rPr lang="en-US" sz="2000" dirty="0">
+                <a:solidFill>
+                  <a:schemeClr val="tx1"/>
+                </a:solidFill>
+                <a:latin typeface="Arial"/>
+                <a:cs typeface="Arial"/>
+              </a:rPr>
+              <a:t>Produced a logistic regression model that was able to predict time on market based on vehicle accident history and price</a:t>
+            </a:r>
+            <a:endParaRPr lang="en-US" sz="2000" dirty="0">
+              <a:solidFill>
+                <a:schemeClr val="tx1"/>
+              </a:solidFill>
+            </a:endParaRPr>
+          </a:p>
+          <a:p>
+            <a:pPr lvl="1"/>
+            <a:r>
+              <a:rPr lang="en-US" sz="2000" dirty="0">
+                <a:solidFill>
+                  <a:schemeClr val="tx1"/>
+                </a:solidFill>
+                <a:latin typeface="Arial"/>
+                <a:cs typeface="Arial"/>
+              </a:rPr>
+              <a:t>Produced a high performing Random Forest model to predict fleet use</a:t>
+            </a:r>
+            <a:endParaRPr lang="en-US" sz="2000" dirty="0">
+              <a:solidFill>
+                <a:schemeClr val="tx1"/>
+              </a:solidFill>
+            </a:endParaRPr>
           </a:p>
         </p:txBody>
       </p:sp>
@@ -11382,7 +9813,7 @@
 </p:sld>
 </file>
 
-<file path=ppt/slides/slide18.xml><?xml version="1.0" encoding="utf-8"?>
+<file path=ppt/slides/slide15.xml><?xml version="1.0" encoding="utf-8"?>
 <p:sld xmlns:a="http://schemas.openxmlformats.org/drawingml/2006/main" xmlns:r="http://schemas.openxmlformats.org/officeDocument/2006/relationships" xmlns:p="http://schemas.openxmlformats.org/presentationml/2006/main">
   <p:cSld>
     <p:spTree>
@@ -11462,7 +9893,7 @@
             <a:fld id="{86F4255C-5B9E-4286-A6CA-8C7DE48236D7}" type="slidenum">
               <a:rPr lang="en-US" smtClean="0"/>
               <a:pPr/>
-              <a:t>18</a:t>
+              <a:t>15</a:t>
             </a:fld>
             <a:endParaRPr lang="en-US"/>
           </a:p>
@@ -11522,7 +9953,7 @@
         </p:spPr>
         <p:txBody>
           <a:bodyPr vert="horz" lIns="91440" tIns="45720" rIns="91440" bIns="45720" rtlCol="0" anchor="t">
-            <a:normAutofit/>
+            <a:normAutofit fontScale="92500" lnSpcReduction="10000"/>
           </a:bodyPr>
           <a:lstStyle/>
           <a:p>
@@ -11530,99 +9961,242 @@
               <a:buNone/>
             </a:pPr>
             <a:r>
-              <a:rPr lang="en-US" dirty="0">
+              <a:rPr lang="en-US" sz="2400">
+                <a:solidFill>
+                  <a:schemeClr val="tx1"/>
+                </a:solidFill>
                 <a:latin typeface="Arial"/>
                 <a:cs typeface="Arial"/>
               </a:rPr>
-              <a:t>Next Steps</a:t>
-            </a:r>
-            <a:endParaRPr lang="en-US" sz="2000" dirty="0">
+              <a:t>Obstacles</a:t>
+            </a:r>
+          </a:p>
+          <a:p>
+            <a:r>
+              <a:rPr lang="en-US" sz="1600">
+                <a:solidFill>
+                  <a:schemeClr val="tx1"/>
+                </a:solidFill>
+                <a:latin typeface="Arial"/>
+                <a:cs typeface="Arial"/>
+              </a:rPr>
+              <a:t>Data size</a:t>
+            </a:r>
+          </a:p>
+          <a:p>
+            <a:r>
+              <a:rPr lang="en-US" sz="1600">
+                <a:solidFill>
+                  <a:schemeClr val="tx1"/>
+                </a:solidFill>
+                <a:latin typeface="Arial"/>
+                <a:cs typeface="Arial"/>
+              </a:rPr>
+              <a:t>Processing speed/time</a:t>
+            </a:r>
+          </a:p>
+          <a:p>
+            <a:r>
+              <a:rPr lang="en-US" sz="1600">
+                <a:solidFill>
+                  <a:schemeClr val="tx1"/>
+                </a:solidFill>
+                <a:latin typeface="Arial"/>
+                <a:cs typeface="Arial"/>
+              </a:rPr>
+              <a:t>Organizing the features</a:t>
+            </a:r>
+          </a:p>
+          <a:p>
+            <a:pPr marL="0" indent="0">
+              <a:buNone/>
+            </a:pPr>
+            <a:endParaRPr lang="en-US" sz="2400">
+              <a:solidFill>
+                <a:schemeClr val="tx1"/>
+              </a:solidFill>
               <a:latin typeface="Arial"/>
               <a:cs typeface="Arial"/>
             </a:endParaRPr>
           </a:p>
           <a:p>
-            <a:r>
-              <a:rPr lang="en-US" sz="2000" dirty="0">
+            <a:pPr marL="0" indent="0">
+              <a:buNone/>
+            </a:pPr>
+            <a:r>
+              <a:rPr lang="en-US" sz="2400">
+                <a:solidFill>
+                  <a:schemeClr val="tx1"/>
+                </a:solidFill>
                 <a:latin typeface="Arial"/>
                 <a:cs typeface="Arial"/>
               </a:rPr>
-              <a:t>Regression modeling</a:t>
-            </a:r>
-          </a:p>
-          <a:p>
-            <a:pPr lvl="1"/>
-            <a:r>
-              <a:rPr lang="en-US" sz="1800" dirty="0">
+              <a:t>Next Steps</a:t>
+            </a:r>
+            <a:endParaRPr lang="en-US" sz="1600">
+              <a:solidFill>
+                <a:schemeClr val="tx1"/>
+              </a:solidFill>
+              <a:latin typeface="Arial"/>
+              <a:cs typeface="Arial"/>
+            </a:endParaRPr>
+          </a:p>
+          <a:p>
+            <a:r>
+              <a:rPr lang="en-US" sz="1600">
+                <a:solidFill>
+                  <a:schemeClr val="tx1"/>
+                </a:solidFill>
                 <a:latin typeface="Arial"/>
                 <a:cs typeface="Arial"/>
               </a:rPr>
-              <a:t>Expand the grid search</a:t>
+              <a:t>Linear Regression modeling</a:t>
             </a:r>
           </a:p>
           <a:p>
             <a:pPr lvl="1"/>
             <a:r>
-              <a:rPr lang="en-US" sz="1800" dirty="0">
+              <a:rPr lang="en-US" sz="1400">
+                <a:solidFill>
+                  <a:schemeClr val="tx1"/>
+                </a:solidFill>
                 <a:latin typeface="Arial"/>
                 <a:cs typeface="Arial"/>
               </a:rPr>
-              <a:t>Improve the stepwise procedure</a:t>
+              <a:t>Incorporate PCA findings</a:t>
             </a:r>
           </a:p>
           <a:p>
             <a:pPr lvl="1"/>
             <a:r>
-              <a:rPr lang="en-US" sz="1800" dirty="0">
+              <a:rPr lang="en-US" sz="1400">
+                <a:solidFill>
+                  <a:schemeClr val="tx1"/>
+                </a:solidFill>
                 <a:latin typeface="Arial"/>
                 <a:cs typeface="Arial"/>
               </a:rPr>
-              <a:t>Restructure/Transform some of the features and remodel</a:t>
-            </a:r>
-          </a:p>
-          <a:p>
-            <a:r>
-              <a:rPr lang="en-US" sz="2000" dirty="0">
+              <a:t>Improve the stepwise procedure</a:t>
+            </a:r>
+          </a:p>
+          <a:p>
+            <a:pPr lvl="1"/>
+            <a:r>
+              <a:rPr lang="en-US" sz="1400">
+                <a:solidFill>
+                  <a:schemeClr val="tx1"/>
+                </a:solidFill>
                 <a:latin typeface="Arial"/>
                 <a:cs typeface="Arial"/>
               </a:rPr>
-              <a:t>XXX</a:t>
-            </a:r>
-          </a:p>
-          <a:p>
-            <a:r>
-              <a:rPr lang="en-US" sz="2000" dirty="0">
+              <a:t>Restructure/Transform some of the features and remodel</a:t>
+            </a:r>
+          </a:p>
+          <a:p>
+            <a:r>
+              <a:rPr lang="en-US" sz="1600">
+                <a:solidFill>
+                  <a:schemeClr val="tx1"/>
+                </a:solidFill>
                 <a:latin typeface="Arial"/>
                 <a:cs typeface="Arial"/>
               </a:rPr>
-              <a:t>XXX</a:t>
-            </a:r>
-          </a:p>
-          <a:p>
-            <a:r>
-              <a:rPr lang="en-US" sz="2000" dirty="0">
+              <a:t>Random Forest / ANN</a:t>
+            </a:r>
+            <a:endParaRPr lang="en-US" sz="1200">
+              <a:solidFill>
+                <a:schemeClr val="tx1"/>
+              </a:solidFill>
+              <a:latin typeface="Arial"/>
+              <a:cs typeface="Arial"/>
+            </a:endParaRPr>
+          </a:p>
+          <a:p>
+            <a:r>
+              <a:rPr lang="en-US" sz="1600">
+                <a:solidFill>
+                  <a:schemeClr val="tx1"/>
+                </a:solidFill>
                 <a:latin typeface="Arial"/>
                 <a:cs typeface="Arial"/>
               </a:rPr>
-              <a:t>XXX</a:t>
-            </a:r>
-          </a:p>
-          <a:p>
-            <a:r>
-              <a:rPr lang="en-US" sz="2000" dirty="0">
+              <a:t>Logistic Regression – Number Days on Market</a:t>
+            </a:r>
+          </a:p>
+          <a:p>
+            <a:pPr lvl="1"/>
+            <a:r>
+              <a:rPr lang="en-US" sz="1400">
+                <a:solidFill>
+                  <a:schemeClr val="tx1"/>
+                </a:solidFill>
                 <a:latin typeface="Arial"/>
                 <a:cs typeface="Arial"/>
               </a:rPr>
-              <a:t>Complete the report (Report and code no later than 29 November)</a:t>
-            </a:r>
-            <a:endParaRPr lang="en-US" sz="2000" dirty="0"/>
+              <a:t>Finding optimal days on market to separate the class </a:t>
+            </a:r>
+          </a:p>
+          <a:p>
+            <a:pPr lvl="1"/>
+            <a:r>
+              <a:rPr lang="en-US" sz="1400">
+                <a:solidFill>
+                  <a:schemeClr val="tx1"/>
+                </a:solidFill>
+                <a:latin typeface="Arial"/>
+                <a:cs typeface="Arial"/>
+              </a:rPr>
+              <a:t>Utilize Cross-validation</a:t>
+            </a:r>
+          </a:p>
+          <a:p>
+            <a:r>
+              <a:rPr lang="en-US" sz="1600">
+                <a:solidFill>
+                  <a:schemeClr val="tx1"/>
+                </a:solidFill>
+                <a:latin typeface="Arial"/>
+                <a:cs typeface="Arial"/>
+              </a:rPr>
+              <a:t>Logistic Regression/Random Forest – Fleet Use</a:t>
+            </a:r>
+          </a:p>
+          <a:p>
+            <a:pPr lvl="1"/>
+            <a:r>
+              <a:rPr lang="en-US" sz="1200">
+                <a:solidFill>
+                  <a:schemeClr val="tx1"/>
+                </a:solidFill>
+                <a:latin typeface="Arial"/>
+                <a:cs typeface="Arial"/>
+              </a:rPr>
+              <a:t>Incorporate feature engineering changes / PCA into modeling</a:t>
+            </a:r>
+          </a:p>
+          <a:p>
+            <a:r>
+              <a:rPr lang="en-US" sz="1600">
+                <a:solidFill>
+                  <a:schemeClr val="tx1"/>
+                </a:solidFill>
+                <a:latin typeface="Arial"/>
+                <a:cs typeface="Arial"/>
+              </a:rPr>
+              <a:t>Integrate IPR feedback and complete the report (Report and code no later than 29 November)</a:t>
+            </a:r>
+            <a:endParaRPr lang="en-US" sz="1600">
+              <a:solidFill>
+                <a:schemeClr val="tx1"/>
+              </a:solidFill>
+            </a:endParaRPr>
           </a:p>
         </p:txBody>
       </p:sp>
     </p:spTree>
     <p:extLst>
       <p:ext uri="{BB962C8B-B14F-4D97-AF65-F5344CB8AC3E}">
-        <p14:creationId xmlns:p14="http://schemas.microsoft.com/office/powerpoint/2010/main" val="800682927"/>
+        <p14:creationId xmlns:p14="http://schemas.microsoft.com/office/powerpoint/2010/main" val="2099125062"/>
       </p:ext>
     </p:extLst>
   </p:cSld>
@@ -11640,7 +10214,7 @@
 </p:sld>
 </file>
 
-<file path=ppt/slides/slide19.xml><?xml version="1.0" encoding="utf-8"?>
+<file path=ppt/slides/slide16.xml><?xml version="1.0" encoding="utf-8"?>
 <p:sld xmlns:a="http://schemas.openxmlformats.org/drawingml/2006/main" xmlns:r="http://schemas.openxmlformats.org/officeDocument/2006/relationships" xmlns:p="http://schemas.openxmlformats.org/presentationml/2006/main">
   <p:cSld>
     <p:spTree>
@@ -11720,7 +10294,7 @@
             <a:fld id="{86F4255C-5B9E-4286-A6CA-8C7DE48236D7}" type="slidenum">
               <a:rPr lang="en-US" smtClean="0"/>
               <a:pPr/>
-              <a:t>19</a:t>
+              <a:t>16</a:t>
             </a:fld>
             <a:endParaRPr lang="en-US"/>
           </a:p>
@@ -11758,7 +10332,11 @@
               <a:buNone/>
             </a:pPr>
             <a:r>
-              <a:rPr lang="en-US" sz="4000"/>
+              <a:rPr lang="en-US" sz="4000">
+                <a:solidFill>
+                  <a:schemeClr val="tx1"/>
+                </a:solidFill>
+              </a:rPr>
               <a:t>Thank you!</a:t>
             </a:r>
           </a:p>
@@ -11766,17 +10344,29 @@
             <a:pPr marL="0" indent="0" algn="ctr">
               <a:buNone/>
             </a:pPr>
-            <a:endParaRPr lang="en-US" sz="4000"/>
+            <a:endParaRPr lang="en-US" sz="4000">
+              <a:solidFill>
+                <a:schemeClr val="tx1"/>
+              </a:solidFill>
+            </a:endParaRPr>
           </a:p>
           <a:p>
             <a:pPr marL="0" indent="0" algn="ctr">
               <a:buNone/>
             </a:pPr>
             <a:r>
-              <a:rPr lang="en-US" sz="4000"/>
+              <a:rPr lang="en-US" sz="4000">
+                <a:solidFill>
+                  <a:schemeClr val="tx1"/>
+                </a:solidFill>
+              </a:rPr>
               <a:t>Questions?</a:t>
             </a:r>
-            <a:endParaRPr lang="en-US" sz="2200"/>
+            <a:endParaRPr lang="en-US" sz="2200">
+              <a:solidFill>
+                <a:schemeClr val="tx1"/>
+              </a:solidFill>
+            </a:endParaRPr>
           </a:p>
         </p:txBody>
       </p:sp>
@@ -11933,7 +10523,7 @@
           <a:lstStyle/>
           <a:p>
             <a:r>
-              <a:rPr lang="en-US" sz="2400" b="1" dirty="0">
+              <a:rPr lang="en-US" sz="2400" b="1">
                 <a:latin typeface="Arial"/>
                 <a:cs typeface="Arial"/>
               </a:rPr>
@@ -11942,24 +10532,38 @@
           </a:p>
           <a:p>
             <a:r>
-              <a:rPr lang="en-US" sz="2000" dirty="0">
+              <a:rPr lang="en-US" sz="2000">
                 <a:latin typeface="Arial"/>
                 <a:cs typeface="Arial"/>
               </a:rPr>
-              <a:t>This brief is an executive level in-progress review of analysis on used vehicle buying that offers inference and prediction models to improve transactions for buyers and sellers.</a:t>
-            </a:r>
-            <a:endParaRPr lang="en-US" sz="2000" dirty="0">
-              <a:latin typeface="Arial" panose="020B0604020202020204" pitchFamily="34" charset="0"/>
-              <a:cs typeface="Arial" panose="020B0604020202020204" pitchFamily="34" charset="0"/>
-            </a:endParaRPr>
-          </a:p>
-          <a:p>
+              <a:t>This brief is an executive level </a:t>
+            </a:r>
+            <a:r>
+              <a:rPr lang="en-US" sz="2000" u="sng">
+                <a:latin typeface="Arial"/>
+                <a:cs typeface="Arial"/>
+              </a:rPr>
+              <a:t>in-progress review </a:t>
+            </a:r>
+            <a:r>
+              <a:rPr lang="en-US" sz="2000">
+                <a:latin typeface="Arial"/>
+                <a:cs typeface="Arial"/>
+              </a:rPr>
+              <a:t>of analysis on used vehicle buying that offers inference and prediction models to improve transactions for buyers and sellers.</a:t>
+            </a:r>
             <a:endParaRPr lang="en-US" sz="2000">
               <a:latin typeface="Arial" panose="020B0604020202020204" pitchFamily="34" charset="0"/>
               <a:cs typeface="Arial" panose="020B0604020202020204" pitchFamily="34" charset="0"/>
             </a:endParaRPr>
           </a:p>
           <a:p>
+            <a:endParaRPr lang="en-US" sz="2000">
+              <a:latin typeface="Arial" panose="020B0604020202020204" pitchFamily="34" charset="0"/>
+              <a:cs typeface="Arial" panose="020B0604020202020204" pitchFamily="34" charset="0"/>
+            </a:endParaRPr>
+          </a:p>
+          <a:p>
             <a:endParaRPr lang="en-US" sz="2400">
               <a:latin typeface="Arial" panose="020B0604020202020204" pitchFamily="34" charset="0"/>
               <a:cs typeface="Arial" panose="020B0604020202020204" pitchFamily="34" charset="0"/>
@@ -11967,7 +10571,7 @@
           </a:p>
           <a:p>
             <a:r>
-              <a:rPr lang="en-US" sz="2400" b="1" dirty="0">
+              <a:rPr lang="en-US" sz="2400" b="1">
                 <a:latin typeface="Arial"/>
                 <a:cs typeface="Arial"/>
               </a:rPr>
@@ -11980,7 +10584,7 @@
               <a:buChar char="•"/>
             </a:pPr>
             <a:r>
-              <a:rPr lang="en-US" sz="2000" dirty="0">
+              <a:rPr lang="en-US" sz="2000">
                 <a:latin typeface="Arial"/>
                 <a:cs typeface="Arial"/>
               </a:rPr>
@@ -11993,7 +10597,7 @@
               <a:buChar char="•"/>
             </a:pPr>
             <a:r>
-              <a:rPr lang="en-US" sz="2000" dirty="0">
+              <a:rPr lang="en-US" sz="2000">
                 <a:latin typeface="Arial"/>
                 <a:cs typeface="Arial"/>
               </a:rPr>
@@ -12006,7 +10610,7 @@
               <a:buChar char="•"/>
             </a:pPr>
             <a:r>
-              <a:rPr lang="en-US" sz="2000" dirty="0">
+              <a:rPr lang="en-US" sz="2000">
                 <a:latin typeface="Arial"/>
                 <a:cs typeface="Arial"/>
               </a:rPr>
@@ -12019,7 +10623,7 @@
               <a:buChar char="•"/>
             </a:pPr>
             <a:r>
-              <a:rPr lang="en-US" sz="2000" dirty="0">
+              <a:rPr lang="en-US" sz="2000">
                 <a:latin typeface="Arial"/>
                 <a:cs typeface="Arial"/>
               </a:rPr>
@@ -12036,11 +10640,11 @@
               <a:buChar char="•"/>
             </a:pPr>
             <a:r>
-              <a:rPr lang="en-US" sz="2000" dirty="0">
+              <a:rPr lang="en-US" sz="2000">
                 <a:latin typeface="Arial"/>
                 <a:cs typeface="Arial"/>
               </a:rPr>
-              <a:t>Modeling</a:t>
+              <a:t>Modeling (Unsupervised and Supervised)</a:t>
             </a:r>
           </a:p>
           <a:p>
@@ -12049,13 +10653,13 @@
               <a:buChar char="•"/>
             </a:pPr>
             <a:r>
-              <a:rPr lang="en-US" sz="2000" dirty="0">
+              <a:rPr lang="en-US" sz="2000">
                 <a:latin typeface="Arial"/>
                 <a:cs typeface="Arial"/>
               </a:rPr>
-              <a:t>Next Steps</a:t>
-            </a:r>
-            <a:endParaRPr lang="en-US" sz="1400" dirty="0">
+              <a:t>Closing: Obstacles &amp; Next Steps</a:t>
+            </a:r>
+            <a:endParaRPr lang="en-US" sz="1400">
               <a:latin typeface="Arial"/>
               <a:cs typeface="Arial"/>
             </a:endParaRPr>
@@ -12237,7 +10841,7 @@
         <p:spPr>
           <a:xfrm>
             <a:off x="152400" y="1116449"/>
-            <a:ext cx="8851194" cy="2277547"/>
+            <a:ext cx="8851194" cy="1938992"/>
           </a:xfrm>
           <a:prstGeom prst="rect">
             <a:avLst/>
@@ -12251,14 +10855,14 @@
           <a:lstStyle/>
           <a:p>
             <a:r>
-              <a:rPr lang="en-US" b="1" dirty="0">
+              <a:rPr lang="en-US" b="1">
                 <a:latin typeface="Arial"/>
                 <a:ea typeface="+mn-lt"/>
                 <a:cs typeface="Arial"/>
               </a:rPr>
               <a:t>Project Objective:  </a:t>
             </a:r>
-            <a:endParaRPr lang="en-US" sz="1600" dirty="0">
+            <a:endParaRPr lang="en-US" sz="1600">
               <a:latin typeface="Arial"/>
               <a:ea typeface="+mn-lt"/>
               <a:cs typeface="Arial"/>
@@ -12270,7 +10874,7 @@
               <a:buChar char="•"/>
             </a:pPr>
             <a:r>
-              <a:rPr lang="en-US" sz="1800" dirty="0">
+              <a:rPr lang="en-US" sz="1600">
                 <a:effectLst/>
                 <a:latin typeface="Arial"/>
                 <a:ea typeface="Calibri" panose="020F0502020204030204" pitchFamily="34" charset="0"/>
@@ -12279,7 +10883,7 @@
               <a:t>Improve</a:t>
             </a:r>
             <a:r>
-              <a:rPr lang="en-US" dirty="0">
+              <a:rPr lang="en-US" sz="1600">
                 <a:latin typeface="Arial"/>
                 <a:ea typeface="Calibri" panose="020F0502020204030204" pitchFamily="34" charset="0"/>
                 <a:cs typeface="Times New Roman"/>
@@ -12287,17 +10891,17 @@
               <a:t> </a:t>
             </a:r>
             <a:r>
-              <a:rPr lang="en-US" sz="1800" dirty="0">
+              <a:rPr lang="en-US" sz="1600">
                 <a:effectLst/>
                 <a:latin typeface="Arial"/>
                 <a:ea typeface="Calibri" panose="020F0502020204030204" pitchFamily="34" charset="0"/>
                 <a:cs typeface="Times New Roman"/>
               </a:rPr>
-              <a:t> Buyer and Seller experience through inference and prediction models</a:t>
-            </a:r>
-          </a:p>
-          <a:p>
-            <a:endParaRPr lang="en-US" sz="1600" dirty="0">
+              <a:t>Buyer and Seller experience through inference and prediction models</a:t>
+            </a:r>
+          </a:p>
+          <a:p>
+            <a:endParaRPr lang="en-US" sz="1600">
               <a:latin typeface="Arial" panose="020B0604020202020204" pitchFamily="34" charset="0"/>
               <a:ea typeface="+mn-lt"/>
               <a:cs typeface="Arial" panose="020B0604020202020204" pitchFamily="34" charset="0"/>
@@ -12305,7 +10909,7 @@
           </a:p>
           <a:p>
             <a:r>
-              <a:rPr lang="en-US" b="1" dirty="0">
+              <a:rPr lang="en-US" b="1">
                 <a:latin typeface="Arial"/>
                 <a:ea typeface="+mn-lt"/>
                 <a:cs typeface="Arial"/>
@@ -12313,14 +10917,14 @@
               <a:t>Problem Statement: </a:t>
             </a:r>
             <a:r>
-              <a:rPr lang="en-US" sz="1600" b="1" dirty="0">
+              <a:rPr lang="en-US" sz="1600" b="1">
                 <a:latin typeface="Arial"/>
                 <a:ea typeface="+mn-lt"/>
                 <a:cs typeface="Arial"/>
               </a:rPr>
               <a:t> </a:t>
             </a:r>
-            <a:endParaRPr lang="en-US" sz="1400" b="1" dirty="0">
+            <a:endParaRPr lang="en-US" sz="1400" b="1">
               <a:latin typeface="Arial"/>
               <a:ea typeface="+mn-lt"/>
               <a:cs typeface="Arial"/>
@@ -12332,14 +10936,14 @@
               <a:buChar char="•"/>
             </a:pPr>
             <a:r>
-              <a:rPr lang="en-US" dirty="0">
+              <a:rPr lang="en-US" sz="1600">
                 <a:latin typeface="Arial"/>
                 <a:cs typeface="Times New Roman"/>
               </a:rPr>
               <a:t>Curre</a:t>
             </a:r>
             <a:r>
-              <a:rPr lang="en-US" sz="1800" dirty="0">
+              <a:rPr lang="en-US" sz="1600">
                 <a:effectLst/>
                 <a:latin typeface="Arial"/>
                 <a:ea typeface="Calibri" panose="020F0502020204030204" pitchFamily="34" charset="0"/>
@@ -12348,7 +10952,7 @@
               <a:t>nt processes for determining the price of a used vehicle creates pain points for both U.S. vehicle buyers and sellers as they struggle to determine a vehicle’s fair market value.</a:t>
             </a:r>
             <a:r>
-              <a:rPr lang="en-US" dirty="0">
+              <a:rPr lang="en-US" sz="1600">
                 <a:latin typeface="Arial"/>
                 <a:ea typeface="Calibri" panose="020F0502020204030204" pitchFamily="34" charset="0"/>
                 <a:cs typeface="Times New Roman"/>
@@ -12356,7 +10960,7 @@
               <a:t> </a:t>
             </a:r>
             <a:r>
-              <a:rPr lang="en-US" sz="1800" dirty="0">
+              <a:rPr lang="en-US" sz="1600">
                 <a:effectLst/>
                 <a:latin typeface="Arial"/>
                 <a:ea typeface="Calibri" panose="020F0502020204030204" pitchFamily="34" charset="0"/>
@@ -12365,14 +10969,14 @@
               <a:t> However, the valuation process can be improved through effective modeling.</a:t>
             </a:r>
             <a:r>
-              <a:rPr lang="en-US" dirty="0">
+              <a:rPr lang="en-US" sz="1600">
                 <a:latin typeface="Arial"/>
                 <a:ea typeface="Calibri" panose="020F0502020204030204" pitchFamily="34" charset="0"/>
                 <a:cs typeface="Times New Roman"/>
               </a:rPr>
               <a:t> </a:t>
             </a:r>
-            <a:endParaRPr lang="en-US" dirty="0">
+            <a:endParaRPr lang="en-US" sz="1600">
               <a:latin typeface="Calibri"/>
               <a:ea typeface="Calibri" panose="020F0502020204030204" pitchFamily="34" charset="0"/>
               <a:cs typeface="Times New Roman" panose="02020603050405020304" pitchFamily="18" charset="0"/>
@@ -12394,8 +10998,8 @@
         </p:nvSpPr>
         <p:spPr>
           <a:xfrm>
-            <a:off x="207977" y="3428561"/>
-            <a:ext cx="5182768" cy="2862322"/>
+            <a:off x="207977" y="3100901"/>
+            <a:ext cx="5182768" cy="2831544"/>
           </a:xfrm>
           <a:prstGeom prst="rect">
             <a:avLst/>
@@ -12412,7 +11016,7 @@
           <a:lstStyle/>
           <a:p>
             <a:r>
-              <a:rPr lang="en-US" b="1" dirty="0">
+              <a:rPr lang="en-US" b="1">
                 <a:latin typeface="Arial"/>
                 <a:ea typeface="+mn-lt"/>
                 <a:cs typeface="Arial"/>
@@ -12420,7 +11024,7 @@
               <a:t>Approach: </a:t>
             </a:r>
             <a:r>
-              <a:rPr lang="en-US" dirty="0">
+              <a:rPr lang="en-US">
                 <a:latin typeface="Arial"/>
                 <a:cs typeface="Times New Roman"/>
               </a:rPr>
@@ -12433,14 +11037,14 @@
               <a:buChar char="•"/>
             </a:pPr>
             <a:r>
-              <a:rPr lang="en-US" dirty="0">
+              <a:rPr lang="en-US" sz="1600">
                 <a:latin typeface="Arial"/>
                 <a:cs typeface="Times New Roman"/>
               </a:rPr>
               <a:t>Through descriptive statistics, visualizations, and modelling, identify key differentiating features that help explain the variance in vehicle prices and market timings</a:t>
             </a:r>
             <a:r>
-              <a:rPr lang="en-US" dirty="0">
+              <a:rPr lang="en-US" sz="1600">
                 <a:latin typeface="Arial"/>
                 <a:cs typeface="Arial"/>
               </a:rPr>
@@ -12453,7 +11057,7 @@
               <a:buChar char="•"/>
             </a:pPr>
             <a:r>
-              <a:rPr lang="en-US" dirty="0">
+              <a:rPr lang="en-US" sz="1600">
                 <a:latin typeface="Arial"/>
                 <a:cs typeface="Arial"/>
               </a:rPr>
@@ -12466,11 +11070,38 @@
               <a:buChar char="•"/>
             </a:pPr>
             <a:r>
-              <a:rPr lang="en-US" dirty="0">
+              <a:rPr lang="en-US" sz="1600">
                 <a:latin typeface="Arial"/>
                 <a:cs typeface="Arial"/>
               </a:rPr>
               <a:t>Iterated business rules from which to launch independent modeling</a:t>
+            </a:r>
+          </a:p>
+          <a:p>
+            <a:pPr marL="285750" indent="-285750">
+              <a:buFont typeface="Arial" panose="020B0604020202020204" pitchFamily="34" charset="0"/>
+              <a:buChar char="•"/>
+            </a:pPr>
+            <a:r>
+              <a:rPr lang="en-US" sz="1600">
+                <a:latin typeface="Arial"/>
+                <a:cs typeface="Arial"/>
+              </a:rPr>
+              <a:t>Environment: google drive, </a:t>
+            </a:r>
+            <a:r>
+              <a:rPr lang="en-US" sz="1600" err="1">
+                <a:latin typeface="Arial"/>
+                <a:cs typeface="Arial"/>
+              </a:rPr>
+              <a:t>Colab</a:t>
+            </a:r>
+            <a:r>
+              <a:rPr lang="en-US" sz="1600">
+                <a:latin typeface="Arial"/>
+                <a:cs typeface="Arial"/>
+              </a:rPr>
+              <a:t>, GitHub, MS Teams </a:t>
             </a:r>
           </a:p>
         </p:txBody>
@@ -12504,7 +11135,7 @@
           <a:lstStyle/>
           <a:p>
             <a:r>
-              <a:rPr lang="en-US" sz="700" dirty="0">
+              <a:rPr lang="en-US" sz="700">
                 <a:latin typeface="Arial" panose="020B0604020202020204" pitchFamily="34" charset="0"/>
                 <a:cs typeface="Arial" panose="020B0604020202020204" pitchFamily="34" charset="0"/>
               </a:rPr>
@@ -12542,7 +11173,7 @@
           <a:lstStyle/>
           <a:p>
             <a:r>
-              <a:rPr lang="en-US" sz="1200" b="1" dirty="0">
+              <a:rPr lang="en-US" sz="1200" b="1">
                 <a:latin typeface="Arial" panose="020B0604020202020204" pitchFamily="34" charset="0"/>
                 <a:cs typeface="Arial" panose="020B0604020202020204" pitchFamily="34" charset="0"/>
               </a:rPr>
@@ -12597,7 +11228,7 @@
           <a:p>
             <a:pPr algn="ctr"/>
             <a:r>
-              <a:rPr lang="en-US" sz="800" b="1" dirty="0">
+              <a:rPr lang="en-US" sz="800" b="1">
                 <a:latin typeface="Arial" panose="020B0604020202020204" pitchFamily="34" charset="0"/>
                 <a:cs typeface="Arial" panose="020B0604020202020204" pitchFamily="34" charset="0"/>
               </a:rPr>
@@ -12759,7 +11390,7 @@
           <a:lstStyle/>
           <a:p>
             <a:r>
-              <a:rPr lang="en-US" sz="2000" b="1" dirty="0">
+              <a:rPr lang="en-US" sz="2000" b="1">
                 <a:latin typeface="Arial" panose="020B0604020202020204" pitchFamily="34" charset="0"/>
                 <a:ea typeface="+mn-lt"/>
                 <a:cs typeface="Arial" panose="020B0604020202020204" pitchFamily="34" charset="0"/>
@@ -12767,14 +11398,14 @@
               <a:t>Data:</a:t>
             </a:r>
             <a:r>
-              <a:rPr lang="en-US" sz="2000" dirty="0">
+              <a:rPr lang="en-US" sz="2000">
                 <a:latin typeface="Arial" panose="020B0604020202020204" pitchFamily="34" charset="0"/>
                 <a:ea typeface="+mn-lt"/>
                 <a:cs typeface="Arial" panose="020B0604020202020204" pitchFamily="34" charset="0"/>
               </a:rPr>
               <a:t> </a:t>
             </a:r>
-            <a:endParaRPr lang="en-US" dirty="0">
+            <a:endParaRPr lang="en-US">
               <a:latin typeface="Arial" panose="020B0604020202020204" pitchFamily="34" charset="0"/>
               <a:ea typeface="+mn-lt"/>
               <a:cs typeface="Arial" panose="020B0604020202020204" pitchFamily="34" charset="0"/>
@@ -12786,7 +11417,7 @@
               <a:buChar char="•"/>
             </a:pPr>
             <a:r>
-              <a:rPr lang="en-US" sz="2000" dirty="0">
+              <a:rPr lang="en-US" sz="2000">
                 <a:latin typeface="Arial" panose="020B0604020202020204" pitchFamily="34" charset="0"/>
                 <a:ea typeface="Calibri" panose="020F0502020204030204" pitchFamily="34" charset="0"/>
                 <a:cs typeface="Times New Roman" panose="02020603050405020304" pitchFamily="18" charset="0"/>
@@ -12794,7 +11425,7 @@
               <a:t>R</a:t>
             </a:r>
             <a:r>
-              <a:rPr lang="en-US" sz="2000" dirty="0">
+              <a:rPr lang="en-US" sz="2000">
                 <a:effectLst/>
                 <a:latin typeface="Arial" panose="020B0604020202020204" pitchFamily="34" charset="0"/>
                 <a:ea typeface="Calibri" panose="020F0502020204030204" pitchFamily="34" charset="0"/>
@@ -12802,7 +11433,7 @@
               </a:rPr>
               <a:t>eal data on U.S. used vehicles from sale data on CarGurus updated on 21 September, 2020</a:t>
             </a:r>
-            <a:endParaRPr lang="en-US" sz="2000" dirty="0">
+            <a:endParaRPr lang="en-US" sz="2000">
               <a:latin typeface="Arial" panose="020B0604020202020204" pitchFamily="34" charset="0"/>
               <a:ea typeface="+mn-lt"/>
               <a:cs typeface="Arial" panose="020B0604020202020204" pitchFamily="34" charset="0"/>
@@ -12814,7 +11445,7 @@
               <a:buChar char="•"/>
             </a:pPr>
             <a:r>
-              <a:rPr lang="en-US" sz="2000" dirty="0">
+              <a:rPr lang="en-US" sz="2000">
                 <a:effectLst/>
                 <a:latin typeface="Arial" panose="020B0604020202020204" pitchFamily="34" charset="0"/>
                 <a:ea typeface="Calibri" panose="020F0502020204030204" pitchFamily="34" charset="0"/>
@@ -12829,7 +11460,7 @@
               <a:buChar char="•"/>
             </a:pPr>
             <a:r>
-              <a:rPr lang="en-US" sz="2000" dirty="0">
+              <a:rPr lang="en-US" sz="2000">
                 <a:latin typeface="Arial" panose="020B0604020202020204" pitchFamily="34" charset="0"/>
                 <a:ea typeface="Calibri" panose="020F0502020204030204" pitchFamily="34" charset="0"/>
                 <a:cs typeface="Times New Roman" panose="02020603050405020304" pitchFamily="18" charset="0"/>
@@ -12843,7 +11474,7 @@
               <a:buChar char="•"/>
             </a:pPr>
             <a:r>
-              <a:rPr lang="en-US" dirty="0">
+              <a:rPr lang="en-US">
                 <a:effectLst/>
                 <a:latin typeface="Arial" panose="020B0604020202020204" pitchFamily="34" charset="0"/>
                 <a:ea typeface="Calibri" panose="020F0502020204030204" pitchFamily="34" charset="0"/>
@@ -12858,14 +11489,14 @@
               <a:buChar char="•"/>
             </a:pPr>
             <a:r>
-              <a:rPr lang="en-US" dirty="0">
+              <a:rPr lang="en-US">
                 <a:latin typeface="Arial" panose="020B0604020202020204" pitchFamily="34" charset="0"/>
                 <a:ea typeface="Calibri" panose="020F0502020204030204" pitchFamily="34" charset="0"/>
                 <a:cs typeface="Times New Roman" panose="02020603050405020304" pitchFamily="18" charset="0"/>
               </a:rPr>
               <a:t>Scoped out all observations price &gt; $90,000 (modeling for average buyer)</a:t>
             </a:r>
-            <a:endParaRPr lang="en-US" dirty="0">
+            <a:endParaRPr lang="en-US">
               <a:effectLst/>
               <a:latin typeface="Calibri" panose="020F0502020204030204" pitchFamily="34" charset="0"/>
               <a:ea typeface="Calibri" panose="020F0502020204030204" pitchFamily="34" charset="0"/>
@@ -12877,14 +11508,14 @@
               <a:buFont typeface="Arial"/>
               <a:buChar char="•"/>
             </a:pPr>
-            <a:endParaRPr lang="en-US" sz="2000" dirty="0">
+            <a:endParaRPr lang="en-US" sz="2000">
               <a:latin typeface="Arial" panose="020B0604020202020204" pitchFamily="34" charset="0"/>
               <a:ea typeface="+mn-lt"/>
               <a:cs typeface="Arial" panose="020B0604020202020204" pitchFamily="34" charset="0"/>
             </a:endParaRPr>
           </a:p>
           <a:p>
-            <a:endParaRPr lang="en-US" sz="2000" dirty="0">
+            <a:endParaRPr lang="en-US" sz="2000">
               <a:latin typeface="Arial" panose="020B0604020202020204" pitchFamily="34" charset="0"/>
               <a:ea typeface="+mn-lt"/>
               <a:cs typeface="Arial" panose="020B0604020202020204" pitchFamily="34" charset="0"/>
@@ -12892,14 +11523,14 @@
           </a:p>
           <a:p>
             <a:r>
-              <a:rPr lang="en-US" sz="2000" b="1" dirty="0">
+              <a:rPr lang="en-US" sz="2000" b="1">
                 <a:latin typeface="Arial" panose="020B0604020202020204" pitchFamily="34" charset="0"/>
                 <a:ea typeface="+mn-lt"/>
                 <a:cs typeface="Arial" panose="020B0604020202020204" pitchFamily="34" charset="0"/>
               </a:rPr>
-              <a:t>Key Predictors:</a:t>
-            </a:r>
-            <a:endParaRPr lang="en-US" b="1" dirty="0">
+              <a:t>Initial Key Predictors Identified:</a:t>
+            </a:r>
+            <a:endParaRPr lang="en-US" b="1">
               <a:latin typeface="Arial" panose="020B0604020202020204" pitchFamily="34" charset="0"/>
               <a:ea typeface="+mn-lt"/>
               <a:cs typeface="Arial" panose="020B0604020202020204" pitchFamily="34" charset="0"/>
@@ -12911,7 +11542,7 @@
               <a:buChar char="•"/>
             </a:pPr>
             <a:r>
-              <a:rPr lang="en-US" sz="2000" dirty="0">
+              <a:rPr lang="en-US" sz="2000">
                 <a:effectLst/>
                 <a:latin typeface="Arial" panose="020B0604020202020204" pitchFamily="34" charset="0"/>
                 <a:ea typeface="Calibri" panose="020F0502020204030204" pitchFamily="34" charset="0"/>
@@ -12920,7 +11551,7 @@
               <a:t>Vehicle attributes [milage, horsepower, </a:t>
             </a:r>
             <a:r>
-              <a:rPr lang="en-US" sz="2000" dirty="0" err="1">
+              <a:rPr lang="en-US" sz="2000" err="1">
                 <a:effectLst/>
                 <a:latin typeface="Arial" panose="020B0604020202020204" pitchFamily="34" charset="0"/>
                 <a:ea typeface="Calibri" panose="020F0502020204030204" pitchFamily="34" charset="0"/>
@@ -12929,7 +11560,7 @@
               <a:t>body_type</a:t>
             </a:r>
             <a:r>
-              <a:rPr lang="en-US" sz="2000" dirty="0">
+              <a:rPr lang="en-US" sz="2000">
                 <a:effectLst/>
                 <a:latin typeface="Arial" panose="020B0604020202020204" pitchFamily="34" charset="0"/>
                 <a:ea typeface="Calibri" panose="020F0502020204030204" pitchFamily="34" charset="0"/>
@@ -12938,7 +11569,7 @@
               <a:t>, </a:t>
             </a:r>
             <a:r>
-              <a:rPr lang="en-US" sz="2000" dirty="0" err="1">
+              <a:rPr lang="en-US" sz="2000" err="1">
                 <a:effectLst/>
                 <a:latin typeface="Arial" panose="020B0604020202020204" pitchFamily="34" charset="0"/>
                 <a:ea typeface="Calibri" panose="020F0502020204030204" pitchFamily="34" charset="0"/>
@@ -12947,7 +11578,7 @@
               <a:t>fuel_economy</a:t>
             </a:r>
             <a:r>
-              <a:rPr lang="en-US" sz="2000" dirty="0">
+              <a:rPr lang="en-US" sz="2000">
                 <a:effectLst/>
                 <a:latin typeface="Arial" panose="020B0604020202020204" pitchFamily="34" charset="0"/>
                 <a:ea typeface="Calibri" panose="020F0502020204030204" pitchFamily="34" charset="0"/>
@@ -12962,7 +11593,7 @@
               <a:buChar char="•"/>
             </a:pPr>
             <a:r>
-              <a:rPr lang="en-US" sz="2000" dirty="0">
+              <a:rPr lang="en-US" sz="2000">
                 <a:effectLst/>
                 <a:latin typeface="Arial" panose="020B0604020202020204" pitchFamily="34" charset="0"/>
                 <a:ea typeface="Calibri" panose="020F0502020204030204" pitchFamily="34" charset="0"/>
@@ -12971,7 +11602,7 @@
               <a:t>Sale attributes [</a:t>
             </a:r>
             <a:r>
-              <a:rPr lang="en-US" sz="2000" dirty="0" err="1">
+              <a:rPr lang="en-US" sz="2000" err="1">
                 <a:effectLst/>
                 <a:latin typeface="Arial" panose="020B0604020202020204" pitchFamily="34" charset="0"/>
                 <a:ea typeface="Calibri" panose="020F0502020204030204" pitchFamily="34" charset="0"/>
@@ -12980,7 +11611,7 @@
               <a:t>daysonmarket</a:t>
             </a:r>
             <a:r>
-              <a:rPr lang="en-US" sz="2000" dirty="0">
+              <a:rPr lang="en-US" sz="2000">
                 <a:effectLst/>
                 <a:latin typeface="Arial" panose="020B0604020202020204" pitchFamily="34" charset="0"/>
                 <a:ea typeface="Calibri" panose="020F0502020204030204" pitchFamily="34" charset="0"/>
@@ -12989,7 +11620,7 @@
               <a:t>, </a:t>
             </a:r>
             <a:r>
-              <a:rPr lang="en-US" sz="2000" dirty="0" err="1">
+              <a:rPr lang="en-US" sz="2000" err="1">
                 <a:effectLst/>
                 <a:latin typeface="Arial" panose="020B0604020202020204" pitchFamily="34" charset="0"/>
                 <a:ea typeface="Calibri" panose="020F0502020204030204" pitchFamily="34" charset="0"/>
@@ -12998,7 +11629,7 @@
               <a:t>is_certified</a:t>
             </a:r>
             <a:r>
-              <a:rPr lang="en-US" sz="2000" dirty="0">
+              <a:rPr lang="en-US" sz="2000">
                 <a:effectLst/>
                 <a:latin typeface="Arial" panose="020B0604020202020204" pitchFamily="34" charset="0"/>
                 <a:ea typeface="Calibri" panose="020F0502020204030204" pitchFamily="34" charset="0"/>
@@ -13007,7 +11638,7 @@
               <a:t>, </a:t>
             </a:r>
             <a:r>
-              <a:rPr lang="en-US" sz="2000" dirty="0" err="1">
+              <a:rPr lang="en-US" sz="2000" err="1">
                 <a:effectLst/>
                 <a:latin typeface="Arial" panose="020B0604020202020204" pitchFamily="34" charset="0"/>
                 <a:ea typeface="Calibri" panose="020F0502020204030204" pitchFamily="34" charset="0"/>
@@ -13016,7 +11647,7 @@
               <a:t>listed_date</a:t>
             </a:r>
             <a:r>
-              <a:rPr lang="en-US" sz="2000" dirty="0">
+              <a:rPr lang="en-US" sz="2000">
                 <a:effectLst/>
                 <a:latin typeface="Arial" panose="020B0604020202020204" pitchFamily="34" charset="0"/>
                 <a:ea typeface="Calibri" panose="020F0502020204030204" pitchFamily="34" charset="0"/>
@@ -13024,7 +11655,7 @@
               </a:rPr>
               <a:t>]</a:t>
             </a:r>
-            <a:endParaRPr lang="en-US" sz="2000" dirty="0">
+            <a:endParaRPr lang="en-US" sz="2000">
               <a:latin typeface="Calibri" panose="020F0502020204030204" pitchFamily="34" charset="0"/>
               <a:ea typeface="Calibri" panose="020F0502020204030204" pitchFamily="34" charset="0"/>
               <a:cs typeface="Times New Roman" panose="02020603050405020304" pitchFamily="18" charset="0"/>
@@ -13036,7 +11667,7 @@
               <a:buChar char="•"/>
             </a:pPr>
             <a:r>
-              <a:rPr lang="en-US" sz="2000" dirty="0">
+              <a:rPr lang="en-US" sz="2000">
                 <a:effectLst/>
                 <a:latin typeface="Arial" panose="020B0604020202020204" pitchFamily="34" charset="0"/>
                 <a:ea typeface="Calibri" panose="020F0502020204030204" pitchFamily="34" charset="0"/>
@@ -13045,7 +11676,7 @@
               <a:t>Regional attributes [city, </a:t>
             </a:r>
             <a:r>
-              <a:rPr lang="en-US" sz="2000" dirty="0" err="1">
+              <a:rPr lang="en-US" sz="2000" err="1">
                 <a:effectLst/>
                 <a:latin typeface="Arial" panose="020B0604020202020204" pitchFamily="34" charset="0"/>
                 <a:ea typeface="Calibri" panose="020F0502020204030204" pitchFamily="34" charset="0"/>
@@ -13054,7 +11685,7 @@
               <a:t>dealerzip</a:t>
             </a:r>
             <a:r>
-              <a:rPr lang="en-US" sz="2000" dirty="0">
+              <a:rPr lang="en-US" sz="2000">
                 <a:effectLst/>
                 <a:latin typeface="Arial" panose="020B0604020202020204" pitchFamily="34" charset="0"/>
                 <a:ea typeface="Calibri" panose="020F0502020204030204" pitchFamily="34" charset="0"/>
@@ -13063,7 +11694,7 @@
               <a:t>, </a:t>
             </a:r>
             <a:r>
-              <a:rPr lang="en-US" sz="2000" dirty="0" err="1">
+              <a:rPr lang="en-US" sz="2000" err="1">
                 <a:effectLst/>
                 <a:latin typeface="Arial" panose="020B0604020202020204" pitchFamily="34" charset="0"/>
                 <a:ea typeface="Calibri" panose="020F0502020204030204" pitchFamily="34" charset="0"/>
@@ -13072,7 +11703,7 @@
               <a:t>lat</a:t>
             </a:r>
             <a:r>
-              <a:rPr lang="en-US" sz="2000" dirty="0">
+              <a:rPr lang="en-US" sz="2000">
                 <a:effectLst/>
                 <a:latin typeface="Arial" panose="020B0604020202020204" pitchFamily="34" charset="0"/>
                 <a:ea typeface="Calibri" panose="020F0502020204030204" pitchFamily="34" charset="0"/>
@@ -13080,7 +11711,7 @@
               </a:rPr>
               <a:t>/long]</a:t>
             </a:r>
-            <a:endParaRPr lang="en-US" sz="2000" dirty="0">
+            <a:endParaRPr lang="en-US" sz="2000">
               <a:effectLst/>
               <a:latin typeface="Calibri" panose="020F0502020204030204" pitchFamily="34" charset="0"/>
               <a:ea typeface="Calibri" panose="020F0502020204030204" pitchFamily="34" charset="0"/>
@@ -13092,7 +11723,7 @@
               <a:buFont typeface="Arial"/>
               <a:buChar char="•"/>
             </a:pPr>
-            <a:endParaRPr lang="en-US" sz="2000" dirty="0">
+            <a:endParaRPr lang="en-US" sz="2000">
               <a:latin typeface="Arial" panose="020B0604020202020204" pitchFamily="34" charset="0"/>
               <a:ea typeface="+mn-lt"/>
               <a:cs typeface="Arial" panose="020B0604020202020204" pitchFamily="34" charset="0"/>
@@ -13239,7 +11870,7 @@
         <p:spPr>
           <a:xfrm>
             <a:off x="152400" y="1116449"/>
-            <a:ext cx="8991600" cy="5262979"/>
+            <a:ext cx="8991600" cy="5124480"/>
           </a:xfrm>
           <a:prstGeom prst="rect">
             <a:avLst/>
@@ -13253,7 +11884,7 @@
           <a:lstStyle/>
           <a:p>
             <a:r>
-              <a:rPr lang="en-US" sz="1600">
+              <a:rPr lang="en-US" dirty="0">
                 <a:latin typeface="Arial" panose="020B0604020202020204" pitchFamily="34" charset="0"/>
                 <a:cs typeface="Arial" panose="020B0604020202020204" pitchFamily="34" charset="0"/>
               </a:rPr>
@@ -13261,7 +11892,7 @@
             </a:r>
           </a:p>
           <a:p>
-            <a:endParaRPr lang="en-US" sz="1600">
+            <a:endParaRPr lang="en-US" dirty="0">
               <a:latin typeface="Arial" panose="020B0604020202020204" pitchFamily="34" charset="0"/>
               <a:cs typeface="Arial" panose="020B0604020202020204" pitchFamily="34" charset="0"/>
             </a:endParaRPr>
@@ -13271,7 +11902,7 @@
               <a:buAutoNum type="arabicPeriod"/>
             </a:pPr>
             <a:r>
-              <a:rPr lang="en-US" sz="1400">
+              <a:rPr lang="en-US" sz="1600" dirty="0">
                 <a:latin typeface="Arial" panose="020B0604020202020204" pitchFamily="34" charset="0"/>
                 <a:ea typeface="+mn-lt"/>
                 <a:cs typeface="Arial" panose="020B0604020202020204" pitchFamily="34" charset="0"/>
@@ -13285,32 +11916,29 @@
               <a:buAutoNum type="alphaUcPeriod"/>
             </a:pPr>
             <a:r>
-              <a:rPr lang="en-US" sz="1100">
+              <a:rPr lang="en-US" sz="1300" dirty="0">
                 <a:latin typeface="Arial" panose="020B0604020202020204" pitchFamily="34" charset="0"/>
                 <a:ea typeface="+mn-lt"/>
                 <a:cs typeface="Arial" panose="020B0604020202020204" pitchFamily="34" charset="0"/>
               </a:rPr>
-              <a:t>What underlying patterns exist in the data? </a:t>
-            </a:r>
-            <a:r>
-              <a:rPr lang="en-US" sz="1100" b="1">
+              <a:t>  What underlying patterns exist in the data? </a:t>
+            </a:r>
+            <a:r>
+              <a:rPr lang="en-US" sz="1300" b="1" dirty="0">
                 <a:latin typeface="Arial" panose="020B0604020202020204" pitchFamily="34" charset="0"/>
                 <a:ea typeface="+mn-lt"/>
                 <a:cs typeface="Arial" panose="020B0604020202020204" pitchFamily="34" charset="0"/>
               </a:rPr>
-              <a:t>[Summary Statistics / EDA] </a:t>
-            </a:r>
-            <a:r>
-              <a:rPr lang="en-US" sz="1100">
-                <a:solidFill>
-                  <a:srgbClr val="FF0000"/>
-                </a:solidFill>
-                <a:latin typeface="Arial" panose="020B0604020202020204" pitchFamily="34" charset="0"/>
-                <a:ea typeface="+mn-lt"/>
-                <a:cs typeface="Arial" panose="020B0604020202020204" pitchFamily="34" charset="0"/>
-              </a:rPr>
-              <a:t>Ralph/Brian/Patrick haves started this, just need to expand on it</a:t>
-            </a:r>
+              <a:t>[Summary Statistics / EDA] Brian lead, All team members support</a:t>
+            </a:r>
+            <a:endParaRPr lang="en-US" sz="1300" dirty="0">
+              <a:solidFill>
+                <a:srgbClr val="FF0000"/>
+              </a:solidFill>
+              <a:latin typeface="Arial" panose="020B0604020202020204" pitchFamily="34" charset="0"/>
+              <a:ea typeface="+mn-lt"/>
+              <a:cs typeface="Arial" panose="020B0604020202020204" pitchFamily="34" charset="0"/>
+            </a:endParaRPr>
           </a:p>
           <a:p>
             <a:pPr marL="800100" lvl="1" indent="-342900">
@@ -13318,101 +11946,27 @@
               <a:buAutoNum type="alphaUcPeriod"/>
             </a:pPr>
             <a:r>
-              <a:rPr lang="en-US" sz="1100">
+              <a:rPr lang="en-US" sz="1300" dirty="0">
                 <a:latin typeface="Arial" panose="020B0604020202020204" pitchFamily="34" charset="0"/>
                 <a:ea typeface="+mn-lt"/>
                 <a:cs typeface="Arial" panose="020B0604020202020204" pitchFamily="34" charset="0"/>
               </a:rPr>
-              <a:t>Is there something there that we can’t see? </a:t>
-            </a:r>
-            <a:r>
-              <a:rPr lang="en-US" sz="1100" b="1">
+              <a:t>  Is there something there that we can’t see? </a:t>
+            </a:r>
+            <a:r>
+              <a:rPr lang="en-US" sz="1300" b="1" dirty="0">
                 <a:latin typeface="Arial" panose="020B0604020202020204" pitchFamily="34" charset="0"/>
                 <a:ea typeface="+mn-lt"/>
                 <a:cs typeface="Arial" panose="020B0604020202020204" pitchFamily="34" charset="0"/>
               </a:rPr>
-              <a:t>[K-Means Clustering/PCA] </a:t>
-            </a:r>
-            <a:r>
-              <a:rPr lang="en-US" sz="1100">
-                <a:solidFill>
-                  <a:srgbClr val="FF0000"/>
-                </a:solidFill>
-                <a:latin typeface="Arial" panose="020B0604020202020204" pitchFamily="34" charset="0"/>
-                <a:ea typeface="+mn-lt"/>
-                <a:cs typeface="Arial" panose="020B0604020202020204" pitchFamily="34" charset="0"/>
-              </a:rPr>
-              <a:t>Kobi/Patrick time permitting</a:t>
-            </a:r>
-          </a:p>
-          <a:p>
-            <a:pPr marL="1257300" lvl="2" indent="-342900">
-              <a:buFont typeface="+mj-lt"/>
-              <a:buAutoNum type="alphaUcPeriod"/>
-            </a:pPr>
-            <a:r>
-              <a:rPr lang="en-US" sz="1100">
-                <a:latin typeface="Arial" panose="020B0604020202020204" pitchFamily="34" charset="0"/>
-                <a:ea typeface="+mn-lt"/>
-                <a:cs typeface="Arial" panose="020B0604020202020204" pitchFamily="34" charset="0"/>
-              </a:rPr>
-              <a:t>For example, we could use it to find top 5 markets based on </a:t>
-            </a:r>
-            <a:r>
-              <a:rPr lang="en-US" sz="1100" err="1">
-                <a:latin typeface="Arial" panose="020B0604020202020204" pitchFamily="34" charset="0"/>
-                <a:ea typeface="+mn-lt"/>
-                <a:cs typeface="Arial" panose="020B0604020202020204" pitchFamily="34" charset="0"/>
-              </a:rPr>
-              <a:t>lat</a:t>
-            </a:r>
-            <a:r>
-              <a:rPr lang="en-US" sz="1100">
-                <a:latin typeface="Arial" panose="020B0604020202020204" pitchFamily="34" charset="0"/>
-                <a:ea typeface="+mn-lt"/>
-                <a:cs typeface="Arial" panose="020B0604020202020204" pitchFamily="34" charset="0"/>
-              </a:rPr>
-              <a:t>/long </a:t>
-            </a:r>
-          </a:p>
-          <a:p>
-            <a:pPr marL="800100" lvl="1" indent="-342900">
-              <a:buFont typeface="+mj-lt"/>
-              <a:buAutoNum type="alphaUcPeriod"/>
-            </a:pPr>
-            <a:r>
-              <a:rPr lang="en-US" sz="1100">
-                <a:latin typeface="Arial" panose="020B0604020202020204" pitchFamily="34" charset="0"/>
-                <a:ea typeface="+mn-lt"/>
-                <a:cs typeface="Arial" panose="020B0604020202020204" pitchFamily="34" charset="0"/>
-              </a:rPr>
-              <a:t>How can the data be clustered/assigned a persona/group? </a:t>
-            </a:r>
-            <a:r>
-              <a:rPr lang="en-US" sz="1100" b="1">
-                <a:latin typeface="Arial" panose="020B0604020202020204" pitchFamily="34" charset="0"/>
-                <a:ea typeface="+mn-lt"/>
-                <a:cs typeface="Arial" panose="020B0604020202020204" pitchFamily="34" charset="0"/>
-              </a:rPr>
-              <a:t>[K-Means Clustering/PCA] </a:t>
-            </a:r>
-            <a:r>
-              <a:rPr lang="en-US" sz="1100">
-                <a:solidFill>
-                  <a:srgbClr val="FF0000"/>
-                </a:solidFill>
-                <a:latin typeface="Arial" panose="020B0604020202020204" pitchFamily="34" charset="0"/>
-                <a:ea typeface="+mn-lt"/>
-                <a:cs typeface="Arial" panose="020B0604020202020204" pitchFamily="34" charset="0"/>
-              </a:rPr>
-              <a:t>Kobi/Patrick time permitting</a:t>
+              <a:t>[K-Means Clustering/PCA] Patrick is lead</a:t>
             </a:r>
           </a:p>
           <a:p>
             <a:pPr marL="457200" indent="-457200">
               <a:buAutoNum type="arabicPeriod"/>
             </a:pPr>
-            <a:endParaRPr lang="en-US" sz="1400" b="1">
+            <a:endParaRPr lang="en-US" sz="1600" b="1" dirty="0">
               <a:latin typeface="Arial" panose="020B0604020202020204" pitchFamily="34" charset="0"/>
               <a:ea typeface="+mn-lt"/>
               <a:cs typeface="Arial" panose="020B0604020202020204" pitchFamily="34" charset="0"/>
@@ -13423,24 +11977,21 @@
               <a:buAutoNum type="arabicPeriod"/>
             </a:pPr>
             <a:r>
-              <a:rPr lang="en-US" sz="1400">
+              <a:rPr lang="en-US" sz="1600" dirty="0">
                 <a:latin typeface="Arial" panose="020B0604020202020204" pitchFamily="34" charset="0"/>
                 <a:ea typeface="+mn-lt"/>
                 <a:cs typeface="Arial" panose="020B0604020202020204" pitchFamily="34" charset="0"/>
               </a:rPr>
               <a:t>Price Setting and Price Expectations:  </a:t>
             </a:r>
-            <a:r>
-              <a:rPr lang="en-US" sz="1400">
-                <a:solidFill>
-                  <a:srgbClr val="FF0000"/>
-                </a:solidFill>
-                <a:latin typeface="Arial" panose="020B0604020202020204" pitchFamily="34" charset="0"/>
-                <a:ea typeface="+mn-lt"/>
-                <a:cs typeface="Arial" panose="020B0604020202020204" pitchFamily="34" charset="0"/>
-              </a:rPr>
-              <a:t>Ralph or Patrick</a:t>
-            </a:r>
+            <a:endParaRPr lang="en-US" sz="1600" dirty="0">
+              <a:solidFill>
+                <a:srgbClr val="FF0000"/>
+              </a:solidFill>
+              <a:latin typeface="Arial" panose="020B0604020202020204" pitchFamily="34" charset="0"/>
+              <a:ea typeface="+mn-lt"/>
+              <a:cs typeface="Arial" panose="020B0604020202020204" pitchFamily="34" charset="0"/>
+            </a:endParaRPr>
           </a:p>
           <a:p>
             <a:pPr marL="914400" lvl="1" indent="-457200">
@@ -13448,7 +11999,7 @@
               <a:buAutoNum type="alphaUcPeriod"/>
             </a:pPr>
             <a:r>
-              <a:rPr lang="en-US" sz="1100">
+              <a:rPr lang="en-US" sz="1300" dirty="0">
                 <a:latin typeface="Arial" panose="020B0604020202020204" pitchFamily="34" charset="0"/>
                 <a:ea typeface="+mn-lt"/>
                 <a:cs typeface="Arial" panose="020B0604020202020204" pitchFamily="34" charset="0"/>
@@ -13456,14 +12007,14 @@
               <a:t>How can sellers set fair prices and how can buyers benchmark for value determinations? </a:t>
             </a:r>
             <a:r>
-              <a:rPr lang="en-US" sz="1100" b="1">
+              <a:rPr lang="en-US" sz="1300" b="1" dirty="0">
                 <a:latin typeface="Arial" panose="020B0604020202020204" pitchFamily="34" charset="0"/>
                 <a:ea typeface="+mn-lt"/>
                 <a:cs typeface="Arial" panose="020B0604020202020204" pitchFamily="34" charset="0"/>
               </a:rPr>
-              <a:t>[Prediction: OLS Regression Analysis/Stepwise] Ralph,  [Random Forest] Patrick</a:t>
-            </a:r>
-            <a:endParaRPr lang="en-US" sz="1100">
+              <a:t>[Prediction: OLS Regression Analysis/Stepwise] Ralph is lead,  [Random Forest] Patrick is lead</a:t>
+            </a:r>
+            <a:endParaRPr lang="en-US" sz="1300" dirty="0">
               <a:latin typeface="Arial" panose="020B0604020202020204" pitchFamily="34" charset="0"/>
               <a:ea typeface="+mn-lt"/>
               <a:cs typeface="Arial" panose="020B0604020202020204" pitchFamily="34" charset="0"/>
@@ -13475,7 +12026,7 @@
               <a:buAutoNum type="alphaUcPeriod"/>
             </a:pPr>
             <a:r>
-              <a:rPr lang="en-US" sz="1100">
+              <a:rPr lang="en-US" sz="1300" dirty="0">
                 <a:latin typeface="Arial" panose="020B0604020202020204" pitchFamily="34" charset="0"/>
                 <a:ea typeface="+mn-lt"/>
                 <a:cs typeface="Arial" panose="020B0604020202020204" pitchFamily="34" charset="0"/>
@@ -13483,13 +12034,45 @@
               <a:t>What are the most important features that help predict the price of a used vehicle? </a:t>
             </a:r>
             <a:r>
-              <a:rPr lang="en-US" sz="1100" b="1">
+              <a:rPr lang="en-US" sz="1300" b="1" dirty="0">
                 <a:latin typeface="Arial" panose="020B0604020202020204" pitchFamily="34" charset="0"/>
                 <a:ea typeface="+mn-lt"/>
                 <a:cs typeface="Arial" panose="020B0604020202020204" pitchFamily="34" charset="0"/>
               </a:rPr>
-              <a:t>[Inference: OLS Regression Analysis/Stepwise] Ralph,  [Random Forest] Patrick</a:t>
-            </a:r>
+              <a:t>[Inference: OLS Regression Analysis/Stepwise] Ralph is lead,  [Random Forest] Patrick is lead</a:t>
+            </a:r>
+          </a:p>
+          <a:p>
+            <a:pPr marL="457200" indent="-457200">
+              <a:buAutoNum type="arabicPeriod"/>
+            </a:pPr>
+            <a:endParaRPr lang="en-US" sz="1600" dirty="0">
+              <a:latin typeface="Arial" panose="020B0604020202020204" pitchFamily="34" charset="0"/>
+              <a:ea typeface="+mn-lt"/>
+              <a:cs typeface="Arial" panose="020B0604020202020204" pitchFamily="34" charset="0"/>
+            </a:endParaRPr>
+          </a:p>
+          <a:p>
+            <a:pPr marL="457200" indent="-457200">
+              <a:buFontTx/>
+              <a:buAutoNum type="arabicPeriod"/>
+            </a:pPr>
+            <a:r>
+              <a:rPr lang="en-US" sz="1600" dirty="0">
+                <a:latin typeface="Arial" panose="020B0604020202020204" pitchFamily="34" charset="0"/>
+                <a:ea typeface="+mn-lt"/>
+                <a:cs typeface="Arial" panose="020B0604020202020204" pitchFamily="34" charset="0"/>
+              </a:rPr>
+              <a:t>Vehicle Time on Market: </a:t>
+            </a:r>
+            <a:endParaRPr lang="en-US" sz="1600" dirty="0">
+              <a:solidFill>
+                <a:srgbClr val="FF0000"/>
+              </a:solidFill>
+              <a:latin typeface="Arial" panose="020B0604020202020204" pitchFamily="34" charset="0"/>
+              <a:ea typeface="+mn-lt"/>
+              <a:cs typeface="Arial" panose="020B0604020202020204" pitchFamily="34" charset="0"/>
+            </a:endParaRPr>
           </a:p>
           <a:p>
             <a:pPr marL="914400" lvl="1" indent="-457200">
@@ -13497,206 +12080,143 @@
               <a:buAutoNum type="alphaUcPeriod"/>
             </a:pPr>
             <a:r>
-              <a:rPr lang="en-US" sz="1100">
+              <a:rPr lang="en-US" sz="1300" dirty="0">
                 <a:latin typeface="Arial" panose="020B0604020202020204" pitchFamily="34" charset="0"/>
                 <a:ea typeface="Times New Roman" panose="02020603050405020304" pitchFamily="18" charset="0"/>
               </a:rPr>
-              <a:t>What impact does a vehicle having been in an accident have on price?</a:t>
-            </a:r>
-            <a:endParaRPr lang="en-US" sz="1100" b="1">
+              <a:t>What impact does a vehicle having been in an accident have on the time the vehicle spends on the market </a:t>
+            </a:r>
+            <a:r>
+              <a:rPr lang="en-US" sz="1300" b="1" dirty="0">
+                <a:latin typeface="Arial" panose="020B0604020202020204" pitchFamily="34" charset="0"/>
+                <a:ea typeface="+mn-lt"/>
+                <a:cs typeface="Arial" panose="020B0604020202020204" pitchFamily="34" charset="0"/>
+              </a:rPr>
+              <a:t>[Inference: Logistic Regression] Kobi is lead </a:t>
+            </a:r>
+            <a:r>
+              <a:rPr lang="en-US" sz="1300" i="1" dirty="0">
+                <a:latin typeface="Arial" panose="020B0604020202020204" pitchFamily="34" charset="0"/>
+                <a:ea typeface="+mn-lt"/>
+                <a:cs typeface="Arial" panose="020B0604020202020204" pitchFamily="34" charset="0"/>
+              </a:rPr>
+              <a:t> </a:t>
+            </a:r>
+          </a:p>
+          <a:p>
+            <a:pPr marL="914400" lvl="1" indent="-457200">
+              <a:buFont typeface="+mj-lt"/>
+              <a:buAutoNum type="alphaUcPeriod"/>
+            </a:pPr>
+            <a:r>
+              <a:rPr lang="en-US" sz="1300" dirty="0">
+                <a:latin typeface="Arial" panose="020B0604020202020204" pitchFamily="34" charset="0"/>
+              </a:rPr>
+              <a:t>Determine how a vehicle’s price (which will be used as a predictor, unlike the linear model) on the probability for a vehicle to be listed on the market for a long time.</a:t>
+            </a:r>
+            <a:r>
+              <a:rPr lang="en-US" sz="1300" b="1" dirty="0">
+                <a:latin typeface="Arial" panose="020B0604020202020204" pitchFamily="34" charset="0"/>
+                <a:ea typeface="+mn-lt"/>
+                <a:cs typeface="Arial" panose="020B0604020202020204" pitchFamily="34" charset="0"/>
+              </a:rPr>
+              <a:t> [Inference: Logistic Regression]</a:t>
+            </a:r>
+            <a:r>
+              <a:rPr lang="en-US" sz="1300" dirty="0">
+                <a:latin typeface="Arial" panose="020B0604020202020204" pitchFamily="34" charset="0"/>
+              </a:rPr>
+              <a:t> </a:t>
+            </a:r>
+            <a:r>
+              <a:rPr lang="en-US" sz="1300" b="1" dirty="0">
+                <a:latin typeface="Arial" panose="020B0604020202020204" pitchFamily="34" charset="0"/>
+                <a:ea typeface="+mn-lt"/>
+                <a:cs typeface="Arial" panose="020B0604020202020204" pitchFamily="34" charset="0"/>
+              </a:rPr>
+              <a:t>Kobi is lead</a:t>
+            </a:r>
+            <a:r>
+              <a:rPr lang="en-US" sz="1300" i="1" dirty="0">
+                <a:latin typeface="Arial" panose="020B0604020202020204" pitchFamily="34" charset="0"/>
+              </a:rPr>
+              <a:t>.</a:t>
+            </a:r>
+          </a:p>
+          <a:p>
+            <a:pPr lvl="1"/>
+            <a:endParaRPr lang="en-US" sz="1200" dirty="0">
+              <a:latin typeface="Arial" panose="020B0604020202020204" pitchFamily="34" charset="0"/>
+              <a:ea typeface="Times New Roman" panose="02020603050405020304" pitchFamily="18" charset="0"/>
+            </a:endParaRPr>
+          </a:p>
+          <a:p>
+            <a:pPr marL="457200" indent="-457200">
+              <a:buFontTx/>
+              <a:buAutoNum type="arabicPeriod"/>
+            </a:pPr>
+            <a:r>
+              <a:rPr lang="en-US" sz="1600" dirty="0">
+                <a:latin typeface="Arial" panose="020B0604020202020204" pitchFamily="34" charset="0"/>
+                <a:ea typeface="+mn-lt"/>
+                <a:cs typeface="Arial" panose="020B0604020202020204" pitchFamily="34" charset="0"/>
+              </a:rPr>
+              <a:t>Previous Vehicle Usage and History: </a:t>
+            </a:r>
+            <a:endParaRPr lang="en-US" sz="1600" dirty="0">
+              <a:solidFill>
+                <a:srgbClr val="FF0000"/>
+              </a:solidFill>
               <a:latin typeface="Arial" panose="020B0604020202020204" pitchFamily="34" charset="0"/>
               <a:ea typeface="+mn-lt"/>
               <a:cs typeface="Arial" panose="020B0604020202020204" pitchFamily="34" charset="0"/>
             </a:endParaRPr>
           </a:p>
           <a:p>
-            <a:pPr marL="457200" indent="-457200">
-              <a:buAutoNum type="arabicPeriod"/>
-            </a:pPr>
-            <a:endParaRPr lang="en-US" sz="1400">
-              <a:latin typeface="Arial" panose="020B0604020202020204" pitchFamily="34" charset="0"/>
-              <a:ea typeface="+mn-lt"/>
-              <a:cs typeface="Arial" panose="020B0604020202020204" pitchFamily="34" charset="0"/>
-            </a:endParaRPr>
-          </a:p>
-          <a:p>
-            <a:pPr marL="457200" indent="-457200">
-              <a:buFontTx/>
-              <a:buAutoNum type="arabicPeriod"/>
-            </a:pPr>
-            <a:r>
-              <a:rPr lang="en-US" sz="1400">
-                <a:latin typeface="Arial" panose="020B0604020202020204" pitchFamily="34" charset="0"/>
-                <a:ea typeface="+mn-lt"/>
-                <a:cs typeface="Arial" panose="020B0604020202020204" pitchFamily="34" charset="0"/>
-              </a:rPr>
-              <a:t>Vehicle Time on Market: </a:t>
-            </a:r>
-            <a:r>
-              <a:rPr lang="en-US" sz="1400">
-                <a:solidFill>
-                  <a:srgbClr val="FF0000"/>
-                </a:solidFill>
-                <a:latin typeface="Arial" panose="020B0604020202020204" pitchFamily="34" charset="0"/>
-                <a:ea typeface="+mn-lt"/>
-                <a:cs typeface="Arial" panose="020B0604020202020204" pitchFamily="34" charset="0"/>
-              </a:rPr>
-              <a:t>Kobi owns this</a:t>
-            </a:r>
-          </a:p>
-          <a:p>
             <a:pPr marL="914400" lvl="1" indent="-457200">
               <a:buFont typeface="+mj-lt"/>
               <a:buAutoNum type="alphaUcPeriod"/>
             </a:pPr>
             <a:r>
-              <a:rPr lang="en-US" sz="1100">
+              <a:rPr lang="en-US" sz="1300" dirty="0">
+                <a:effectLst/>
                 <a:latin typeface="Arial" panose="020B0604020202020204" pitchFamily="34" charset="0"/>
                 <a:ea typeface="Times New Roman" panose="02020603050405020304" pitchFamily="18" charset="0"/>
               </a:rPr>
-              <a:t>What impact does a vehicle having been in an accident have on the time the vehicle spends on the market </a:t>
-            </a:r>
-            <a:r>
-              <a:rPr lang="en-US" sz="1100" b="1">
+              <a:t>How can we determine is a vehicle was previously part of a commercial fleet or a taxi to help buyers avoid heavy use vehicles. </a:t>
+            </a:r>
+            <a:r>
+              <a:rPr lang="en-US" sz="1300" b="1" dirty="0">
+                <a:effectLst/>
+                <a:latin typeface="Arial" panose="020B0604020202020204" pitchFamily="34" charset="0"/>
+                <a:ea typeface="Times New Roman" panose="02020603050405020304" pitchFamily="18" charset="0"/>
+              </a:rPr>
+              <a:t>Brian [Prediction</a:t>
+            </a:r>
+            <a:r>
+              <a:rPr lang="en-US" sz="1300" b="1" dirty="0">
+                <a:latin typeface="Arial" panose="020B0604020202020204" pitchFamily="34" charset="0"/>
+                <a:ea typeface="Times New Roman" panose="02020603050405020304" pitchFamily="18" charset="0"/>
+              </a:rPr>
+              <a:t>: L</a:t>
+            </a:r>
+            <a:r>
+              <a:rPr lang="en-US" sz="1300" b="1" dirty="0">
+                <a:effectLst/>
+                <a:latin typeface="Arial" panose="020B0604020202020204" pitchFamily="34" charset="0"/>
+                <a:ea typeface="Times New Roman" panose="02020603050405020304" pitchFamily="18" charset="0"/>
+              </a:rPr>
+              <a:t>ogistic Regression and Random Forest] </a:t>
+            </a:r>
+            <a:r>
+              <a:rPr lang="en-US" sz="1300" b="1" dirty="0">
                 <a:latin typeface="Arial" panose="020B0604020202020204" pitchFamily="34" charset="0"/>
                 <a:ea typeface="+mn-lt"/>
                 <a:cs typeface="Arial" panose="020B0604020202020204" pitchFamily="34" charset="0"/>
               </a:rPr>
-              <a:t>[Inference: Logistic Regression] </a:t>
-            </a:r>
-            <a:r>
-              <a:rPr lang="en-US" sz="1100" i="1">
-                <a:latin typeface="Arial" panose="020B0604020202020204" pitchFamily="34" charset="0"/>
-                <a:ea typeface="+mn-lt"/>
-                <a:cs typeface="Arial" panose="020B0604020202020204" pitchFamily="34" charset="0"/>
-              </a:rPr>
-              <a:t>Could also employ Random Forest here as the Prof recommended </a:t>
-            </a:r>
-          </a:p>
-          <a:p>
-            <a:pPr marL="914400" lvl="1" indent="-457200">
-              <a:buFont typeface="+mj-lt"/>
-              <a:buAutoNum type="alphaUcPeriod"/>
-            </a:pPr>
-            <a:r>
-              <a:rPr lang="en-US" sz="1100">
-                <a:latin typeface="Arial" panose="020B0604020202020204" pitchFamily="34" charset="0"/>
-              </a:rPr>
-              <a:t>Determine how a vehicle’s price (which will be used as a predictor, unlike the linear model) on the probability for a vehicle to be listed on the market for a long time.</a:t>
-            </a:r>
-            <a:r>
-              <a:rPr lang="en-US" sz="1100" b="1">
-                <a:latin typeface="Arial" panose="020B0604020202020204" pitchFamily="34" charset="0"/>
-                <a:ea typeface="+mn-lt"/>
-                <a:cs typeface="Arial" panose="020B0604020202020204" pitchFamily="34" charset="0"/>
-              </a:rPr>
-              <a:t> [Inference: Logistic Regression]</a:t>
-            </a:r>
-            <a:r>
-              <a:rPr lang="en-US" sz="1100">
-                <a:latin typeface="Arial" panose="020B0604020202020204" pitchFamily="34" charset="0"/>
-              </a:rPr>
-              <a:t> </a:t>
-            </a:r>
-            <a:r>
-              <a:rPr lang="en-US" sz="1100" i="1">
-                <a:latin typeface="Arial" panose="020B0604020202020204" pitchFamily="34" charset="0"/>
-              </a:rPr>
-              <a:t>We could also use Naive Bayes here to provide probabilities to each feature, but this is not covered in this class. Logistic regression may be tricky/unbalanced if we only do a binomial. We could do random forest here as well.</a:t>
-            </a:r>
-          </a:p>
-          <a:p>
-            <a:pPr lvl="1"/>
-            <a:endParaRPr lang="en-US" sz="1100">
-              <a:latin typeface="Arial" panose="020B0604020202020204" pitchFamily="34" charset="0"/>
-              <a:ea typeface="Times New Roman" panose="02020603050405020304" pitchFamily="18" charset="0"/>
-            </a:endParaRPr>
-          </a:p>
-          <a:p>
-            <a:pPr marL="457200" indent="-457200">
-              <a:buFontTx/>
-              <a:buAutoNum type="arabicPeriod"/>
-            </a:pPr>
-            <a:r>
-              <a:rPr lang="en-US" sz="1400">
-                <a:latin typeface="Arial" panose="020B0604020202020204" pitchFamily="34" charset="0"/>
-                <a:ea typeface="+mn-lt"/>
-                <a:cs typeface="Arial" panose="020B0604020202020204" pitchFamily="34" charset="0"/>
-              </a:rPr>
-              <a:t>Previous Vehicle Usage and History: </a:t>
-            </a:r>
-            <a:r>
-              <a:rPr lang="en-US" sz="1400">
-                <a:solidFill>
-                  <a:srgbClr val="FF0000"/>
-                </a:solidFill>
-                <a:latin typeface="Arial" panose="020B0604020202020204" pitchFamily="34" charset="0"/>
-                <a:ea typeface="+mn-lt"/>
-                <a:cs typeface="Arial" panose="020B0604020202020204" pitchFamily="34" charset="0"/>
-              </a:rPr>
-              <a:t>Brian owns this</a:t>
-            </a:r>
-          </a:p>
-          <a:p>
-            <a:pPr marL="914400" lvl="1" indent="-457200">
-              <a:buFont typeface="+mj-lt"/>
-              <a:buAutoNum type="alphaUcPeriod"/>
-            </a:pPr>
-            <a:r>
-              <a:rPr lang="en-US" sz="1100">
-                <a:effectLst/>
-                <a:latin typeface="Arial" panose="020B0604020202020204" pitchFamily="34" charset="0"/>
-                <a:ea typeface="Times New Roman" panose="02020603050405020304" pitchFamily="18" charset="0"/>
-              </a:rPr>
-              <a:t>How can we determine is a vehicle was previously part of a commercial fleet or a taxi to help buyers avoid heavy use vehicles. </a:t>
-            </a:r>
-            <a:r>
-              <a:rPr lang="en-US" sz="1100" b="1">
-                <a:effectLst/>
-                <a:latin typeface="Arial" panose="020B0604020202020204" pitchFamily="34" charset="0"/>
-                <a:ea typeface="Times New Roman" panose="02020603050405020304" pitchFamily="18" charset="0"/>
-              </a:rPr>
-              <a:t>Brian [Prediction</a:t>
-            </a:r>
-            <a:r>
-              <a:rPr lang="en-US" sz="1100" b="1">
-                <a:latin typeface="Arial" panose="020B0604020202020204" pitchFamily="34" charset="0"/>
-                <a:ea typeface="Times New Roman" panose="02020603050405020304" pitchFamily="18" charset="0"/>
-              </a:rPr>
-              <a:t>: </a:t>
-            </a:r>
-            <a:r>
-              <a:rPr lang="en-US" sz="1100" b="1">
-                <a:effectLst/>
-                <a:latin typeface="Arial" panose="020B0604020202020204" pitchFamily="34" charset="0"/>
-                <a:ea typeface="Times New Roman" panose="02020603050405020304" pitchFamily="18" charset="0"/>
-              </a:rPr>
-              <a:t>logistic Regression]. </a:t>
-            </a:r>
-            <a:r>
-              <a:rPr lang="en-US" sz="1100" i="1">
-                <a:effectLst/>
-                <a:latin typeface="Arial" panose="020B0604020202020204" pitchFamily="34" charset="0"/>
-                <a:ea typeface="Times New Roman" panose="02020603050405020304" pitchFamily="18" charset="0"/>
-              </a:rPr>
-              <a:t>This would also be a good opportunity to use Random </a:t>
-            </a:r>
-            <a:r>
-              <a:rPr lang="en-US" sz="1100" i="1">
-                <a:latin typeface="Arial" panose="020B0604020202020204" pitchFamily="34" charset="0"/>
-                <a:ea typeface="Times New Roman" panose="02020603050405020304" pitchFamily="18" charset="0"/>
-              </a:rPr>
-              <a:t>F</a:t>
-            </a:r>
-            <a:r>
-              <a:rPr lang="en-US" sz="1100" i="1">
-                <a:effectLst/>
-                <a:latin typeface="Arial" panose="020B0604020202020204" pitchFamily="34" charset="0"/>
-                <a:ea typeface="Times New Roman" panose="02020603050405020304" pitchFamily="18" charset="0"/>
-              </a:rPr>
-              <a:t>orest as well.</a:t>
-            </a:r>
-            <a:endParaRPr lang="en-US" sz="1100">
+              <a:t>Brian is lead </a:t>
+            </a:r>
+            <a:endParaRPr lang="en-US" sz="1300" dirty="0">
               <a:effectLst/>
               <a:latin typeface="Arial" panose="020B0604020202020204" pitchFamily="34" charset="0"/>
               <a:ea typeface="Times New Roman" panose="02020603050405020304" pitchFamily="18" charset="0"/>
@@ -13707,7 +12227,7 @@
     </p:spTree>
     <p:extLst>
       <p:ext uri="{BB962C8B-B14F-4D97-AF65-F5344CB8AC3E}">
-        <p14:creationId xmlns:p14="http://schemas.microsoft.com/office/powerpoint/2010/main" val="2033467542"/>
+        <p14:creationId xmlns:p14="http://schemas.microsoft.com/office/powerpoint/2010/main" val="1013386809"/>
       </p:ext>
     </p:extLst>
   </p:cSld>
@@ -13847,7 +12367,7 @@
         <p:spPr>
           <a:xfrm>
             <a:off x="152400" y="1116449"/>
-            <a:ext cx="8730584" cy="4801314"/>
+            <a:ext cx="8730584" cy="4924425"/>
           </a:xfrm>
           <a:prstGeom prst="rect">
             <a:avLst/>
@@ -13861,7 +12381,7 @@
           <a:lstStyle/>
           <a:p>
             <a:r>
-              <a:rPr lang="en-US" b="1" dirty="0">
+              <a:rPr lang="en-US" sz="1600" b="1" dirty="0">
                 <a:latin typeface="Arial" panose="020B0604020202020204" pitchFamily="34" charset="0"/>
                 <a:ea typeface="+mn-lt"/>
                 <a:cs typeface="Arial" panose="020B0604020202020204" pitchFamily="34" charset="0"/>
@@ -13875,7 +12395,7 @@
               <a:buChar char="•"/>
             </a:pPr>
             <a:r>
-              <a:rPr lang="en-US" dirty="0">
+              <a:rPr lang="en-US" sz="1600" dirty="0">
                 <a:latin typeface="Arial" panose="020B0604020202020204" pitchFamily="34" charset="0"/>
                 <a:ea typeface="Calibri" panose="020F0502020204030204" pitchFamily="34" charset="0"/>
                 <a:cs typeface="Arial" panose="020B0604020202020204" pitchFamily="34" charset="0"/>
@@ -13889,7 +12409,7 @@
               <a:buChar char="•"/>
             </a:pPr>
             <a:r>
-              <a:rPr lang="en-US" dirty="0">
+              <a:rPr lang="en-US" sz="1600" dirty="0">
                 <a:latin typeface="Arial" panose="020B0604020202020204" pitchFamily="34" charset="0"/>
                 <a:ea typeface="Calibri" panose="020F0502020204030204" pitchFamily="34" charset="0"/>
                 <a:cs typeface="Arial" panose="020B0604020202020204" pitchFamily="34" charset="0"/>
@@ -13902,7 +12422,7 @@
               <a:buFont typeface="Arial" panose="020B0604020202020204" pitchFamily="34" charset="0"/>
               <a:buChar char="•"/>
             </a:pPr>
-            <a:endParaRPr lang="en-US" dirty="0">
+            <a:endParaRPr lang="en-US" sz="1600" dirty="0">
               <a:latin typeface="Arial" panose="020B0604020202020204" pitchFamily="34" charset="0"/>
               <a:ea typeface="Calibri" panose="020F0502020204030204" pitchFamily="34" charset="0"/>
               <a:cs typeface="Arial" panose="020B0604020202020204" pitchFamily="34" charset="0"/>
@@ -13914,7 +12434,7 @@
               <a:buChar char="•"/>
             </a:pPr>
             <a:r>
-              <a:rPr lang="en-US" dirty="0">
+              <a:rPr lang="en-US" sz="1600" dirty="0">
                 <a:latin typeface="Arial" panose="020B0604020202020204" pitchFamily="34" charset="0"/>
                 <a:ea typeface="+mn-lt"/>
                 <a:cs typeface="Arial" panose="020B0604020202020204" pitchFamily="34" charset="0"/>
@@ -13928,20 +12448,45 @@
               <a:buChar char="•"/>
             </a:pPr>
             <a:r>
-              <a:rPr lang="en-US" dirty="0">
+              <a:rPr lang="en-US" sz="1600" dirty="0">
                 <a:latin typeface="Arial" panose="020B0604020202020204" pitchFamily="34" charset="0"/>
                 <a:ea typeface="+mn-lt"/>
                 <a:cs typeface="Arial" panose="020B0604020202020204" pitchFamily="34" charset="0"/>
               </a:rPr>
               <a:t>Replace NAs with dominate value in category</a:t>
             </a:r>
+          </a:p>
+          <a:p>
+            <a:pPr marL="742950" lvl="1" indent="-285750">
+              <a:buFont typeface="Arial" panose="020B0604020202020204" pitchFamily="34" charset="0"/>
+              <a:buChar char="•"/>
+            </a:pPr>
+            <a:endParaRPr lang="en-US" sz="1600" dirty="0">
+              <a:latin typeface="Arial" panose="020B0604020202020204" pitchFamily="34" charset="0"/>
+              <a:ea typeface="+mn-lt"/>
+              <a:cs typeface="Arial" panose="020B0604020202020204" pitchFamily="34" charset="0"/>
+            </a:endParaRPr>
           </a:p>
           <a:p>
             <a:pPr marL="285750" indent="-285750">
               <a:buFont typeface="Arial" panose="020B0604020202020204" pitchFamily="34" charset="0"/>
               <a:buChar char="•"/>
             </a:pPr>
-            <a:endParaRPr lang="en-US" dirty="0">
+            <a:r>
+              <a:rPr lang="en-US" sz="1600" dirty="0">
+                <a:latin typeface="Arial" panose="020B0604020202020204" pitchFamily="34" charset="0"/>
+                <a:ea typeface="+mn-lt"/>
+                <a:cs typeface="Arial" panose="020B0604020202020204" pitchFamily="34" charset="0"/>
+              </a:rPr>
+              <a:t>Ordinal Categorical Considerations</a:t>
+            </a:r>
+          </a:p>
+          <a:p>
+            <a:pPr marL="285750" indent="-285750">
+              <a:buFont typeface="Arial" panose="020B0604020202020204" pitchFamily="34" charset="0"/>
+              <a:buChar char="•"/>
+            </a:pPr>
+            <a:endParaRPr lang="en-US" sz="1600" dirty="0">
               <a:latin typeface="Arial" panose="020B0604020202020204" pitchFamily="34" charset="0"/>
               <a:ea typeface="+mn-lt"/>
               <a:cs typeface="Arial" panose="020B0604020202020204" pitchFamily="34" charset="0"/>
@@ -13953,7 +12498,7 @@
               <a:buChar char="•"/>
             </a:pPr>
             <a:r>
-              <a:rPr lang="en-US" dirty="0">
+              <a:rPr lang="en-US" sz="1600" dirty="0">
                 <a:latin typeface="Arial" panose="020B0604020202020204" pitchFamily="34" charset="0"/>
                 <a:ea typeface="+mn-lt"/>
                 <a:cs typeface="Arial" panose="020B0604020202020204" pitchFamily="34" charset="0"/>
@@ -13967,7 +12512,7 @@
               <a:buChar char="•"/>
             </a:pPr>
             <a:r>
-              <a:rPr lang="en-US" dirty="0">
+              <a:rPr lang="en-US" sz="1600" dirty="0">
                 <a:latin typeface="Arial" panose="020B0604020202020204" pitchFamily="34" charset="0"/>
                 <a:ea typeface="+mn-lt"/>
                 <a:cs typeface="Arial" panose="020B0604020202020204" pitchFamily="34" charset="0"/>
@@ -13980,7 +12525,7 @@
               <a:buFont typeface="Arial" panose="020B0604020202020204" pitchFamily="34" charset="0"/>
               <a:buChar char="•"/>
             </a:pPr>
-            <a:endParaRPr lang="en-US" dirty="0">
+            <a:endParaRPr lang="en-US" sz="1600" dirty="0">
               <a:latin typeface="Arial" panose="020B0604020202020204" pitchFamily="34" charset="0"/>
               <a:ea typeface="+mn-lt"/>
               <a:cs typeface="Arial" panose="020B0604020202020204" pitchFamily="34" charset="0"/>
@@ -13992,7 +12537,7 @@
               <a:buChar char="•"/>
             </a:pPr>
             <a:r>
-              <a:rPr lang="en-US" dirty="0">
+              <a:rPr lang="en-US" sz="1600" dirty="0">
                 <a:latin typeface="Arial" panose="020B0604020202020204" pitchFamily="34" charset="0"/>
                 <a:ea typeface="+mn-lt"/>
                 <a:cs typeface="Arial" panose="020B0604020202020204" pitchFamily="34" charset="0"/>
@@ -14006,7 +12551,7 @@
               <a:buChar char="•"/>
             </a:pPr>
             <a:r>
-              <a:rPr lang="en-US" dirty="0">
+              <a:rPr lang="en-US" sz="1600" dirty="0">
                 <a:latin typeface="Arial" panose="020B0604020202020204" pitchFamily="34" charset="0"/>
                 <a:ea typeface="+mn-lt"/>
                 <a:cs typeface="Arial" panose="020B0604020202020204" pitchFamily="34" charset="0"/>
@@ -14019,7 +12564,7 @@
               <a:buFont typeface="Arial" panose="020B0604020202020204" pitchFamily="34" charset="0"/>
               <a:buChar char="•"/>
             </a:pPr>
-            <a:endParaRPr lang="en-US" dirty="0">
+            <a:endParaRPr lang="en-US" sz="1600" dirty="0">
               <a:latin typeface="Arial" panose="020B0604020202020204" pitchFamily="34" charset="0"/>
               <a:ea typeface="+mn-lt"/>
               <a:cs typeface="Arial" panose="020B0604020202020204" pitchFamily="34" charset="0"/>
@@ -14031,7 +12576,7 @@
               <a:buChar char="•"/>
             </a:pPr>
             <a:r>
-              <a:rPr lang="en-US" dirty="0">
+              <a:rPr lang="en-US" sz="1600" dirty="0">
                 <a:latin typeface="Arial" panose="020B0604020202020204" pitchFamily="34" charset="0"/>
                 <a:ea typeface="+mn-lt"/>
                 <a:cs typeface="Arial" panose="020B0604020202020204" pitchFamily="34" charset="0"/>
@@ -14045,7 +12590,7 @@
               <a:buChar char="•"/>
             </a:pPr>
             <a:r>
-              <a:rPr lang="en-US" dirty="0">
+              <a:rPr lang="en-US" sz="1600" dirty="0">
                 <a:latin typeface="Arial" panose="020B0604020202020204" pitchFamily="34" charset="0"/>
                 <a:ea typeface="+mn-lt"/>
                 <a:cs typeface="Arial" panose="020B0604020202020204" pitchFamily="34" charset="0"/>
@@ -14059,7 +12604,7 @@
               <a:buChar char="•"/>
             </a:pPr>
             <a:r>
-              <a:rPr lang="en-US" dirty="0">
+              <a:rPr lang="en-US" sz="1600" dirty="0">
                 <a:latin typeface="Arial" panose="020B0604020202020204" pitchFamily="34" charset="0"/>
                 <a:ea typeface="+mn-lt"/>
                 <a:cs typeface="Arial" panose="020B0604020202020204" pitchFamily="34" charset="0"/>
@@ -14073,7 +12618,7 @@
               <a:buChar char="•"/>
             </a:pPr>
             <a:r>
-              <a:rPr lang="en-US" dirty="0">
+              <a:rPr lang="en-US" sz="1600" dirty="0">
                 <a:latin typeface="Arial" panose="020B0604020202020204" pitchFamily="34" charset="0"/>
                 <a:ea typeface="+mn-lt"/>
                 <a:cs typeface="Arial" panose="020B0604020202020204" pitchFamily="34" charset="0"/>
@@ -14207,13 +12752,13 @@
           <a:lstStyle/>
           <a:p>
             <a:r>
-              <a:rPr lang="en-US">
+              <a:rPr lang="en-US" dirty="0">
                 <a:latin typeface="Arial"/>
                 <a:cs typeface="Arial"/>
               </a:rPr>
-              <a:t>Exploratory Data Analysis (1 of 4)</a:t>
-            </a:r>
-            <a:endParaRPr lang="en-US"/>
+              <a:t>Exploratory Data Analysis (1 of 3)</a:t>
+            </a:r>
+            <a:endParaRPr lang="en-US" dirty="0"/>
           </a:p>
         </p:txBody>
       </p:sp>
@@ -14529,22 +13074,22 @@
           <a:lstStyle/>
           <a:p>
             <a:r>
-              <a:rPr lang="en-US">
+              <a:rPr lang="en-US" dirty="0">
                 <a:latin typeface="Arial"/>
                 <a:cs typeface="Arial"/>
               </a:rPr>
-              <a:t>Exploratory Data Analysis (2 of 4)</a:t>
-            </a:r>
-            <a:endParaRPr lang="en-US"/>
+              <a:t>Exploratory Data Analysis (2 of 3)</a:t>
+            </a:r>
+            <a:endParaRPr lang="en-US" dirty="0"/>
           </a:p>
         </p:txBody>
       </p:sp>
       <p:pic>
         <p:nvPicPr>
-          <p:cNvPr id="2" name="Picture 5" descr="Table&#10;&#10;Description automatically generated">
+          <p:cNvPr id="7" name="Picture 7" descr="Table&#10;&#10;Description automatically generated">
             <a:extLst>
               <a:ext uri="{FF2B5EF4-FFF2-40B4-BE49-F238E27FC236}">
-                <a16:creationId xmlns:a16="http://schemas.microsoft.com/office/drawing/2014/main" id="{568578D1-254A-4ABC-9AB1-83EB9BC9EAD0}"/>
+                <a16:creationId xmlns:a16="http://schemas.microsoft.com/office/drawing/2014/main" id="{282460E3-6CCA-49A4-892F-C1C82BB37803}"/>
               </a:ext>
             </a:extLst>
           </p:cNvPr>
@@ -14561,148 +13106,8 @@
         </p:blipFill>
         <p:spPr>
           <a:xfrm>
-            <a:off x="281743" y="1149828"/>
-            <a:ext cx="2743200" cy="1673428"/>
-          </a:xfrm>
-          <a:prstGeom prst="rect">
-            <a:avLst/>
-          </a:prstGeom>
-          <a:ln>
-            <a:solidFill>
-              <a:schemeClr val="tx1"/>
-            </a:solidFill>
-          </a:ln>
-        </p:spPr>
-      </p:pic>
-      <p:pic>
-        <p:nvPicPr>
-          <p:cNvPr id="6" name="Picture 6" descr="Table&#10;&#10;Description automatically generated">
-            <a:extLst>
-              <a:ext uri="{FF2B5EF4-FFF2-40B4-BE49-F238E27FC236}">
-                <a16:creationId xmlns:a16="http://schemas.microsoft.com/office/drawing/2014/main" id="{7CA02F6C-7777-4B8E-A43D-5E8C936AE180}"/>
-              </a:ext>
-            </a:extLst>
-          </p:cNvPr>
-          <p:cNvPicPr>
-            <a:picLocks noChangeAspect="1"/>
-          </p:cNvPicPr>
-          <p:nvPr/>
-        </p:nvPicPr>
-        <p:blipFill>
-          <a:blip r:embed="rId3"/>
-          <a:stretch>
-            <a:fillRect/>
-          </a:stretch>
-        </p:blipFill>
-        <p:spPr>
-          <a:xfrm>
-            <a:off x="3141352" y="1149023"/>
-            <a:ext cx="2743200" cy="2079938"/>
-          </a:xfrm>
-          <a:prstGeom prst="rect">
-            <a:avLst/>
-          </a:prstGeom>
-          <a:ln>
-            <a:solidFill>
-              <a:schemeClr val="tx1"/>
-            </a:solidFill>
-          </a:ln>
-        </p:spPr>
-      </p:pic>
-      <p:pic>
-        <p:nvPicPr>
-          <p:cNvPr id="7" name="Picture 7" descr="Table&#10;&#10;Description automatically generated">
-            <a:extLst>
-              <a:ext uri="{FF2B5EF4-FFF2-40B4-BE49-F238E27FC236}">
-                <a16:creationId xmlns:a16="http://schemas.microsoft.com/office/drawing/2014/main" id="{282460E3-6CCA-49A4-892F-C1C82BB37803}"/>
-              </a:ext>
-            </a:extLst>
-          </p:cNvPr>
-          <p:cNvPicPr>
-            <a:picLocks noChangeAspect="1"/>
-          </p:cNvPicPr>
-          <p:nvPr/>
-        </p:nvPicPr>
-        <p:blipFill>
-          <a:blip r:embed="rId4"/>
-          <a:stretch>
-            <a:fillRect/>
-          </a:stretch>
-        </p:blipFill>
-        <p:spPr>
-          <a:xfrm>
-            <a:off x="6009396" y="1148470"/>
+            <a:off x="5307433" y="4067162"/>
             <a:ext cx="2743200" cy="1574920"/>
-          </a:xfrm>
-          <a:prstGeom prst="rect">
-            <a:avLst/>
-          </a:prstGeom>
-          <a:ln>
-            <a:solidFill>
-              <a:schemeClr val="tx1"/>
-            </a:solidFill>
-          </a:ln>
-        </p:spPr>
-      </p:pic>
-      <p:pic>
-        <p:nvPicPr>
-          <p:cNvPr id="8" name="Picture 8" descr="Table&#10;&#10;Description automatically generated">
-            <a:extLst>
-              <a:ext uri="{FF2B5EF4-FFF2-40B4-BE49-F238E27FC236}">
-                <a16:creationId xmlns:a16="http://schemas.microsoft.com/office/drawing/2014/main" id="{A6467D52-D253-4042-8F40-7323E90F43C1}"/>
-              </a:ext>
-            </a:extLst>
-          </p:cNvPr>
-          <p:cNvPicPr>
-            <a:picLocks noChangeAspect="1"/>
-          </p:cNvPicPr>
-          <p:nvPr/>
-        </p:nvPicPr>
-        <p:blipFill>
-          <a:blip r:embed="rId5"/>
-          <a:stretch>
-            <a:fillRect/>
-          </a:stretch>
-        </p:blipFill>
-        <p:spPr>
-          <a:xfrm>
-            <a:off x="281743" y="2998114"/>
-            <a:ext cx="2743200" cy="1637832"/>
-          </a:xfrm>
-          <a:prstGeom prst="rect">
-            <a:avLst/>
-          </a:prstGeom>
-          <a:ln>
-            <a:solidFill>
-              <a:schemeClr val="tx1"/>
-            </a:solidFill>
-          </a:ln>
-        </p:spPr>
-      </p:pic>
-      <p:pic>
-        <p:nvPicPr>
-          <p:cNvPr id="9" name="Picture 9" descr="Table&#10;&#10;Description automatically generated">
-            <a:extLst>
-              <a:ext uri="{FF2B5EF4-FFF2-40B4-BE49-F238E27FC236}">
-                <a16:creationId xmlns:a16="http://schemas.microsoft.com/office/drawing/2014/main" id="{DCD28C97-344F-4550-9561-70C1DFACF68C}"/>
-              </a:ext>
-            </a:extLst>
-          </p:cNvPr>
-          <p:cNvPicPr>
-            <a:picLocks noChangeAspect="1"/>
-          </p:cNvPicPr>
-          <p:nvPr/>
-        </p:nvPicPr>
-        <p:blipFill>
-          <a:blip r:embed="rId6"/>
-          <a:stretch>
-            <a:fillRect/>
-          </a:stretch>
-        </p:blipFill>
-        <p:spPr>
-          <a:xfrm>
-            <a:off x="3141352" y="3425704"/>
-            <a:ext cx="2743200" cy="1693676"/>
           </a:xfrm>
           <a:prstGeom prst="rect">
             <a:avLst/>
@@ -14729,14 +13134,14 @@
           <p:nvPr/>
         </p:nvPicPr>
         <p:blipFill>
-          <a:blip r:embed="rId7"/>
+          <a:blip r:embed="rId3"/>
           <a:stretch>
             <a:fillRect/>
           </a:stretch>
         </p:blipFill>
         <p:spPr>
           <a:xfrm>
-            <a:off x="6009396" y="2923131"/>
+            <a:off x="1040231" y="4086912"/>
             <a:ext cx="2743200" cy="1315414"/>
           </a:xfrm>
           <a:prstGeom prst="rect">
@@ -14751,10 +13156,10 @@
       </p:pic>
       <p:pic>
         <p:nvPicPr>
-          <p:cNvPr id="11" name="Picture 11" descr="Table&#10;&#10;Description automatically generated">
+          <p:cNvPr id="15" name="Picture 14">
             <a:extLst>
               <a:ext uri="{FF2B5EF4-FFF2-40B4-BE49-F238E27FC236}">
-                <a16:creationId xmlns:a16="http://schemas.microsoft.com/office/drawing/2014/main" id="{0E646827-B947-4862-A7C1-DF9D28670EA5}"/>
+                <a16:creationId xmlns:a16="http://schemas.microsoft.com/office/drawing/2014/main" id="{E07A6CBD-B96F-40C3-98E1-9885C67A3468}"/>
               </a:ext>
             </a:extLst>
           </p:cNvPr>
@@ -14764,32 +13169,27 @@
           <p:nvPr/>
         </p:nvPicPr>
         <p:blipFill>
-          <a:blip r:embed="rId8"/>
+          <a:blip r:embed="rId4"/>
           <a:stretch>
             <a:fillRect/>
           </a:stretch>
         </p:blipFill>
         <p:spPr>
           <a:xfrm>
-            <a:off x="281743" y="4789262"/>
-            <a:ext cx="2743200" cy="1345349"/>
+            <a:off x="1017543" y="2171886"/>
+            <a:ext cx="2767824" cy="1036410"/>
           </a:xfrm>
           <a:prstGeom prst="rect">
             <a:avLst/>
           </a:prstGeom>
-          <a:ln>
-            <a:solidFill>
-              <a:schemeClr val="tx1"/>
-            </a:solidFill>
-          </a:ln>
         </p:spPr>
       </p:pic>
       <p:pic>
         <p:nvPicPr>
-          <p:cNvPr id="12" name="Picture 12" descr="Table&#10;&#10;Description automatically generated">
+          <p:cNvPr id="17" name="Picture 16">
             <a:extLst>
               <a:ext uri="{FF2B5EF4-FFF2-40B4-BE49-F238E27FC236}">
-                <a16:creationId xmlns:a16="http://schemas.microsoft.com/office/drawing/2014/main" id="{6CB56EC1-3872-4CCA-9ABD-EE9E1D06289B}"/>
+                <a16:creationId xmlns:a16="http://schemas.microsoft.com/office/drawing/2014/main" id="{69C293E9-DC7B-4CEA-BEA2-1A97AA772D1A}"/>
               </a:ext>
             </a:extLst>
           </p:cNvPr>
@@ -14799,32 +13199,27 @@
           <p:nvPr/>
         </p:nvPicPr>
         <p:blipFill>
-          <a:blip r:embed="rId9"/>
+          <a:blip r:embed="rId5"/>
           <a:stretch>
             <a:fillRect/>
           </a:stretch>
         </p:blipFill>
         <p:spPr>
           <a:xfrm>
-            <a:off x="6009396" y="4434708"/>
-            <a:ext cx="2743200" cy="1244657"/>
+            <a:off x="5266269" y="2135489"/>
+            <a:ext cx="2767824" cy="1146147"/>
           </a:xfrm>
           <a:prstGeom prst="rect">
             <a:avLst/>
           </a:prstGeom>
-          <a:ln>
-            <a:solidFill>
-              <a:schemeClr val="tx1"/>
-            </a:solidFill>
-          </a:ln>
         </p:spPr>
       </p:pic>
       <p:sp>
         <p:nvSpPr>
-          <p:cNvPr id="13" name="TextBox 12">
+          <p:cNvPr id="19" name="TextBox 18">
             <a:extLst>
               <a:ext uri="{FF2B5EF4-FFF2-40B4-BE49-F238E27FC236}">
-                <a16:creationId xmlns:a16="http://schemas.microsoft.com/office/drawing/2014/main" id="{9E4B8669-DA05-4973-A35A-56948E58D739}"/>
+                <a16:creationId xmlns:a16="http://schemas.microsoft.com/office/drawing/2014/main" id="{7E5C4384-A1D4-4DF8-9753-38F00D17CA1A}"/>
               </a:ext>
             </a:extLst>
           </p:cNvPr>
@@ -14832,9 +13227,9 @@
           <p:nvPr/>
         </p:nvSpPr>
         <p:spPr>
-          <a:xfrm rot="-1260000">
-            <a:off x="5076462" y="147576"/>
-            <a:ext cx="2743199" cy="1477328"/>
+          <a:xfrm>
+            <a:off x="152400" y="1116449"/>
+            <a:ext cx="2858655" cy="707886"/>
           </a:xfrm>
           <a:prstGeom prst="rect">
             <a:avLst/>
@@ -14842,21 +13237,179 @@
           <a:noFill/>
         </p:spPr>
         <p:txBody>
-          <a:bodyPr rot="0" spcFirstLastPara="0" vertOverflow="overflow" horzOverflow="overflow" vert="horz" wrap="square" lIns="91440" tIns="45720" rIns="91440" bIns="45720" numCol="1" spcCol="0" rtlCol="0" fromWordArt="0" anchor="t" anchorCtr="0" forceAA="0" compatLnSpc="1">
-            <a:prstTxWarp prst="textNoShape">
-              <a:avLst/>
-            </a:prstTxWarp>
+          <a:bodyPr wrap="square" rtlCol="0" anchor="t">
             <a:spAutoFit/>
           </a:bodyPr>
           <a:lstStyle/>
           <a:p>
             <a:r>
-              <a:rPr lang="en-US">
-                <a:solidFill>
-                  <a:srgbClr val="FF6600"/>
-                </a:solidFill>
-              </a:rPr>
-              <a:t>We'll probably just use one of these to drive home a point about class balance in our categorical predictors</a:t>
+              <a:rPr lang="en-US" sz="2000" b="1">
+                <a:latin typeface="Arial" panose="020B0604020202020204" pitchFamily="34" charset="0"/>
+                <a:ea typeface="+mn-lt"/>
+                <a:cs typeface="Arial" panose="020B0604020202020204" pitchFamily="34" charset="0"/>
+              </a:rPr>
+              <a:t>Data Discovery</a:t>
+            </a:r>
+          </a:p>
+          <a:p>
+            <a:endParaRPr lang="en-US" sz="2000" b="1">
+              <a:latin typeface="Arial" panose="020B0604020202020204" pitchFamily="34" charset="0"/>
+              <a:ea typeface="+mn-lt"/>
+              <a:cs typeface="Arial" panose="020B0604020202020204" pitchFamily="34" charset="0"/>
+            </a:endParaRPr>
+          </a:p>
+        </p:txBody>
+      </p:sp>
+      <p:sp>
+        <p:nvSpPr>
+          <p:cNvPr id="20" name="TextBox 19">
+            <a:extLst>
+              <a:ext uri="{FF2B5EF4-FFF2-40B4-BE49-F238E27FC236}">
+                <a16:creationId xmlns:a16="http://schemas.microsoft.com/office/drawing/2014/main" id="{89677615-FDBC-4B37-A43D-97F0D23AC5AA}"/>
+              </a:ext>
+            </a:extLst>
+          </p:cNvPr>
+          <p:cNvSpPr txBox="1"/>
+          <p:nvPr/>
+        </p:nvSpPr>
+        <p:spPr>
+          <a:xfrm>
+            <a:off x="5310909" y="1812636"/>
+            <a:ext cx="2779928" cy="338554"/>
+          </a:xfrm>
+          <a:prstGeom prst="rect">
+            <a:avLst/>
+          </a:prstGeom>
+          <a:noFill/>
+        </p:spPr>
+        <p:txBody>
+          <a:bodyPr wrap="none" rtlCol="0">
+            <a:spAutoFit/>
+          </a:bodyPr>
+          <a:lstStyle/>
+          <a:p>
+            <a:r>
+              <a:rPr lang="en-US" sz="1600">
+                <a:latin typeface="Arial" panose="020B0604020202020204" pitchFamily="34" charset="0"/>
+                <a:cs typeface="Arial" panose="020B0604020202020204" pitchFamily="34" charset="0"/>
+              </a:rPr>
+              <a:t>Class Imbalance Challenges</a:t>
+            </a:r>
+          </a:p>
+        </p:txBody>
+      </p:sp>
+      <p:sp>
+        <p:nvSpPr>
+          <p:cNvPr id="22" name="TextBox 21">
+            <a:extLst>
+              <a:ext uri="{FF2B5EF4-FFF2-40B4-BE49-F238E27FC236}">
+                <a16:creationId xmlns:a16="http://schemas.microsoft.com/office/drawing/2014/main" id="{F908BCC3-E80B-4580-BD0A-B4720CFD1629}"/>
+              </a:ext>
+            </a:extLst>
+          </p:cNvPr>
+          <p:cNvSpPr txBox="1"/>
+          <p:nvPr/>
+        </p:nvSpPr>
+        <p:spPr>
+          <a:xfrm>
+            <a:off x="1482434" y="1861127"/>
+            <a:ext cx="1723549" cy="338554"/>
+          </a:xfrm>
+          <a:prstGeom prst="rect">
+            <a:avLst/>
+          </a:prstGeom>
+          <a:noFill/>
+        </p:spPr>
+        <p:txBody>
+          <a:bodyPr wrap="none" rtlCol="0">
+            <a:spAutoFit/>
+          </a:bodyPr>
+          <a:lstStyle/>
+          <a:p>
+            <a:r>
+              <a:rPr lang="en-US" sz="1600">
+                <a:latin typeface="Arial" panose="020B0604020202020204" pitchFamily="34" charset="0"/>
+                <a:cs typeface="Arial" panose="020B0604020202020204" pitchFamily="34" charset="0"/>
+              </a:rPr>
+              <a:t>Columns to Drop</a:t>
+            </a:r>
+          </a:p>
+        </p:txBody>
+      </p:sp>
+      <p:sp>
+        <p:nvSpPr>
+          <p:cNvPr id="23" name="TextBox 22">
+            <a:extLst>
+              <a:ext uri="{FF2B5EF4-FFF2-40B4-BE49-F238E27FC236}">
+                <a16:creationId xmlns:a16="http://schemas.microsoft.com/office/drawing/2014/main" id="{B396B1CA-2BF1-4FC9-ABEC-5DBAD3BC50AD}"/>
+              </a:ext>
+            </a:extLst>
+          </p:cNvPr>
+          <p:cNvSpPr txBox="1"/>
+          <p:nvPr/>
+        </p:nvSpPr>
+        <p:spPr>
+          <a:xfrm>
+            <a:off x="1034473" y="3486727"/>
+            <a:ext cx="2761672" cy="584775"/>
+          </a:xfrm>
+          <a:prstGeom prst="rect">
+            <a:avLst/>
+          </a:prstGeom>
+          <a:noFill/>
+        </p:spPr>
+        <p:txBody>
+          <a:bodyPr wrap="square" rtlCol="0">
+            <a:spAutoFit/>
+          </a:bodyPr>
+          <a:lstStyle/>
+          <a:p>
+            <a:pPr algn="ctr"/>
+            <a:r>
+              <a:rPr lang="en-US" sz="1600" dirty="0">
+                <a:latin typeface="Arial" panose="020B0604020202020204" pitchFamily="34" charset="0"/>
+                <a:cs typeface="Arial" panose="020B0604020202020204" pitchFamily="34" charset="0"/>
+              </a:rPr>
+              <a:t>Known Categories Lack Representation</a:t>
+            </a:r>
+          </a:p>
+        </p:txBody>
+      </p:sp>
+      <p:sp>
+        <p:nvSpPr>
+          <p:cNvPr id="24" name="TextBox 23">
+            <a:extLst>
+              <a:ext uri="{FF2B5EF4-FFF2-40B4-BE49-F238E27FC236}">
+                <a16:creationId xmlns:a16="http://schemas.microsoft.com/office/drawing/2014/main" id="{62B835C6-0772-4CF2-93DD-E53E3C2FEB6C}"/>
+              </a:ext>
+            </a:extLst>
+          </p:cNvPr>
+          <p:cNvSpPr txBox="1"/>
+          <p:nvPr/>
+        </p:nvSpPr>
+        <p:spPr>
+          <a:xfrm>
+            <a:off x="5310909" y="3486727"/>
+            <a:ext cx="2761672" cy="584775"/>
+          </a:xfrm>
+          <a:prstGeom prst="rect">
+            <a:avLst/>
+          </a:prstGeom>
+          <a:noFill/>
+        </p:spPr>
+        <p:txBody>
+          <a:bodyPr wrap="square" rtlCol="0">
+            <a:spAutoFit/>
+          </a:bodyPr>
+          <a:lstStyle/>
+          <a:p>
+            <a:pPr algn="ctr"/>
+            <a:r>
+              <a:rPr lang="en-US" sz="1600">
+                <a:latin typeface="Arial" panose="020B0604020202020204" pitchFamily="34" charset="0"/>
+                <a:cs typeface="Arial" panose="020B0604020202020204" pitchFamily="34" charset="0"/>
+              </a:rPr>
+              <a:t>Level Aggregation Considerations</a:t>
             </a:r>
           </a:p>
         </p:txBody>
@@ -14989,7 +13542,7 @@
                 <a:latin typeface="Arial"/>
                 <a:cs typeface="Arial"/>
               </a:rPr>
-              <a:t>Exploratory Data Analysis (2 of 3)</a:t>
+              <a:t>Exploratory Data Analysis (3 of 3)</a:t>
             </a:r>
             <a:endParaRPr lang="en-US"/>
           </a:p>
@@ -14997,10 +13550,10 @@
       </p:sp>
       <p:pic>
         <p:nvPicPr>
-          <p:cNvPr id="7" name="Picture 7" descr="Table&#10;&#10;Description automatically generated">
+          <p:cNvPr id="2" name="Picture 1">
             <a:extLst>
               <a:ext uri="{FF2B5EF4-FFF2-40B4-BE49-F238E27FC236}">
-                <a16:creationId xmlns:a16="http://schemas.microsoft.com/office/drawing/2014/main" id="{FFBC13DC-8EDE-4CF4-B9BB-1A7E00D0085E}"/>
+                <a16:creationId xmlns:a16="http://schemas.microsoft.com/office/drawing/2014/main" id="{6FA31BBE-4156-4A46-BDBF-CABB15546E82}"/>
               </a:ext>
             </a:extLst>
           </p:cNvPr>
@@ -15017,25 +13570,20 @@
         </p:blipFill>
         <p:spPr>
           <a:xfrm>
-            <a:off x="281743" y="1244268"/>
-            <a:ext cx="2743200" cy="1383323"/>
+            <a:off x="0" y="1270908"/>
+            <a:ext cx="2895372" cy="2683872"/>
           </a:xfrm>
           <a:prstGeom prst="rect">
             <a:avLst/>
           </a:prstGeom>
-          <a:ln>
-            <a:solidFill>
-              <a:schemeClr val="tx1"/>
-            </a:solidFill>
-          </a:ln>
         </p:spPr>
       </p:pic>
       <p:pic>
         <p:nvPicPr>
-          <p:cNvPr id="8" name="Picture 8" descr="Table&#10;&#10;Description automatically generated">
+          <p:cNvPr id="6" name="Picture 5">
             <a:extLst>
               <a:ext uri="{FF2B5EF4-FFF2-40B4-BE49-F238E27FC236}">
-                <a16:creationId xmlns:a16="http://schemas.microsoft.com/office/drawing/2014/main" id="{6EBBECEA-A2DC-4F14-A0DD-A85183353BD2}"/>
+                <a16:creationId xmlns:a16="http://schemas.microsoft.com/office/drawing/2014/main" id="{32820CE7-F6CF-4627-92ED-68F001793C89}"/>
               </a:ext>
             </a:extLst>
           </p:cNvPr>
@@ -15052,25 +13600,20 @@
         </p:blipFill>
         <p:spPr>
           <a:xfrm>
-            <a:off x="3090739" y="1243291"/>
-            <a:ext cx="3299938" cy="1368408"/>
+            <a:off x="5852750" y="1270908"/>
+            <a:ext cx="2989479" cy="2744832"/>
           </a:xfrm>
           <a:prstGeom prst="rect">
             <a:avLst/>
           </a:prstGeom>
-          <a:ln>
-            <a:solidFill>
-              <a:schemeClr val="tx1"/>
-            </a:solidFill>
-          </a:ln>
         </p:spPr>
       </p:pic>
       <p:pic>
         <p:nvPicPr>
-          <p:cNvPr id="9" name="Picture 9" descr="Table&#10;&#10;Description automatically generated">
+          <p:cNvPr id="8" name="Picture 7">
             <a:extLst>
               <a:ext uri="{FF2B5EF4-FFF2-40B4-BE49-F238E27FC236}">
-                <a16:creationId xmlns:a16="http://schemas.microsoft.com/office/drawing/2014/main" id="{F5810336-DA32-4FBA-8413-9C4C172A2FE8}"/>
+                <a16:creationId xmlns:a16="http://schemas.microsoft.com/office/drawing/2014/main" id="{54430462-0580-46F4-A77B-DAEB60E7685A}"/>
               </a:ext>
             </a:extLst>
           </p:cNvPr>
@@ -15087,25 +13630,20 @@
         </p:blipFill>
         <p:spPr>
           <a:xfrm>
-            <a:off x="281743" y="2661654"/>
-            <a:ext cx="2743200" cy="1112921"/>
+            <a:off x="3002461" y="1270908"/>
+            <a:ext cx="2743200" cy="2676252"/>
           </a:xfrm>
           <a:prstGeom prst="rect">
             <a:avLst/>
           </a:prstGeom>
-          <a:ln>
-            <a:solidFill>
-              <a:schemeClr val="tx1"/>
-            </a:solidFill>
-          </a:ln>
         </p:spPr>
       </p:pic>
       <p:pic>
         <p:nvPicPr>
-          <p:cNvPr id="10" name="Picture 10" descr="Table&#10;&#10;Description automatically generated">
+          <p:cNvPr id="7" name="Picture 8" descr="Table&#10;&#10;Description automatically generated">
             <a:extLst>
               <a:ext uri="{FF2B5EF4-FFF2-40B4-BE49-F238E27FC236}">
-                <a16:creationId xmlns:a16="http://schemas.microsoft.com/office/drawing/2014/main" id="{21EC483E-9AAA-4A49-A4A9-DF3B2C95D4DD}"/>
+                <a16:creationId xmlns:a16="http://schemas.microsoft.com/office/drawing/2014/main" id="{E015AB53-4723-4C93-9C26-794431CE8101}"/>
               </a:ext>
             </a:extLst>
           </p:cNvPr>
@@ -15122,270 +13660,20 @@
         </p:blipFill>
         <p:spPr>
           <a:xfrm>
-            <a:off x="3090739" y="2665001"/>
-            <a:ext cx="2743200" cy="1123098"/>
+            <a:off x="789007" y="4333453"/>
+            <a:ext cx="7358605" cy="1624145"/>
           </a:xfrm>
           <a:prstGeom prst="rect">
             <a:avLst/>
           </a:prstGeom>
-          <a:ln>
-            <a:solidFill>
-              <a:schemeClr val="tx1"/>
-            </a:solidFill>
-          </a:ln>
         </p:spPr>
       </p:pic>
-      <p:pic>
-        <p:nvPicPr>
-          <p:cNvPr id="11" name="Picture 11" descr="Table&#10;&#10;Description automatically generated">
+      <p:sp>
+        <p:nvSpPr>
+          <p:cNvPr id="9" name="TextBox 8">
             <a:extLst>
               <a:ext uri="{FF2B5EF4-FFF2-40B4-BE49-F238E27FC236}">
-                <a16:creationId xmlns:a16="http://schemas.microsoft.com/office/drawing/2014/main" id="{8362F5E2-DD80-4825-A6C1-F991D8265645}"/>
-              </a:ext>
-            </a:extLst>
-          </p:cNvPr>
-          <p:cNvPicPr>
-            <a:picLocks noChangeAspect="1"/>
-          </p:cNvPicPr>
-          <p:nvPr/>
-        </p:nvPicPr>
-        <p:blipFill>
-          <a:blip r:embed="rId6"/>
-          <a:stretch>
-            <a:fillRect/>
-          </a:stretch>
-        </p:blipFill>
-        <p:spPr>
-          <a:xfrm>
-            <a:off x="5925042" y="2664775"/>
-            <a:ext cx="2743200" cy="1359742"/>
-          </a:xfrm>
-          <a:prstGeom prst="rect">
-            <a:avLst/>
-          </a:prstGeom>
-          <a:ln>
-            <a:solidFill>
-              <a:schemeClr val="tx1"/>
-            </a:solidFill>
-          </a:ln>
-        </p:spPr>
-      </p:pic>
-      <p:pic>
-        <p:nvPicPr>
-          <p:cNvPr id="12" name="Picture 12" descr="Table&#10;&#10;Description automatically generated">
-            <a:extLst>
-              <a:ext uri="{FF2B5EF4-FFF2-40B4-BE49-F238E27FC236}">
-                <a16:creationId xmlns:a16="http://schemas.microsoft.com/office/drawing/2014/main" id="{AFA86AA1-8878-4506-A85F-87EFE9826B74}"/>
-              </a:ext>
-            </a:extLst>
-          </p:cNvPr>
-          <p:cNvPicPr>
-            <a:picLocks noChangeAspect="1"/>
-          </p:cNvPicPr>
-          <p:nvPr/>
-        </p:nvPicPr>
-        <p:blipFill>
-          <a:blip r:embed="rId7"/>
-          <a:stretch>
-            <a:fillRect/>
-          </a:stretch>
-        </p:blipFill>
-        <p:spPr>
-          <a:xfrm>
-            <a:off x="290178" y="3857209"/>
-            <a:ext cx="2743200" cy="1016246"/>
-          </a:xfrm>
-          <a:prstGeom prst="rect">
-            <a:avLst/>
-          </a:prstGeom>
-          <a:ln>
-            <a:solidFill>
-              <a:schemeClr val="tx1"/>
-            </a:solidFill>
-          </a:ln>
-        </p:spPr>
-      </p:pic>
-      <p:pic>
-        <p:nvPicPr>
-          <p:cNvPr id="13" name="Picture 13" descr="Table&#10;&#10;Description automatically generated">
-            <a:extLst>
-              <a:ext uri="{FF2B5EF4-FFF2-40B4-BE49-F238E27FC236}">
-                <a16:creationId xmlns:a16="http://schemas.microsoft.com/office/drawing/2014/main" id="{76D8ADAE-40D5-44CF-97B2-67984AAD721E}"/>
-              </a:ext>
-            </a:extLst>
-          </p:cNvPr>
-          <p:cNvPicPr>
-            <a:picLocks noChangeAspect="1"/>
-          </p:cNvPicPr>
-          <p:nvPr/>
-        </p:nvPicPr>
-        <p:blipFill>
-          <a:blip r:embed="rId8"/>
-          <a:stretch>
-            <a:fillRect/>
-          </a:stretch>
-        </p:blipFill>
-        <p:spPr>
-          <a:xfrm>
-            <a:off x="3099174" y="3859316"/>
-            <a:ext cx="2743200" cy="1383191"/>
-          </a:xfrm>
-          <a:prstGeom prst="rect">
-            <a:avLst/>
-          </a:prstGeom>
-          <a:ln>
-            <a:solidFill>
-              <a:schemeClr val="tx1"/>
-            </a:solidFill>
-          </a:ln>
-        </p:spPr>
-      </p:pic>
-      <p:pic>
-        <p:nvPicPr>
-          <p:cNvPr id="14" name="Picture 14" descr="Table&#10;&#10;Description automatically generated">
-            <a:extLst>
-              <a:ext uri="{FF2B5EF4-FFF2-40B4-BE49-F238E27FC236}">
-                <a16:creationId xmlns:a16="http://schemas.microsoft.com/office/drawing/2014/main" id="{E70408D8-7B27-468F-902C-11AB4CCAECB8}"/>
-              </a:ext>
-            </a:extLst>
-          </p:cNvPr>
-          <p:cNvPicPr>
-            <a:picLocks noChangeAspect="1"/>
-          </p:cNvPicPr>
-          <p:nvPr/>
-        </p:nvPicPr>
-        <p:blipFill>
-          <a:blip r:embed="rId9"/>
-          <a:stretch>
-            <a:fillRect/>
-          </a:stretch>
-        </p:blipFill>
-        <p:spPr>
-          <a:xfrm>
-            <a:off x="6397426" y="1243626"/>
-            <a:ext cx="2743200" cy="1367736"/>
-          </a:xfrm>
-          <a:prstGeom prst="rect">
-            <a:avLst/>
-          </a:prstGeom>
-          <a:ln>
-            <a:solidFill>
-              <a:schemeClr val="tx1"/>
-            </a:solidFill>
-          </a:ln>
-        </p:spPr>
-      </p:pic>
-      <p:pic>
-        <p:nvPicPr>
-          <p:cNvPr id="15" name="Picture 15" descr="Table&#10;&#10;Description automatically generated">
-            <a:extLst>
-              <a:ext uri="{FF2B5EF4-FFF2-40B4-BE49-F238E27FC236}">
-                <a16:creationId xmlns:a16="http://schemas.microsoft.com/office/drawing/2014/main" id="{20994C34-7C2C-4022-A2C1-37FC9D73EE87}"/>
-              </a:ext>
-            </a:extLst>
-          </p:cNvPr>
-          <p:cNvPicPr>
-            <a:picLocks noChangeAspect="1"/>
-          </p:cNvPicPr>
-          <p:nvPr/>
-        </p:nvPicPr>
-        <p:blipFill>
-          <a:blip r:embed="rId10"/>
-          <a:stretch>
-            <a:fillRect/>
-          </a:stretch>
-        </p:blipFill>
-        <p:spPr>
-          <a:xfrm>
-            <a:off x="5933477" y="4084322"/>
-            <a:ext cx="2743200" cy="1219984"/>
-          </a:xfrm>
-          <a:prstGeom prst="rect">
-            <a:avLst/>
-          </a:prstGeom>
-          <a:ln>
-            <a:solidFill>
-              <a:schemeClr val="tx1"/>
-            </a:solidFill>
-          </a:ln>
-        </p:spPr>
-      </p:pic>
-      <p:pic>
-        <p:nvPicPr>
-          <p:cNvPr id="16" name="Picture 16" descr="Table&#10;&#10;Description automatically generated">
-            <a:extLst>
-              <a:ext uri="{FF2B5EF4-FFF2-40B4-BE49-F238E27FC236}">
-                <a16:creationId xmlns:a16="http://schemas.microsoft.com/office/drawing/2014/main" id="{FD07EC0A-DF08-4D60-81DF-0DF3038B2824}"/>
-              </a:ext>
-            </a:extLst>
-          </p:cNvPr>
-          <p:cNvPicPr>
-            <a:picLocks noChangeAspect="1"/>
-          </p:cNvPicPr>
-          <p:nvPr/>
-        </p:nvPicPr>
-        <p:blipFill>
-          <a:blip r:embed="rId11"/>
-          <a:stretch>
-            <a:fillRect/>
-          </a:stretch>
-        </p:blipFill>
-        <p:spPr>
-          <a:xfrm>
-            <a:off x="290178" y="4968178"/>
-            <a:ext cx="2743200" cy="1308065"/>
-          </a:xfrm>
-          <a:prstGeom prst="rect">
-            <a:avLst/>
-          </a:prstGeom>
-          <a:ln>
-            <a:solidFill>
-              <a:schemeClr val="tx1"/>
-            </a:solidFill>
-          </a:ln>
-        </p:spPr>
-      </p:pic>
-      <p:pic>
-        <p:nvPicPr>
-          <p:cNvPr id="17" name="Picture 17" descr="Table&#10;&#10;Description automatically generated">
-            <a:extLst>
-              <a:ext uri="{FF2B5EF4-FFF2-40B4-BE49-F238E27FC236}">
-                <a16:creationId xmlns:a16="http://schemas.microsoft.com/office/drawing/2014/main" id="{F7968AE7-D6A0-433D-88AE-5288FE467522}"/>
-              </a:ext>
-            </a:extLst>
-          </p:cNvPr>
-          <p:cNvPicPr>
-            <a:picLocks noChangeAspect="1"/>
-          </p:cNvPicPr>
-          <p:nvPr/>
-        </p:nvPicPr>
-        <p:blipFill>
-          <a:blip r:embed="rId12"/>
-          <a:stretch>
-            <a:fillRect/>
-          </a:stretch>
-        </p:blipFill>
-        <p:spPr>
-          <a:xfrm>
-            <a:off x="3099175" y="5271548"/>
-            <a:ext cx="2743200" cy="1173707"/>
-          </a:xfrm>
-          <a:prstGeom prst="rect">
-            <a:avLst/>
-          </a:prstGeom>
-          <a:ln>
-            <a:solidFill>
-              <a:schemeClr val="tx1"/>
-            </a:solidFill>
-          </a:ln>
-        </p:spPr>
-      </p:pic>
-      <p:sp>
-        <p:nvSpPr>
-          <p:cNvPr id="2" name="TextBox 1">
-            <a:extLst>
-              <a:ext uri="{FF2B5EF4-FFF2-40B4-BE49-F238E27FC236}">
-                <a16:creationId xmlns:a16="http://schemas.microsoft.com/office/drawing/2014/main" id="{F356502B-5122-4A3E-AA28-6F4C41500A11}"/>
+                <a16:creationId xmlns:a16="http://schemas.microsoft.com/office/drawing/2014/main" id="{5A05A25E-6E1A-42BB-9E44-AC2682CFB055}"/>
               </a:ext>
             </a:extLst>
           </p:cNvPr>
@@ -15393,9 +13681,9 @@
           <p:nvPr/>
         </p:nvSpPr>
         <p:spPr>
-          <a:xfrm rot="-1260000">
-            <a:off x="5076462" y="147576"/>
-            <a:ext cx="2743199" cy="1477328"/>
+          <a:xfrm>
+            <a:off x="1226820" y="3886200"/>
+            <a:ext cx="732701" cy="276999"/>
           </a:xfrm>
           <a:prstGeom prst="rect">
             <a:avLst/>
@@ -15403,21 +13691,84 @@
           <a:noFill/>
         </p:spPr>
         <p:txBody>
-          <a:bodyPr rot="0" spcFirstLastPara="0" vertOverflow="overflow" horzOverflow="overflow" vert="horz" wrap="square" lIns="91440" tIns="45720" rIns="91440" bIns="45720" numCol="1" spcCol="0" rtlCol="0" fromWordArt="0" anchor="t" anchorCtr="0" forceAA="0" compatLnSpc="1">
-            <a:prstTxWarp prst="textNoShape">
-              <a:avLst/>
-            </a:prstTxWarp>
+          <a:bodyPr wrap="none" rtlCol="0">
             <a:spAutoFit/>
           </a:bodyPr>
           <a:lstStyle/>
           <a:p>
             <a:r>
-              <a:rPr lang="en-US">
-                <a:solidFill>
-                  <a:srgbClr val="FF6600"/>
-                </a:solidFill>
-              </a:rPr>
-              <a:t>We'll probably just use one of these to drive home a point about class balance in our categorical predictors</a:t>
+              <a:rPr lang="en-US" sz="1200"/>
+              <a:t>(In days)</a:t>
+            </a:r>
+          </a:p>
+        </p:txBody>
+      </p:sp>
+      <p:sp>
+        <p:nvSpPr>
+          <p:cNvPr id="10" name="TextBox 9">
+            <a:extLst>
+              <a:ext uri="{FF2B5EF4-FFF2-40B4-BE49-F238E27FC236}">
+                <a16:creationId xmlns:a16="http://schemas.microsoft.com/office/drawing/2014/main" id="{6E6AE664-000B-4277-A8E4-5CF3CAA1D654}"/>
+              </a:ext>
+            </a:extLst>
+          </p:cNvPr>
+          <p:cNvSpPr txBox="1"/>
+          <p:nvPr/>
+        </p:nvSpPr>
+        <p:spPr>
+          <a:xfrm>
+            <a:off x="4297680" y="3878580"/>
+            <a:ext cx="585417" cy="276999"/>
+          </a:xfrm>
+          <a:prstGeom prst="rect">
+            <a:avLst/>
+          </a:prstGeom>
+          <a:noFill/>
+        </p:spPr>
+        <p:txBody>
+          <a:bodyPr wrap="none" rtlCol="0">
+            <a:spAutoFit/>
+          </a:bodyPr>
+          <a:lstStyle/>
+          <a:p>
+            <a:r>
+              <a:rPr lang="en-US" sz="1200"/>
+              <a:t>(MPG)</a:t>
+            </a:r>
+          </a:p>
+        </p:txBody>
+      </p:sp>
+      <p:sp>
+        <p:nvSpPr>
+          <p:cNvPr id="11" name="TextBox 10">
+            <a:extLst>
+              <a:ext uri="{FF2B5EF4-FFF2-40B4-BE49-F238E27FC236}">
+                <a16:creationId xmlns:a16="http://schemas.microsoft.com/office/drawing/2014/main" id="{BFCF2BAB-65FA-4DF4-944B-73528269288D}"/>
+              </a:ext>
+            </a:extLst>
+          </p:cNvPr>
+          <p:cNvSpPr txBox="1"/>
+          <p:nvPr/>
+        </p:nvSpPr>
+        <p:spPr>
+          <a:xfrm>
+            <a:off x="7193280" y="3878580"/>
+            <a:ext cx="989373" cy="276999"/>
+          </a:xfrm>
+          <a:prstGeom prst="rect">
+            <a:avLst/>
+          </a:prstGeom>
+          <a:noFill/>
+        </p:spPr>
+        <p:txBody>
+          <a:bodyPr wrap="none" rtlCol="0">
+            <a:spAutoFit/>
+          </a:bodyPr>
+          <a:lstStyle/>
+          <a:p>
+            <a:r>
+              <a:rPr lang="en-US" sz="1200"/>
+              <a:t>(Thousands)</a:t>
             </a:r>
           </a:p>
         </p:txBody>
@@ -15425,7 +13776,7 @@
     </p:spTree>
     <p:extLst>
       <p:ext uri="{BB962C8B-B14F-4D97-AF65-F5344CB8AC3E}">
-        <p14:creationId xmlns:p14="http://schemas.microsoft.com/office/powerpoint/2010/main" val="155827796"/>
+        <p14:creationId xmlns:p14="http://schemas.microsoft.com/office/powerpoint/2010/main" val="738431528"/>
       </p:ext>
     </p:extLst>
   </p:cSld>
@@ -15434,10 +13785,10 @@
   </p:clrMapOvr>
   <mc:AlternateContent xmlns:mc="http://schemas.openxmlformats.org/markup-compatibility/2006" xmlns:p14="http://schemas.microsoft.com/office/powerpoint/2010/main">
     <mc:Choice Requires="p14">
-      <p:transition spd="slow" p14:dur="2000" advTm="37057"/>
+      <p:transition spd="slow" p14:dur="2000" advTm="26897"/>
     </mc:Choice>
     <mc:Fallback xmlns="">
-      <p:transition spd="slow" advTm="37057"/>
+      <p:transition spd="slow" advTm="26897"/>
     </mc:Fallback>
   </mc:AlternateContent>
 </p:sld>
@@ -15906,15 +14257,6 @@
 </file>
 
 <file path=customXml/item1.xml><?xml version="1.0" encoding="utf-8"?>
-<?mso-contentType ?>
-<FormTemplates xmlns="http://schemas.microsoft.com/sharepoint/v3/contenttype/forms">
-  <Display>DocumentLibraryForm</Display>
-  <Edit>DocumentLibraryForm</Edit>
-  <New>DocumentLibraryForm</New>
-</FormTemplates>
-</file>
-
-<file path=customXml/item2.xml><?xml version="1.0" encoding="utf-8"?>
 <ct:contentTypeSchema xmlns:ct="http://schemas.microsoft.com/office/2006/metadata/contentType" xmlns:ma="http://schemas.microsoft.com/office/2006/metadata/properties/metaAttributes" ct:_="" ma:_="" ma:contentTypeName="Document" ma:contentTypeID="0x010100D9C43DAD6468C94EB5CA8961821636F2" ma:contentTypeVersion="4" ma:contentTypeDescription="Create a new document." ma:contentTypeScope="" ma:versionID="f026cc979fc114221399e560eb19d760">
   <xsd:schema xmlns:xsd="http://www.w3.org/2001/XMLSchema" xmlns:xs="http://www.w3.org/2001/XMLSchema" xmlns:p="http://schemas.microsoft.com/office/2006/metadata/properties" xmlns:ns2="3d6173bc-f643-4af8-84bf-2883b10e4cc3" targetNamespace="http://schemas.microsoft.com/office/2006/metadata/properties" ma:root="true" ma:fieldsID="3835bb7ab0f1ff332006153db1176884" ns2:_="">
     <xsd:import namespace="3d6173bc-f643-4af8-84bf-2883b10e4cc3"/>
@@ -16060,6 +14402,15 @@
 </ct:contentTypeSchema>
 </file>
 
+<file path=customXml/item2.xml><?xml version="1.0" encoding="utf-8"?>
+<?mso-contentType ?>
+<FormTemplates xmlns="http://schemas.microsoft.com/sharepoint/v3/contenttype/forms">
+  <Display>DocumentLibraryForm</Display>
+  <Edit>DocumentLibraryForm</Edit>
+  <New>DocumentLibraryForm</New>
+</FormTemplates>
+</file>
+
 <file path=customXml/item3.xml><?xml version="1.0" encoding="utf-8"?>
 <p:properties xmlns:p="http://schemas.microsoft.com/office/2006/metadata/properties" xmlns:xsi="http://www.w3.org/2001/XMLSchema-instance" xmlns:pc="http://schemas.microsoft.com/office/infopath/2007/PartnerControls">
   <documentManagement/>
@@ -16067,14 +14418,6 @@
 </file>
 
 <file path=customXml/itemProps1.xml><?xml version="1.0" encoding="utf-8"?>
-<ds:datastoreItem xmlns:ds="http://schemas.openxmlformats.org/officeDocument/2006/customXml" ds:itemID="{DB33BD26-ED12-4115-8C2A-764D77AAC174}">
-  <ds:schemaRefs>
-    <ds:schemaRef ds:uri="http://schemas.microsoft.com/sharepoint/v3/contenttype/forms"/>
-  </ds:schemaRefs>
-</ds:datastoreItem>
-</file>
-
-<file path=customXml/itemProps2.xml><?xml version="1.0" encoding="utf-8"?>
 <ds:datastoreItem xmlns:ds="http://schemas.openxmlformats.org/officeDocument/2006/customXml" ds:itemID="{9A3F05B8-2F50-4346-8866-498ED2FB0612}">
   <ds:schemaRefs>
     <ds:schemaRef ds:uri="3d6173bc-f643-4af8-84bf-2883b10e4cc3"/>
@@ -16092,6 +14435,14 @@
 </ds:datastoreItem>
 </file>
 
+<file path=customXml/itemProps2.xml><?xml version="1.0" encoding="utf-8"?>
+<ds:datastoreItem xmlns:ds="http://schemas.openxmlformats.org/officeDocument/2006/customXml" ds:itemID="{DB33BD26-ED12-4115-8C2A-764D77AAC174}">
+  <ds:schemaRefs>
+    <ds:schemaRef ds:uri="http://schemas.microsoft.com/sharepoint/v3/contenttype/forms"/>
+  </ds:schemaRefs>
+</ds:datastoreItem>
+</file>
+
 <file path=customXml/itemProps3.xml><?xml version="1.0" encoding="utf-8"?>
 <ds:datastoreItem xmlns:ds="http://schemas.openxmlformats.org/officeDocument/2006/customXml" ds:itemID="{E20F97EF-1A0A-4049-979C-2ACEAD476EED}">
   <ds:schemaRefs>
